--- a/hw1/Report.pptx
+++ b/hw1/Report.pptx
@@ -6,12 +6,16 @@
   </p:sldMasterIdLst>
   <p:sldIdLst>
     <p:sldId id="256" r:id="rId2"/>
-    <p:sldId id="258" r:id="rId3"/>
-    <p:sldId id="257" r:id="rId4"/>
-    <p:sldId id="259" r:id="rId5"/>
-    <p:sldId id="260" r:id="rId6"/>
-    <p:sldId id="261" r:id="rId7"/>
-    <p:sldId id="262" r:id="rId8"/>
+    <p:sldId id="264" r:id="rId3"/>
+    <p:sldId id="266" r:id="rId4"/>
+    <p:sldId id="257" r:id="rId5"/>
+    <p:sldId id="265" r:id="rId6"/>
+    <p:sldId id="259" r:id="rId7"/>
+    <p:sldId id="260" r:id="rId8"/>
+    <p:sldId id="261" r:id="rId9"/>
+    <p:sldId id="262" r:id="rId10"/>
+    <p:sldId id="269" r:id="rId11"/>
+    <p:sldId id="270" r:id="rId12"/>
   </p:sldIdLst>
   <p:sldSz cx="12192000" cy="6858000"/>
   <p:notesSz cx="6858000" cy="9144000"/>
@@ -110,6 +114,11 @@
       </a:defRPr>
     </a:lvl9pPr>
   </p:defaultTextStyle>
+  <p:extLst>
+    <p:ext uri="{EFAFB233-063F-42B5-8137-9DF3F51BA10A}">
+      <p15:sldGuideLst xmlns:p15="http://schemas.microsoft.com/office/powerpoint/2012/main"/>
+    </p:ext>
+  </p:extLst>
 </p:presentation>
 </file>
 
@@ -3820,7 +3829,7 @@
 </p:sld>
 </file>
 
-<file path=ppt/slides/slide2.xml><?xml version="1.0" encoding="utf-8"?>
+<file path=ppt/slides/slide10.xml><?xml version="1.0" encoding="utf-8"?>
 <p:sld xmlns:a="http://schemas.openxmlformats.org/drawingml/2006/main" xmlns:r="http://schemas.openxmlformats.org/officeDocument/2006/relationships" xmlns:p="http://schemas.openxmlformats.org/presentationml/2006/main">
   <p:cSld>
     <p:bg>
@@ -3833,7 +3842,13 @@
     </p:bg>
     <p:spTree>
       <p:nvGrpSpPr>
-        <p:cNvPr id="1" name=""/>
+        <p:cNvPr id="1" name="">
+          <a:extLst>
+            <a:ext uri="{FF2B5EF4-FFF2-40B4-BE49-F238E27FC236}">
+              <a16:creationId xmlns:a16="http://schemas.microsoft.com/office/drawing/2014/main" id="{8D899178-C644-D2CA-11DA-B0DA48992E08}"/>
+            </a:ext>
+          </a:extLst>
+        </p:cNvPr>
         <p:cNvGrpSpPr/>
         <p:nvPr/>
       </p:nvGrpSpPr>
@@ -3847,10 +3862,10 @@
       </p:grpSpPr>
       <p:sp useBgFill="1">
         <p:nvSpPr>
-          <p:cNvPr id="25" name="Rectangle 24">
-            <a:extLst>
-              <a:ext uri="{FF2B5EF4-FFF2-40B4-BE49-F238E27FC236}">
-                <a16:creationId xmlns:a16="http://schemas.microsoft.com/office/drawing/2014/main" id="{A8384FB5-9ADC-4DDC-881B-597D56F5B15D}"/>
+          <p:cNvPr id="20" name="Rectangle 19">
+            <a:extLst>
+              <a:ext uri="{FF2B5EF4-FFF2-40B4-BE49-F238E27FC236}">
+                <a16:creationId xmlns:a16="http://schemas.microsoft.com/office/drawing/2014/main" id="{D4485960-29DA-9933-EC37-617F2A746877}"/>
               </a:ext>
               <a:ext uri="{C183D7F6-B498-43B3-948B-1728B52AA6E4}">
                 <adec:decorative xmlns:adec="http://schemas.microsoft.com/office/drawing/2017/decorative" val="1"/>
@@ -3916,595 +3931,46 @@
           <a:bodyPr rtlCol="0" anchor="ctr"/>
           <a:lstStyle/>
           <a:p>
-            <a:pPr algn="ctr"/>
-            <a:endParaRPr lang="en-US"/>
-          </a:p>
-        </p:txBody>
-      </p:sp>
-      <p:sp>
-        <p:nvSpPr>
-          <p:cNvPr id="27" name="Rectangle 26">
-            <a:extLst>
-              <a:ext uri="{FF2B5EF4-FFF2-40B4-BE49-F238E27FC236}">
-                <a16:creationId xmlns:a16="http://schemas.microsoft.com/office/drawing/2014/main" id="{1199E1B1-A8C0-4FE8-A5A8-1CB41D69F857}"/>
-              </a:ext>
-              <a:ext uri="{C183D7F6-B498-43B3-948B-1728B52AA6E4}">
-                <adec:decorative xmlns:adec="http://schemas.microsoft.com/office/drawing/2017/decorative" val="1"/>
-              </a:ext>
-            </a:extLst>
-          </p:cNvPr>
-          <p:cNvSpPr>
-            <a:spLocks noGrp="1" noRot="1" noChangeAspect="1" noMove="1" noResize="1" noEditPoints="1" noAdjustHandles="1" noChangeArrowheads="1" noChangeShapeType="1" noTextEdit="1"/>
-          </p:cNvSpPr>
-          <p:nvPr>
-            <p:extLst>
-              <p:ext uri="{386F3935-93C4-4BCD-93E2-E3B085C9AB24}">
-                <p16:designElem xmlns:p16="http://schemas.microsoft.com/office/powerpoint/2015/main" val="1"/>
-              </p:ext>
-            </p:extLst>
-          </p:nvPr>
-        </p:nvSpPr>
-        <p:spPr>
-          <a:xfrm rot="10800000" flipH="1">
-            <a:off x="2" y="0"/>
-            <a:ext cx="12191998" cy="1575955"/>
-          </a:xfrm>
-          <a:prstGeom prst="rect">
-            <a:avLst/>
-          </a:prstGeom>
-          <a:gradFill>
-            <a:gsLst>
-              <a:gs pos="0">
-                <a:srgbClr val="000000">
-                  <a:alpha val="96000"/>
-                </a:srgbClr>
-              </a:gs>
-              <a:gs pos="100000">
-                <a:schemeClr val="accent1">
-                  <a:lumMod val="75000"/>
-                </a:schemeClr>
-              </a:gs>
-            </a:gsLst>
-            <a:lin ang="6000000" scaled="0"/>
-          </a:gradFill>
-          <a:ln>
-            <a:noFill/>
-          </a:ln>
-        </p:spPr>
-        <p:style>
-          <a:lnRef idx="2">
-            <a:schemeClr val="accent1">
-              <a:shade val="50000"/>
-            </a:schemeClr>
-          </a:lnRef>
-          <a:fillRef idx="1">
-            <a:schemeClr val="accent1"/>
-          </a:fillRef>
-          <a:effectRef idx="0">
-            <a:schemeClr val="accent1"/>
-          </a:effectRef>
-          <a:fontRef idx="minor">
-            <a:schemeClr val="lt1"/>
-          </a:fontRef>
-        </p:style>
-        <p:txBody>
-          <a:bodyPr rtlCol="0" anchor="ctr"/>
-          <a:lstStyle/>
-          <a:p>
-            <a:pPr algn="ctr"/>
-            <a:endParaRPr lang="en-US"/>
-          </a:p>
-        </p:txBody>
-      </p:sp>
-      <p:sp>
-        <p:nvSpPr>
-          <p:cNvPr id="29" name="Rectangle 28">
-            <a:extLst>
-              <a:ext uri="{FF2B5EF4-FFF2-40B4-BE49-F238E27FC236}">
-                <a16:creationId xmlns:a16="http://schemas.microsoft.com/office/drawing/2014/main" id="{84A8DE83-DE75-4B41-9DB4-A7EC0B0DEC0B}"/>
-              </a:ext>
-              <a:ext uri="{C183D7F6-B498-43B3-948B-1728B52AA6E4}">
-                <adec:decorative xmlns:adec="http://schemas.microsoft.com/office/drawing/2017/decorative" val="1"/>
-              </a:ext>
-            </a:extLst>
-          </p:cNvPr>
-          <p:cNvSpPr>
-            <a:spLocks noGrp="1" noRot="1" noChangeAspect="1" noMove="1" noResize="1" noEditPoints="1" noAdjustHandles="1" noChangeArrowheads="1" noChangeShapeType="1" noTextEdit="1"/>
-          </p:cNvSpPr>
-          <p:nvPr>
-            <p:extLst>
-              <p:ext uri="{386F3935-93C4-4BCD-93E2-E3B085C9AB24}">
-                <p16:designElem xmlns:p16="http://schemas.microsoft.com/office/powerpoint/2015/main" val="1"/>
-              </p:ext>
-            </p:extLst>
-          </p:nvPr>
-        </p:nvSpPr>
-        <p:spPr>
-          <a:xfrm>
-            <a:off x="0" y="0"/>
-            <a:ext cx="8128856" cy="1575461"/>
-          </a:xfrm>
-          <a:prstGeom prst="rect">
-            <a:avLst/>
-          </a:prstGeom>
-          <a:gradFill>
-            <a:gsLst>
-              <a:gs pos="0">
-                <a:schemeClr val="accent1">
-                  <a:alpha val="41000"/>
-                </a:schemeClr>
-              </a:gs>
-              <a:gs pos="74000">
-                <a:schemeClr val="accent1">
-                  <a:lumMod val="60000"/>
-                  <a:lumOff val="40000"/>
-                  <a:alpha val="0"/>
-                </a:schemeClr>
-              </a:gs>
-            </a:gsLst>
-            <a:lin ang="8400000" scaled="0"/>
-          </a:gradFill>
-          <a:ln>
-            <a:noFill/>
-          </a:ln>
-        </p:spPr>
-        <p:style>
-          <a:lnRef idx="2">
-            <a:schemeClr val="accent1">
-              <a:shade val="50000"/>
-            </a:schemeClr>
-          </a:lnRef>
-          <a:fillRef idx="1">
-            <a:schemeClr val="accent1"/>
-          </a:fillRef>
-          <a:effectRef idx="0">
-            <a:schemeClr val="accent1"/>
-          </a:effectRef>
-          <a:fontRef idx="minor">
-            <a:schemeClr val="lt1"/>
-          </a:fontRef>
-        </p:style>
-        <p:txBody>
-          <a:bodyPr rtlCol="0" anchor="ctr"/>
-          <a:lstStyle/>
-          <a:p>
-            <a:pPr algn="ctr"/>
-            <a:endParaRPr lang="en-US"/>
-          </a:p>
-        </p:txBody>
-      </p:sp>
-      <p:sp>
-        <p:nvSpPr>
-          <p:cNvPr id="31" name="Rectangle 30">
-            <a:extLst>
-              <a:ext uri="{FF2B5EF4-FFF2-40B4-BE49-F238E27FC236}">
-                <a16:creationId xmlns:a16="http://schemas.microsoft.com/office/drawing/2014/main" id="{A7009A0A-BEF5-4EAC-AF15-E4F9F002E239}"/>
-              </a:ext>
-              <a:ext uri="{C183D7F6-B498-43B3-948B-1728B52AA6E4}">
-                <adec:decorative xmlns:adec="http://schemas.microsoft.com/office/drawing/2017/decorative" val="1"/>
-              </a:ext>
-            </a:extLst>
-          </p:cNvPr>
-          <p:cNvSpPr>
-            <a:spLocks noGrp="1" noRot="1" noChangeAspect="1" noMove="1" noResize="1" noEditPoints="1" noAdjustHandles="1" noChangeArrowheads="1" noChangeShapeType="1" noTextEdit="1"/>
-          </p:cNvSpPr>
-          <p:nvPr>
-            <p:extLst>
-              <p:ext uri="{386F3935-93C4-4BCD-93E2-E3B085C9AB24}">
-                <p16:designElem xmlns:p16="http://schemas.microsoft.com/office/powerpoint/2015/main" val="1"/>
-              </p:ext>
-            </p:extLst>
-          </p:nvPr>
-        </p:nvSpPr>
-        <p:spPr>
-          <a:xfrm flipH="1">
-            <a:off x="-3" y="-1"/>
-            <a:ext cx="12192002" cy="1574311"/>
-          </a:xfrm>
-          <a:prstGeom prst="rect">
-            <a:avLst/>
-          </a:prstGeom>
-          <a:gradFill>
-            <a:gsLst>
-              <a:gs pos="0">
-                <a:srgbClr val="000000">
-                  <a:alpha val="63000"/>
-                </a:srgbClr>
-              </a:gs>
-              <a:gs pos="78000">
-                <a:schemeClr val="accent1">
-                  <a:alpha val="15000"/>
-                </a:schemeClr>
-              </a:gs>
-            </a:gsLst>
-            <a:lin ang="15600000" scaled="0"/>
-          </a:gradFill>
-          <a:ln>
-            <a:noFill/>
-          </a:ln>
-        </p:spPr>
-        <p:style>
-          <a:lnRef idx="2">
-            <a:schemeClr val="accent1">
-              <a:shade val="50000"/>
-            </a:schemeClr>
-          </a:lnRef>
-          <a:fillRef idx="1">
-            <a:schemeClr val="accent1"/>
-          </a:fillRef>
-          <a:effectRef idx="0">
-            <a:schemeClr val="accent1"/>
-          </a:effectRef>
-          <a:fontRef idx="minor">
-            <a:schemeClr val="lt1"/>
-          </a:fontRef>
-        </p:style>
-        <p:txBody>
-          <a:bodyPr rtlCol="0" anchor="ctr"/>
-          <a:lstStyle/>
-          <a:p>
-            <a:pPr algn="ctr"/>
-            <a:endParaRPr lang="en-US"/>
-          </a:p>
-        </p:txBody>
-      </p:sp>
-      <p:sp>
-        <p:nvSpPr>
-          <p:cNvPr id="2" name="Title 1">
-            <a:extLst>
-              <a:ext uri="{FF2B5EF4-FFF2-40B4-BE49-F238E27FC236}">
-                <a16:creationId xmlns:a16="http://schemas.microsoft.com/office/drawing/2014/main" id="{3D3BEEAF-57B1-4B51-7E2C-D7ED0B38CE00}"/>
-              </a:ext>
-            </a:extLst>
-          </p:cNvPr>
-          <p:cNvSpPr>
-            <a:spLocks noGrp="1"/>
-          </p:cNvSpPr>
-          <p:nvPr>
-            <p:ph type="title"/>
-          </p:nvPr>
-        </p:nvSpPr>
-        <p:spPr>
-          <a:xfrm>
-            <a:off x="699713" y="248038"/>
-            <a:ext cx="7063721" cy="1159200"/>
-          </a:xfrm>
-        </p:spPr>
-        <p:txBody>
-          <a:bodyPr vert="horz" lIns="91440" tIns="45720" rIns="91440" bIns="45720" rtlCol="0" anchor="ctr">
-            <a:normAutofit/>
-          </a:bodyPr>
-          <a:lstStyle/>
-          <a:p>
-            <a:r>
-              <a:rPr lang="zh-TW" altLang="en-US" sz="4000" kern="1200">
-                <a:solidFill>
-                  <a:srgbClr val="FFFFFF"/>
-                </a:solidFill>
-                <a:latin typeface="+mj-lt"/>
-                <a:ea typeface="+mj-ea"/>
-                <a:cs typeface="+mj-cs"/>
-              </a:rPr>
-              <a:t>題目特點</a:t>
-            </a:r>
-            <a:endParaRPr lang="en-US" sz="4000" kern="1200">
+            <a:pPr marL="0" marR="0" lvl="0" indent="0" algn="ctr" defTabSz="914400" rtl="0" eaLnBrk="1" fontAlgn="auto" latinLnBrk="0" hangingPunct="1">
+              <a:lnSpc>
+                <a:spcPct val="100000"/>
+              </a:lnSpc>
+              <a:spcBef>
+                <a:spcPts val="0"/>
+              </a:spcBef>
+              <a:spcAft>
+                <a:spcPts val="0"/>
+              </a:spcAft>
+              <a:buClrTx/>
+              <a:buSzTx/>
+              <a:buFontTx/>
+              <a:buNone/>
+              <a:tabLst/>
+              <a:defRPr/>
+            </a:pPr>
+            <a:endParaRPr kumimoji="0" lang="en-US" sz="1800" b="0" i="0" u="none" strike="noStrike" kern="1200" cap="none" spc="0" normalizeH="0" baseline="0" noProof="0">
+              <a:ln>
+                <a:noFill/>
+              </a:ln>
               <a:solidFill>
-                <a:srgbClr val="FFFFFF"/>
+                <a:prstClr val="white"/>
               </a:solidFill>
-              <a:latin typeface="+mj-lt"/>
-              <a:ea typeface="+mj-ea"/>
-              <a:cs typeface="+mj-cs"/>
-            </a:endParaRPr>
-          </a:p>
-        </p:txBody>
-      </p:sp>
-      <p:sp>
-        <p:nvSpPr>
-          <p:cNvPr id="9" name="Content Placeholder 8">
-            <a:extLst>
-              <a:ext uri="{FF2B5EF4-FFF2-40B4-BE49-F238E27FC236}">
-                <a16:creationId xmlns:a16="http://schemas.microsoft.com/office/drawing/2014/main" id="{633375C2-3D55-9F8A-5AAE-2FD73525CD10}"/>
-              </a:ext>
-            </a:extLst>
-          </p:cNvPr>
-          <p:cNvSpPr>
-            <a:spLocks noGrp="1"/>
-          </p:cNvSpPr>
-          <p:nvPr>
-            <p:ph idx="1"/>
-          </p:nvPr>
-        </p:nvSpPr>
-        <p:spPr>
-          <a:xfrm>
-            <a:off x="2569149" y="5122000"/>
-            <a:ext cx="7053698" cy="1347353"/>
-          </a:xfrm>
-        </p:spPr>
-        <p:txBody>
-          <a:bodyPr vert="horz" lIns="91440" tIns="45720" rIns="91440" bIns="45720" rtlCol="0" anchor="ctr">
-            <a:normAutofit/>
-          </a:bodyPr>
-          <a:lstStyle/>
-          <a:p>
-            <a:r>
-              <a:rPr lang="en-US" altLang="zh-TW" sz="1800" kern="1200" dirty="0">
-                <a:latin typeface="+mn-lt"/>
-                <a:ea typeface="+mn-ea"/>
-                <a:cs typeface="+mn-cs"/>
-              </a:rPr>
-              <a:t>Y output</a:t>
-            </a:r>
-            <a:r>
-              <a:rPr lang="zh-TW" altLang="en-US" sz="1800" kern="1200" dirty="0">
-                <a:latin typeface="+mn-lt"/>
-                <a:ea typeface="+mn-ea"/>
-                <a:cs typeface="+mn-cs"/>
-              </a:rPr>
-              <a:t>再經過</a:t>
-            </a:r>
-            <a:r>
-              <a:rPr lang="en-US" altLang="zh-TW" sz="1800" kern="1200" dirty="0">
-                <a:latin typeface="+mn-lt"/>
-                <a:ea typeface="+mn-ea"/>
-                <a:cs typeface="+mn-cs"/>
-              </a:rPr>
-              <a:t>9</a:t>
-            </a:r>
-            <a:r>
-              <a:rPr lang="zh-TW" altLang="en-US" sz="1800" kern="1200" dirty="0">
-                <a:latin typeface="+mn-lt"/>
-                <a:ea typeface="+mn-ea"/>
-                <a:cs typeface="+mn-cs"/>
-              </a:rPr>
-              <a:t>個值後，第</a:t>
-            </a:r>
-            <a:r>
-              <a:rPr lang="en-US" altLang="zh-TW" sz="1800" kern="1200" dirty="0">
-                <a:latin typeface="+mn-lt"/>
-                <a:ea typeface="+mn-ea"/>
-                <a:cs typeface="+mn-cs"/>
-              </a:rPr>
-              <a:t>10</a:t>
-            </a:r>
-            <a:r>
-              <a:rPr lang="zh-TW" altLang="en-US" sz="1800" kern="1200" dirty="0">
-                <a:latin typeface="+mn-lt"/>
-                <a:ea typeface="+mn-ea"/>
-                <a:cs typeface="+mn-cs"/>
-              </a:rPr>
-              <a:t>個值時就必須計算完成，並且持續跟著</a:t>
-            </a:r>
-            <a:r>
-              <a:rPr lang="en-US" altLang="zh-TW" sz="1800" kern="1200" dirty="0">
-                <a:latin typeface="+mn-lt"/>
-                <a:ea typeface="+mn-ea"/>
-                <a:cs typeface="+mn-cs"/>
-              </a:rPr>
-              <a:t>X input</a:t>
-            </a:r>
-            <a:r>
-              <a:rPr lang="zh-TW" altLang="en-US" sz="1800" kern="1200" dirty="0">
-                <a:latin typeface="+mn-lt"/>
-                <a:ea typeface="+mn-ea"/>
-                <a:cs typeface="+mn-cs"/>
-              </a:rPr>
-              <a:t>計算出正確的</a:t>
-            </a:r>
-            <a:r>
-              <a:rPr lang="en-US" altLang="zh-TW" sz="1800" kern="1200" dirty="0">
-                <a:latin typeface="+mn-lt"/>
-                <a:ea typeface="+mn-ea"/>
-                <a:cs typeface="+mn-cs"/>
-              </a:rPr>
-              <a:t>Y</a:t>
-            </a:r>
-            <a:r>
-              <a:rPr lang="zh-TW" altLang="en-US" sz="1800" kern="1200" dirty="0">
-                <a:latin typeface="+mn-lt"/>
-                <a:ea typeface="+mn-ea"/>
-                <a:cs typeface="+mn-cs"/>
-              </a:rPr>
-              <a:t>，故需將計算過程透過合理安排能夠在</a:t>
-            </a:r>
-            <a:r>
-              <a:rPr lang="zh-TW" altLang="en-US" sz="1800" kern="1200" dirty="0">
-                <a:solidFill>
-                  <a:srgbClr val="FF0000"/>
-                </a:solidFill>
-                <a:latin typeface="+mn-lt"/>
-                <a:ea typeface="+mn-ea"/>
-                <a:cs typeface="+mn-cs"/>
-              </a:rPr>
-              <a:t>一個</a:t>
-            </a:r>
-            <a:r>
-              <a:rPr lang="en-US" altLang="zh-TW" sz="1800" kern="1200" dirty="0">
-                <a:solidFill>
-                  <a:srgbClr val="FF0000"/>
-                </a:solidFill>
-                <a:latin typeface="+mn-lt"/>
-                <a:ea typeface="+mn-ea"/>
-                <a:cs typeface="+mn-cs"/>
-              </a:rPr>
-              <a:t>clock</a:t>
-            </a:r>
-            <a:r>
-              <a:rPr lang="zh-TW" altLang="en-US" sz="1800" kern="1200" dirty="0">
-                <a:solidFill>
-                  <a:srgbClr val="FF0000"/>
-                </a:solidFill>
-                <a:latin typeface="+mn-lt"/>
-                <a:ea typeface="+mn-ea"/>
-                <a:cs typeface="+mn-cs"/>
-              </a:rPr>
-              <a:t>內做完題目要的計算</a:t>
-            </a:r>
-            <a:r>
-              <a:rPr lang="zh-TW" altLang="en-US" sz="1800" kern="1200" dirty="0">
-                <a:latin typeface="+mn-lt"/>
-                <a:ea typeface="+mn-ea"/>
-                <a:cs typeface="+mn-cs"/>
-              </a:rPr>
-              <a:t>。</a:t>
-            </a:r>
-            <a:endParaRPr lang="en-US" sz="1800" kern="1200" dirty="0">
-              <a:latin typeface="+mn-lt"/>
+              <a:effectLst/>
+              <a:uLnTx/>
+              <a:uFillTx/>
+              <a:latin typeface="Aptos" panose="02110004020202020204"/>
               <a:ea typeface="+mn-ea"/>
               <a:cs typeface="+mn-cs"/>
             </a:endParaRPr>
           </a:p>
         </p:txBody>
       </p:sp>
-      <p:pic>
-        <p:nvPicPr>
-          <p:cNvPr id="5" name="Content Placeholder 4">
-            <a:extLst>
-              <a:ext uri="{FF2B5EF4-FFF2-40B4-BE49-F238E27FC236}">
-                <a16:creationId xmlns:a16="http://schemas.microsoft.com/office/drawing/2014/main" id="{5093303C-107E-7429-05D9-7A4DBFE4D752}"/>
-              </a:ext>
-            </a:extLst>
-          </p:cNvPr>
-          <p:cNvPicPr>
-            <a:picLocks noChangeAspect="1"/>
-          </p:cNvPicPr>
-          <p:nvPr/>
-        </p:nvPicPr>
-        <p:blipFill>
-          <a:blip r:embed="rId2"/>
-          <a:stretch>
-            <a:fillRect/>
-          </a:stretch>
-        </p:blipFill>
-        <p:spPr>
-          <a:xfrm>
-            <a:off x="2282667" y="1822348"/>
-            <a:ext cx="7626662" cy="3069731"/>
-          </a:xfrm>
-          <a:prstGeom prst="rect">
-            <a:avLst/>
-          </a:prstGeom>
-        </p:spPr>
-      </p:pic>
-    </p:spTree>
-    <p:extLst>
-      <p:ext uri="{BB962C8B-B14F-4D97-AF65-F5344CB8AC3E}">
-        <p14:creationId xmlns:p14="http://schemas.microsoft.com/office/powerpoint/2010/main" val="1268911622"/>
-      </p:ext>
-    </p:extLst>
-  </p:cSld>
-  <p:clrMapOvr>
-    <a:masterClrMapping/>
-  </p:clrMapOvr>
-</p:sld>
-</file>
-
-<file path=ppt/slides/slide3.xml><?xml version="1.0" encoding="utf-8"?>
-<p:sld xmlns:a="http://schemas.openxmlformats.org/drawingml/2006/main" xmlns:r="http://schemas.openxmlformats.org/officeDocument/2006/relationships" xmlns:p="http://schemas.openxmlformats.org/presentationml/2006/main">
-  <p:cSld>
-    <p:bg>
-      <p:bgPr>
-        <a:solidFill>
-          <a:schemeClr val="bg1"/>
-        </a:solidFill>
-        <a:effectLst/>
-      </p:bgPr>
-    </p:bg>
-    <p:spTree>
-      <p:nvGrpSpPr>
-        <p:cNvPr id="1" name=""/>
-        <p:cNvGrpSpPr/>
-        <p:nvPr/>
-      </p:nvGrpSpPr>
-      <p:grpSpPr>
-        <a:xfrm>
-          <a:off x="0" y="0"/>
-          <a:ext cx="0" cy="0"/>
-          <a:chOff x="0" y="0"/>
-          <a:chExt cx="0" cy="0"/>
-        </a:xfrm>
-      </p:grpSpPr>
-      <p:sp useBgFill="1">
-        <p:nvSpPr>
-          <p:cNvPr id="20" name="Rectangle 19">
-            <a:extLst>
-              <a:ext uri="{FF2B5EF4-FFF2-40B4-BE49-F238E27FC236}">
-                <a16:creationId xmlns:a16="http://schemas.microsoft.com/office/drawing/2014/main" id="{6F5A5072-7B47-4D32-B52A-4EBBF590B8A5}"/>
-              </a:ext>
-              <a:ext uri="{C183D7F6-B498-43B3-948B-1728B52AA6E4}">
-                <adec:decorative xmlns:adec="http://schemas.microsoft.com/office/drawing/2017/decorative" val="1"/>
-              </a:ext>
-            </a:extLst>
-          </p:cNvPr>
-          <p:cNvSpPr>
-            <a:spLocks noGrp="1" noRot="1" noChangeAspect="1" noMove="1" noResize="1" noEditPoints="1" noAdjustHandles="1" noChangeArrowheads="1" noChangeShapeType="1" noTextEdit="1"/>
-          </p:cNvSpPr>
-          <p:nvPr>
-            <p:extLst>
-              <p:ext uri="{386F3935-93C4-4BCD-93E2-E3B085C9AB24}">
-                <p16:designElem xmlns:p16="http://schemas.microsoft.com/office/powerpoint/2015/main" val="1"/>
-              </p:ext>
-            </p:extLst>
-          </p:nvPr>
-        </p:nvSpPr>
-        <p:spPr>
-          <a:xfrm>
-            <a:off x="0" y="0"/>
-            <a:ext cx="12192000" cy="6858000"/>
-          </a:xfrm>
-          <a:prstGeom prst="rect">
-            <a:avLst/>
-          </a:prstGeom>
-          <a:ln w="12700" cap="flat" cmpd="sng" algn="ctr">
-            <a:noFill/>
-            <a:prstDash val="solid"/>
-            <a:miter lim="800000"/>
-          </a:ln>
-          <a:effectLst/>
-          <a:extLst>
-            <a:ext uri="{91240B29-F687-4F45-9708-019B960494DF}">
-              <a14:hiddenLine xmlns:a14="http://schemas.microsoft.com/office/drawing/2010/main" w="12700" cap="flat" cmpd="sng" algn="ctr">
-                <a:solidFill>
-                  <a:schemeClr val="accent1">
-                    <a:shade val="50000"/>
-                  </a:schemeClr>
-                </a:solidFill>
-                <a:prstDash val="solid"/>
-                <a:miter lim="800000"/>
-              </a14:hiddenLine>
-            </a:ext>
-          </a:extLst>
-        </p:spPr>
-        <p:style>
-          <a:lnRef idx="2">
-            <a:schemeClr val="accent1">
-              <a:shade val="50000"/>
-            </a:schemeClr>
-          </a:lnRef>
-          <a:fillRef idx="1">
-            <a:schemeClr val="accent1"/>
-          </a:fillRef>
-          <a:effectRef idx="0">
-            <a:schemeClr val="accent1"/>
-          </a:effectRef>
-          <a:fontRef idx="minor">
-            <a:schemeClr val="lt1"/>
-          </a:fontRef>
-        </p:style>
-        <p:txBody>
-          <a:bodyPr rtlCol="0" anchor="ctr"/>
-          <a:lstStyle/>
-          <a:p>
-            <a:pPr algn="ctr"/>
-            <a:endParaRPr lang="en-US"/>
-          </a:p>
-        </p:txBody>
-      </p:sp>
       <p:sp>
         <p:nvSpPr>
           <p:cNvPr id="22" name="Rectangle 21">
             <a:extLst>
               <a:ext uri="{FF2B5EF4-FFF2-40B4-BE49-F238E27FC236}">
-                <a16:creationId xmlns:a16="http://schemas.microsoft.com/office/drawing/2014/main" id="{9715DAF0-AE1B-46C9-8A6B-DB2AA05AB91D}"/>
+                <a16:creationId xmlns:a16="http://schemas.microsoft.com/office/drawing/2014/main" id="{A108127D-D0BA-D863-94E0-E08000D5F647}"/>
               </a:ext>
               <a:ext uri="{C183D7F6-B498-43B3-948B-1728B52AA6E4}">
                 <adec:decorative xmlns:adec="http://schemas.microsoft.com/office/drawing/2017/decorative" val="1"/>
@@ -4567,8 +4033,37 @@
           <a:bodyPr rtlCol="0" anchor="ctr"/>
           <a:lstStyle/>
           <a:p>
-            <a:pPr algn="ctr"/>
-            <a:endParaRPr lang="en-US"/>
+            <a:pPr marL="0" marR="0" lvl="0" indent="0" algn="ctr" defTabSz="914400" rtl="0" eaLnBrk="1" fontAlgn="auto" latinLnBrk="0" hangingPunct="1">
+              <a:lnSpc>
+                <a:spcPct val="100000"/>
+              </a:lnSpc>
+              <a:spcBef>
+                <a:spcPts val="0"/>
+              </a:spcBef>
+              <a:spcAft>
+                <a:spcPts val="0"/>
+              </a:spcAft>
+              <a:buClrTx/>
+              <a:buSzTx/>
+              <a:buFontTx/>
+              <a:buNone/>
+              <a:tabLst/>
+              <a:defRPr/>
+            </a:pPr>
+            <a:endParaRPr kumimoji="0" lang="en-US" sz="1800" b="0" i="0" u="none" strike="noStrike" kern="1200" cap="none" spc="0" normalizeH="0" baseline="0" noProof="0">
+              <a:ln>
+                <a:noFill/>
+              </a:ln>
+              <a:solidFill>
+                <a:prstClr val="white"/>
+              </a:solidFill>
+              <a:effectLst/>
+              <a:uLnTx/>
+              <a:uFillTx/>
+              <a:latin typeface="Aptos" panose="02110004020202020204"/>
+              <a:ea typeface="+mn-ea"/>
+              <a:cs typeface="+mn-cs"/>
+            </a:endParaRPr>
           </a:p>
         </p:txBody>
       </p:sp>
@@ -4577,7 +4072,7 @@
           <p:cNvPr id="24" name="Rectangle 23">
             <a:extLst>
               <a:ext uri="{FF2B5EF4-FFF2-40B4-BE49-F238E27FC236}">
-                <a16:creationId xmlns:a16="http://schemas.microsoft.com/office/drawing/2014/main" id="{6016219D-510E-4184-9090-6D5578A87BD1}"/>
+                <a16:creationId xmlns:a16="http://schemas.microsoft.com/office/drawing/2014/main" id="{651DF337-D1A6-252F-5289-BA4BFB7F6CB5}"/>
               </a:ext>
               <a:ext uri="{C183D7F6-B498-43B3-948B-1728B52AA6E4}">
                 <adec:decorative xmlns:adec="http://schemas.microsoft.com/office/drawing/2017/decorative" val="1"/>
@@ -4643,8 +4138,37 @@
           <a:bodyPr rtlCol="0" anchor="ctr"/>
           <a:lstStyle/>
           <a:p>
-            <a:pPr algn="ctr"/>
-            <a:endParaRPr lang="en-US"/>
+            <a:pPr marL="0" marR="0" lvl="0" indent="0" algn="ctr" defTabSz="914400" rtl="0" eaLnBrk="1" fontAlgn="auto" latinLnBrk="0" hangingPunct="1">
+              <a:lnSpc>
+                <a:spcPct val="100000"/>
+              </a:lnSpc>
+              <a:spcBef>
+                <a:spcPts val="0"/>
+              </a:spcBef>
+              <a:spcAft>
+                <a:spcPts val="0"/>
+              </a:spcAft>
+              <a:buClrTx/>
+              <a:buSzTx/>
+              <a:buFontTx/>
+              <a:buNone/>
+              <a:tabLst/>
+              <a:defRPr/>
+            </a:pPr>
+            <a:endParaRPr kumimoji="0" lang="en-US" sz="1800" b="0" i="0" u="none" strike="noStrike" kern="1200" cap="none" spc="0" normalizeH="0" baseline="0" noProof="0">
+              <a:ln>
+                <a:noFill/>
+              </a:ln>
+              <a:solidFill>
+                <a:prstClr val="white"/>
+              </a:solidFill>
+              <a:effectLst/>
+              <a:uLnTx/>
+              <a:uFillTx/>
+              <a:latin typeface="Aptos" panose="02110004020202020204"/>
+              <a:ea typeface="+mn-ea"/>
+              <a:cs typeface="+mn-cs"/>
+            </a:endParaRPr>
           </a:p>
         </p:txBody>
       </p:sp>
@@ -4653,7 +4177,7 @@
           <p:cNvPr id="26" name="Rectangle 25">
             <a:extLst>
               <a:ext uri="{FF2B5EF4-FFF2-40B4-BE49-F238E27FC236}">
-                <a16:creationId xmlns:a16="http://schemas.microsoft.com/office/drawing/2014/main" id="{AFF4A713-7B75-4B21-90D7-5AB19547C728}"/>
+                <a16:creationId xmlns:a16="http://schemas.microsoft.com/office/drawing/2014/main" id="{EC76D6CF-A528-C407-A60B-5A83657FB312}"/>
               </a:ext>
               <a:ext uri="{C183D7F6-B498-43B3-948B-1728B52AA6E4}">
                 <adec:decorative xmlns:adec="http://schemas.microsoft.com/office/drawing/2017/decorative" val="1"/>
@@ -4718,8 +4242,37 @@
           <a:bodyPr rtlCol="0" anchor="ctr"/>
           <a:lstStyle/>
           <a:p>
-            <a:pPr algn="ctr"/>
-            <a:endParaRPr lang="en-US"/>
+            <a:pPr marL="0" marR="0" lvl="0" indent="0" algn="ctr" defTabSz="914400" rtl="0" eaLnBrk="1" fontAlgn="auto" latinLnBrk="0" hangingPunct="1">
+              <a:lnSpc>
+                <a:spcPct val="100000"/>
+              </a:lnSpc>
+              <a:spcBef>
+                <a:spcPts val="0"/>
+              </a:spcBef>
+              <a:spcAft>
+                <a:spcPts val="0"/>
+              </a:spcAft>
+              <a:buClrTx/>
+              <a:buSzTx/>
+              <a:buFontTx/>
+              <a:buNone/>
+              <a:tabLst/>
+              <a:defRPr/>
+            </a:pPr>
+            <a:endParaRPr kumimoji="0" lang="en-US" sz="1800" b="0" i="0" u="none" strike="noStrike" kern="1200" cap="none" spc="0" normalizeH="0" baseline="0" noProof="0">
+              <a:ln>
+                <a:noFill/>
+              </a:ln>
+              <a:solidFill>
+                <a:prstClr val="white"/>
+              </a:solidFill>
+              <a:effectLst/>
+              <a:uLnTx/>
+              <a:uFillTx/>
+              <a:latin typeface="Aptos" panose="02110004020202020204"/>
+              <a:ea typeface="+mn-ea"/>
+              <a:cs typeface="+mn-cs"/>
+            </a:endParaRPr>
           </a:p>
         </p:txBody>
       </p:sp>
@@ -4728,7 +4281,7 @@
           <p:cNvPr id="28" name="Rectangle 27">
             <a:extLst>
               <a:ext uri="{FF2B5EF4-FFF2-40B4-BE49-F238E27FC236}">
-                <a16:creationId xmlns:a16="http://schemas.microsoft.com/office/drawing/2014/main" id="{DC631C0B-6DA6-4E57-8231-CE32B3434A7E}"/>
+                <a16:creationId xmlns:a16="http://schemas.microsoft.com/office/drawing/2014/main" id="{5FE41F6C-15C0-E1EA-FC7E-096CBB2CA3C0}"/>
               </a:ext>
               <a:ext uri="{C183D7F6-B498-43B3-948B-1728B52AA6E4}">
                 <adec:decorative xmlns:adec="http://schemas.microsoft.com/office/drawing/2017/decorative" val="1"/>
@@ -4794,8 +4347,37 @@
           <a:bodyPr rtlCol="0" anchor="ctr"/>
           <a:lstStyle/>
           <a:p>
-            <a:pPr algn="ctr"/>
-            <a:endParaRPr lang="en-US"/>
+            <a:pPr marL="0" marR="0" lvl="0" indent="0" algn="ctr" defTabSz="914400" rtl="0" eaLnBrk="1" fontAlgn="auto" latinLnBrk="0" hangingPunct="1">
+              <a:lnSpc>
+                <a:spcPct val="100000"/>
+              </a:lnSpc>
+              <a:spcBef>
+                <a:spcPts val="0"/>
+              </a:spcBef>
+              <a:spcAft>
+                <a:spcPts val="0"/>
+              </a:spcAft>
+              <a:buClrTx/>
+              <a:buSzTx/>
+              <a:buFontTx/>
+              <a:buNone/>
+              <a:tabLst/>
+              <a:defRPr/>
+            </a:pPr>
+            <a:endParaRPr kumimoji="0" lang="en-US" sz="1800" b="0" i="0" u="none" strike="noStrike" kern="1200" cap="none" spc="0" normalizeH="0" baseline="0" noProof="0">
+              <a:ln>
+                <a:noFill/>
+              </a:ln>
+              <a:solidFill>
+                <a:prstClr val="white"/>
+              </a:solidFill>
+              <a:effectLst/>
+              <a:uLnTx/>
+              <a:uFillTx/>
+              <a:latin typeface="Aptos" panose="02110004020202020204"/>
+              <a:ea typeface="+mn-ea"/>
+              <a:cs typeface="+mn-cs"/>
+            </a:endParaRPr>
           </a:p>
         </p:txBody>
       </p:sp>
@@ -4804,7 +4386,7 @@
           <p:cNvPr id="30" name="Freeform: Shape 29">
             <a:extLst>
               <a:ext uri="{FF2B5EF4-FFF2-40B4-BE49-F238E27FC236}">
-                <a16:creationId xmlns:a16="http://schemas.microsoft.com/office/drawing/2014/main" id="{C29501E6-A978-4A61-9689-9085AF97A53A}"/>
+                <a16:creationId xmlns:a16="http://schemas.microsoft.com/office/drawing/2014/main" id="{B1F224CE-2A9A-95D0-5987-B626E2C2102F}"/>
               </a:ext>
               <a:ext uri="{C183D7F6-B498-43B3-948B-1728B52AA6E4}">
                 <adec:decorative xmlns:adec="http://schemas.microsoft.com/office/drawing/2017/decorative" val="1"/>
@@ -4938,8 +4520,37 @@
           </a:bodyPr>
           <a:lstStyle/>
           <a:p>
-            <a:pPr algn="ctr"/>
-            <a:endParaRPr lang="en-US" dirty="0"/>
+            <a:pPr marL="0" marR="0" lvl="0" indent="0" algn="ctr" defTabSz="914400" rtl="0" eaLnBrk="1" fontAlgn="auto" latinLnBrk="0" hangingPunct="1">
+              <a:lnSpc>
+                <a:spcPct val="100000"/>
+              </a:lnSpc>
+              <a:spcBef>
+                <a:spcPts val="0"/>
+              </a:spcBef>
+              <a:spcAft>
+                <a:spcPts val="0"/>
+              </a:spcAft>
+              <a:buClrTx/>
+              <a:buSzTx/>
+              <a:buFontTx/>
+              <a:buNone/>
+              <a:tabLst/>
+              <a:defRPr/>
+            </a:pPr>
+            <a:endParaRPr kumimoji="0" lang="en-US" sz="1800" b="0" i="0" u="none" strike="noStrike" kern="1200" cap="none" spc="0" normalizeH="0" baseline="0" noProof="0" dirty="0">
+              <a:ln>
+                <a:noFill/>
+              </a:ln>
+              <a:solidFill>
+                <a:prstClr val="white"/>
+              </a:solidFill>
+              <a:effectLst/>
+              <a:uLnTx/>
+              <a:uFillTx/>
+              <a:latin typeface="Aptos" panose="02110004020202020204"/>
+              <a:ea typeface="+mn-ea"/>
+              <a:cs typeface="+mn-cs"/>
+            </a:endParaRPr>
           </a:p>
         </p:txBody>
       </p:sp>
@@ -4948,7 +4559,7 @@
           <p:cNvPr id="2" name="Title 1">
             <a:extLst>
               <a:ext uri="{FF2B5EF4-FFF2-40B4-BE49-F238E27FC236}">
-                <a16:creationId xmlns:a16="http://schemas.microsoft.com/office/drawing/2014/main" id="{5B194AB1-91F9-9C15-F4F9-71288D0BF4FA}"/>
+                <a16:creationId xmlns:a16="http://schemas.microsoft.com/office/drawing/2014/main" id="{9621F732-2ACE-12C0-6A3F-0F952E8B184C}"/>
               </a:ext>
             </a:extLst>
           </p:cNvPr>
@@ -4972,15 +4583,12 @@
           <a:lstStyle/>
           <a:p>
             <a:r>
-              <a:rPr lang="zh-TW" altLang="en-US" sz="4800" kern="1200" dirty="0">
+              <a:rPr lang="en-US" sz="4800" dirty="0">
                 <a:solidFill>
                   <a:srgbClr val="FFFFFF"/>
                 </a:solidFill>
-                <a:latin typeface="+mj-lt"/>
-                <a:ea typeface="+mj-ea"/>
-                <a:cs typeface="+mj-cs"/>
               </a:rPr>
-              <a:t>電路設計說明</a:t>
+              <a:t>Learn from this homework</a:t>
             </a:r>
             <a:endParaRPr lang="en-US" sz="4800" kern="1200" dirty="0">
               <a:solidFill>
@@ -4996,105 +4604,1320 @@
     </p:spTree>
     <p:extLst>
       <p:ext uri="{BB962C8B-B14F-4D97-AF65-F5344CB8AC3E}">
-        <p14:creationId xmlns:p14="http://schemas.microsoft.com/office/powerpoint/2010/main" val="2150839073"/>
+        <p14:creationId xmlns:p14="http://schemas.microsoft.com/office/powerpoint/2010/main" val="3677463262"/>
       </p:ext>
     </p:extLst>
   </p:cSld>
   <p:clrMapOvr>
     <a:masterClrMapping/>
   </p:clrMapOvr>
-  <p:timing>
-    <p:tnLst>
-      <p:par>
-        <p:cTn id="1" dur="indefinite" restart="never" nodeType="tmRoot">
-          <p:childTnLst>
-            <p:seq concurrent="1" nextAc="seek">
-              <p:cTn id="2" dur="indefinite" nodeType="mainSeq">
-                <p:childTnLst>
-                  <p:par>
-                    <p:cTn id="3" fill="hold">
-                      <p:stCondLst>
-                        <p:cond delay="indefinite"/>
-                        <p:cond evt="onBegin" delay="0">
-                          <p:tn val="2"/>
-                        </p:cond>
-                      </p:stCondLst>
-                      <p:childTnLst>
-                        <p:par>
-                          <p:cTn id="4" fill="hold">
-                            <p:stCondLst>
-                              <p:cond delay="0"/>
-                            </p:stCondLst>
-                            <p:childTnLst>
-                              <p:par>
-                                <p:cTn id="5" presetID="10" presetClass="entr" presetSubtype="0" fill="hold" grpId="0" nodeType="withEffect">
-                                  <p:stCondLst>
-                                    <p:cond delay="500"/>
-                                  </p:stCondLst>
-                                  <p:iterate type="lt">
-                                    <p:tmPct val="10000"/>
-                                  </p:iterate>
-                                  <p:childTnLst>
-                                    <p:set>
-                                      <p:cBhvr>
-                                        <p:cTn id="6" dur="1" fill="hold">
-                                          <p:stCondLst>
-                                            <p:cond delay="0"/>
-                                          </p:stCondLst>
-                                        </p:cTn>
-                                        <p:tgtEl>
-                                          <p:spTgt spid="2"/>
-                                        </p:tgtEl>
-                                        <p:attrNameLst>
-                                          <p:attrName>style.visibility</p:attrName>
-                                        </p:attrNameLst>
-                                      </p:cBhvr>
-                                      <p:to>
-                                        <p:strVal val="visible"/>
-                                      </p:to>
-                                    </p:set>
-                                    <p:animEffect transition="in" filter="fade">
-                                      <p:cBhvr>
-                                        <p:cTn id="7" dur="400"/>
-                                        <p:tgtEl>
-                                          <p:spTgt spid="2"/>
-                                        </p:tgtEl>
-                                      </p:cBhvr>
-                                    </p:animEffect>
-                                  </p:childTnLst>
-                                </p:cTn>
-                              </p:par>
-                            </p:childTnLst>
-                          </p:cTn>
-                        </p:par>
-                      </p:childTnLst>
-                    </p:cTn>
-                  </p:par>
-                </p:childTnLst>
-              </p:cTn>
-              <p:prevCondLst>
-                <p:cond evt="onPrev" delay="0">
-                  <p:tgtEl>
-                    <p:sldTgt/>
-                  </p:tgtEl>
-                </p:cond>
-              </p:prevCondLst>
-              <p:nextCondLst>
-                <p:cond evt="onNext" delay="0">
-                  <p:tgtEl>
-                    <p:sldTgt/>
-                  </p:tgtEl>
-                </p:cond>
-              </p:nextCondLst>
-            </p:seq>
-          </p:childTnLst>
-        </p:cTn>
-      </p:par>
-    </p:tnLst>
-    <p:bldLst>
-      <p:bldP spid="2" grpId="0"/>
-    </p:bldLst>
-  </p:timing>
+</p:sld>
+</file>
+
+<file path=ppt/slides/slide11.xml><?xml version="1.0" encoding="utf-8"?>
+<p:sld xmlns:a="http://schemas.openxmlformats.org/drawingml/2006/main" xmlns:r="http://schemas.openxmlformats.org/officeDocument/2006/relationships" xmlns:p="http://schemas.openxmlformats.org/presentationml/2006/main">
+  <p:cSld>
+    <p:bg>
+      <p:bgPr>
+        <a:solidFill>
+          <a:schemeClr val="bg1"/>
+        </a:solidFill>
+        <a:effectLst/>
+      </p:bgPr>
+    </p:bg>
+    <p:spTree>
+      <p:nvGrpSpPr>
+        <p:cNvPr id="1" name=""/>
+        <p:cNvGrpSpPr/>
+        <p:nvPr/>
+      </p:nvGrpSpPr>
+      <p:grpSpPr>
+        <a:xfrm>
+          <a:off x="0" y="0"/>
+          <a:ext cx="0" cy="0"/>
+          <a:chOff x="0" y="0"/>
+          <a:chExt cx="0" cy="0"/>
+        </a:xfrm>
+      </p:grpSpPr>
+      <p:sp useBgFill="1">
+        <p:nvSpPr>
+          <p:cNvPr id="8" name="Rectangle 7">
+            <a:extLst>
+              <a:ext uri="{FF2B5EF4-FFF2-40B4-BE49-F238E27FC236}">
+                <a16:creationId xmlns:a16="http://schemas.microsoft.com/office/drawing/2014/main" id="{DEE2AD96-B495-4E06-9291-B71706F728CB}"/>
+              </a:ext>
+              <a:ext uri="{C183D7F6-B498-43B3-948B-1728B52AA6E4}">
+                <adec:decorative xmlns:adec="http://schemas.microsoft.com/office/drawing/2017/decorative" val="1"/>
+              </a:ext>
+            </a:extLst>
+          </p:cNvPr>
+          <p:cNvSpPr>
+            <a:spLocks noGrp="1" noRot="1" noChangeAspect="1" noMove="1" noResize="1" noEditPoints="1" noAdjustHandles="1" noChangeArrowheads="1" noChangeShapeType="1" noTextEdit="1"/>
+          </p:cNvSpPr>
+          <p:nvPr>
+            <p:extLst>
+              <p:ext uri="{386F3935-93C4-4BCD-93E2-E3B085C9AB24}">
+                <p16:designElem xmlns:p16="http://schemas.microsoft.com/office/powerpoint/2015/main" val="1"/>
+              </p:ext>
+            </p:extLst>
+          </p:nvPr>
+        </p:nvSpPr>
+        <p:spPr>
+          <a:xfrm>
+            <a:off x="0" y="0"/>
+            <a:ext cx="12192000" cy="6858000"/>
+          </a:xfrm>
+          <a:prstGeom prst="rect">
+            <a:avLst/>
+          </a:prstGeom>
+          <a:ln w="12700" cap="flat" cmpd="sng" algn="ctr">
+            <a:noFill/>
+            <a:prstDash val="solid"/>
+            <a:miter lim="800000"/>
+          </a:ln>
+          <a:effectLst/>
+          <a:extLst>
+            <a:ext uri="{91240B29-F687-4F45-9708-019B960494DF}">
+              <a14:hiddenLine xmlns:a14="http://schemas.microsoft.com/office/drawing/2010/main" w="12700" cap="flat" cmpd="sng" algn="ctr">
+                <a:solidFill>
+                  <a:schemeClr val="accent1">
+                    <a:shade val="50000"/>
+                  </a:schemeClr>
+                </a:solidFill>
+                <a:prstDash val="solid"/>
+                <a:miter lim="800000"/>
+              </a14:hiddenLine>
+            </a:ext>
+          </a:extLst>
+        </p:spPr>
+        <p:style>
+          <a:lnRef idx="2">
+            <a:schemeClr val="accent1">
+              <a:shade val="50000"/>
+            </a:schemeClr>
+          </a:lnRef>
+          <a:fillRef idx="1">
+            <a:schemeClr val="accent1"/>
+          </a:fillRef>
+          <a:effectRef idx="0">
+            <a:schemeClr val="accent1"/>
+          </a:effectRef>
+          <a:fontRef idx="minor">
+            <a:schemeClr val="lt1"/>
+          </a:fontRef>
+        </p:style>
+        <p:txBody>
+          <a:bodyPr rtlCol="0" anchor="ctr"/>
+          <a:lstStyle/>
+          <a:p>
+            <a:pPr algn="ctr"/>
+            <a:endParaRPr lang="en-US"/>
+          </a:p>
+        </p:txBody>
+      </p:sp>
+      <p:sp>
+        <p:nvSpPr>
+          <p:cNvPr id="10" name="Rectangle 9">
+            <a:extLst>
+              <a:ext uri="{FF2B5EF4-FFF2-40B4-BE49-F238E27FC236}">
+                <a16:creationId xmlns:a16="http://schemas.microsoft.com/office/drawing/2014/main" id="{53CF6D67-C5A8-4ADD-9E8E-1E38CA1D3166}"/>
+              </a:ext>
+              <a:ext uri="{C183D7F6-B498-43B3-948B-1728B52AA6E4}">
+                <adec:decorative xmlns:adec="http://schemas.microsoft.com/office/drawing/2017/decorative" val="1"/>
+              </a:ext>
+            </a:extLst>
+          </p:cNvPr>
+          <p:cNvSpPr>
+            <a:spLocks noGrp="1" noRot="1" noChangeAspect="1" noMove="1" noResize="1" noEditPoints="1" noAdjustHandles="1" noChangeArrowheads="1" noChangeShapeType="1" noTextEdit="1"/>
+          </p:cNvSpPr>
+          <p:nvPr>
+            <p:extLst>
+              <p:ext uri="{386F3935-93C4-4BCD-93E2-E3B085C9AB24}">
+                <p16:designElem xmlns:p16="http://schemas.microsoft.com/office/powerpoint/2015/main" val="1"/>
+              </p:ext>
+            </p:extLst>
+          </p:nvPr>
+        </p:nvSpPr>
+        <p:spPr>
+          <a:xfrm rot="5400000" flipH="1">
+            <a:off x="-638515" y="639280"/>
+            <a:ext cx="6858000" cy="5579440"/>
+          </a:xfrm>
+          <a:prstGeom prst="rect">
+            <a:avLst/>
+          </a:prstGeom>
+          <a:gradFill>
+            <a:gsLst>
+              <a:gs pos="8000">
+                <a:srgbClr val="000000"/>
+              </a:gs>
+              <a:gs pos="100000">
+                <a:schemeClr val="accent1">
+                  <a:lumMod val="75000"/>
+                </a:schemeClr>
+              </a:gs>
+            </a:gsLst>
+            <a:lin ang="3000000" scaled="0"/>
+          </a:gradFill>
+          <a:ln>
+            <a:noFill/>
+          </a:ln>
+        </p:spPr>
+        <p:style>
+          <a:lnRef idx="2">
+            <a:schemeClr val="accent1">
+              <a:shade val="50000"/>
+            </a:schemeClr>
+          </a:lnRef>
+          <a:fillRef idx="1">
+            <a:schemeClr val="accent1"/>
+          </a:fillRef>
+          <a:effectRef idx="0">
+            <a:schemeClr val="accent1"/>
+          </a:effectRef>
+          <a:fontRef idx="minor">
+            <a:schemeClr val="lt1"/>
+          </a:fontRef>
+        </p:style>
+        <p:txBody>
+          <a:bodyPr rtlCol="0" anchor="ctr"/>
+          <a:lstStyle/>
+          <a:p>
+            <a:pPr algn="ctr"/>
+            <a:endParaRPr lang="en-US"/>
+          </a:p>
+        </p:txBody>
+      </p:sp>
+      <p:sp>
+        <p:nvSpPr>
+          <p:cNvPr id="12" name="Rectangle 11">
+            <a:extLst>
+              <a:ext uri="{FF2B5EF4-FFF2-40B4-BE49-F238E27FC236}">
+                <a16:creationId xmlns:a16="http://schemas.microsoft.com/office/drawing/2014/main" id="{86909FA0-B515-4681-B7A8-FA281D133B94}"/>
+              </a:ext>
+              <a:ext uri="{C183D7F6-B498-43B3-948B-1728B52AA6E4}">
+                <adec:decorative xmlns:adec="http://schemas.microsoft.com/office/drawing/2017/decorative" val="1"/>
+              </a:ext>
+            </a:extLst>
+          </p:cNvPr>
+          <p:cNvSpPr>
+            <a:spLocks noGrp="1" noRot="1" noChangeAspect="1" noMove="1" noResize="1" noEditPoints="1" noAdjustHandles="1" noChangeArrowheads="1" noChangeShapeType="1" noTextEdit="1"/>
+          </p:cNvSpPr>
+          <p:nvPr>
+            <p:extLst>
+              <p:ext uri="{386F3935-93C4-4BCD-93E2-E3B085C9AB24}">
+                <p16:designElem xmlns:p16="http://schemas.microsoft.com/office/powerpoint/2015/main" val="1"/>
+              </p:ext>
+            </p:extLst>
+          </p:nvPr>
+        </p:nvSpPr>
+        <p:spPr>
+          <a:xfrm rot="5400000" flipH="1">
+            <a:off x="-393206" y="395206"/>
+            <a:ext cx="6346209" cy="5576080"/>
+          </a:xfrm>
+          <a:prstGeom prst="rect">
+            <a:avLst/>
+          </a:prstGeom>
+          <a:gradFill>
+            <a:gsLst>
+              <a:gs pos="0">
+                <a:srgbClr val="000000">
+                  <a:alpha val="0"/>
+                </a:srgbClr>
+              </a:gs>
+              <a:gs pos="99000">
+                <a:schemeClr val="accent1">
+                  <a:alpha val="0"/>
+                </a:schemeClr>
+              </a:gs>
+            </a:gsLst>
+            <a:lin ang="1800000" scaled="0"/>
+          </a:gradFill>
+          <a:ln>
+            <a:noFill/>
+          </a:ln>
+        </p:spPr>
+        <p:style>
+          <a:lnRef idx="2">
+            <a:schemeClr val="accent1">
+              <a:shade val="50000"/>
+            </a:schemeClr>
+          </a:lnRef>
+          <a:fillRef idx="1">
+            <a:schemeClr val="accent1"/>
+          </a:fillRef>
+          <a:effectRef idx="0">
+            <a:schemeClr val="accent1"/>
+          </a:effectRef>
+          <a:fontRef idx="minor">
+            <a:schemeClr val="lt1"/>
+          </a:fontRef>
+        </p:style>
+        <p:txBody>
+          <a:bodyPr rtlCol="0" anchor="ctr"/>
+          <a:lstStyle/>
+          <a:p>
+            <a:pPr algn="ctr"/>
+            <a:endParaRPr lang="en-US"/>
+          </a:p>
+        </p:txBody>
+      </p:sp>
+      <p:sp>
+        <p:nvSpPr>
+          <p:cNvPr id="14" name="Rectangle 13">
+            <a:extLst>
+              <a:ext uri="{FF2B5EF4-FFF2-40B4-BE49-F238E27FC236}">
+                <a16:creationId xmlns:a16="http://schemas.microsoft.com/office/drawing/2014/main" id="{21C9FE86-FCC3-4A31-AA1C-C882262B7FE7}"/>
+              </a:ext>
+              <a:ext uri="{C183D7F6-B498-43B3-948B-1728B52AA6E4}">
+                <adec:decorative xmlns:adec="http://schemas.microsoft.com/office/drawing/2017/decorative" val="1"/>
+              </a:ext>
+            </a:extLst>
+          </p:cNvPr>
+          <p:cNvSpPr>
+            <a:spLocks noGrp="1" noRot="1" noChangeAspect="1" noMove="1" noResize="1" noEditPoints="1" noAdjustHandles="1" noChangeArrowheads="1" noChangeShapeType="1" noTextEdit="1"/>
+          </p:cNvSpPr>
+          <p:nvPr>
+            <p:extLst>
+              <p:ext uri="{386F3935-93C4-4BCD-93E2-E3B085C9AB24}">
+                <p16:designElem xmlns:p16="http://schemas.microsoft.com/office/powerpoint/2015/main" val="1"/>
+              </p:ext>
+            </p:extLst>
+          </p:nvPr>
+        </p:nvSpPr>
+        <p:spPr>
+          <a:xfrm rot="5400000" flipH="1">
+            <a:off x="1528907" y="2818967"/>
+            <a:ext cx="2501979" cy="5576080"/>
+          </a:xfrm>
+          <a:prstGeom prst="rect">
+            <a:avLst/>
+          </a:prstGeom>
+          <a:gradFill>
+            <a:gsLst>
+              <a:gs pos="2000">
+                <a:schemeClr val="accent1">
+                  <a:alpha val="29000"/>
+                </a:schemeClr>
+              </a:gs>
+              <a:gs pos="100000">
+                <a:srgbClr val="000000">
+                  <a:alpha val="30000"/>
+                </a:srgbClr>
+              </a:gs>
+            </a:gsLst>
+            <a:lin ang="7800000" scaled="0"/>
+          </a:gradFill>
+          <a:ln>
+            <a:noFill/>
+          </a:ln>
+        </p:spPr>
+        <p:style>
+          <a:lnRef idx="2">
+            <a:schemeClr val="accent1">
+              <a:shade val="50000"/>
+            </a:schemeClr>
+          </a:lnRef>
+          <a:fillRef idx="1">
+            <a:schemeClr val="accent1"/>
+          </a:fillRef>
+          <a:effectRef idx="0">
+            <a:schemeClr val="accent1"/>
+          </a:effectRef>
+          <a:fontRef idx="minor">
+            <a:schemeClr val="lt1"/>
+          </a:fontRef>
+        </p:style>
+        <p:txBody>
+          <a:bodyPr rtlCol="0" anchor="ctr"/>
+          <a:lstStyle/>
+          <a:p>
+            <a:pPr algn="ctr"/>
+            <a:endParaRPr lang="en-US" dirty="0"/>
+          </a:p>
+        </p:txBody>
+      </p:sp>
+      <p:sp>
+        <p:nvSpPr>
+          <p:cNvPr id="16" name="Rectangle 15">
+            <a:extLst>
+              <a:ext uri="{FF2B5EF4-FFF2-40B4-BE49-F238E27FC236}">
+                <a16:creationId xmlns:a16="http://schemas.microsoft.com/office/drawing/2014/main" id="{7D96243B-ECED-4B71-8E06-AE9A285EAD20}"/>
+              </a:ext>
+              <a:ext uri="{C183D7F6-B498-43B3-948B-1728B52AA6E4}">
+                <adec:decorative xmlns:adec="http://schemas.microsoft.com/office/drawing/2017/decorative" val="1"/>
+              </a:ext>
+            </a:extLst>
+          </p:cNvPr>
+          <p:cNvSpPr>
+            <a:spLocks noGrp="1" noRot="1" noChangeAspect="1" noMove="1" noResize="1" noEditPoints="1" noAdjustHandles="1" noChangeArrowheads="1" noChangeShapeType="1" noTextEdit="1"/>
+          </p:cNvSpPr>
+          <p:nvPr>
+            <p:extLst>
+              <p:ext uri="{386F3935-93C4-4BCD-93E2-E3B085C9AB24}">
+                <p16:designElem xmlns:p16="http://schemas.microsoft.com/office/powerpoint/2015/main" val="1"/>
+              </p:ext>
+            </p:extLst>
+          </p:nvPr>
+        </p:nvSpPr>
+        <p:spPr>
+          <a:xfrm rot="5400000" flipH="1">
+            <a:off x="-425002" y="852793"/>
+            <a:ext cx="6858001" cy="5152412"/>
+          </a:xfrm>
+          <a:prstGeom prst="rect">
+            <a:avLst/>
+          </a:prstGeom>
+          <a:gradFill>
+            <a:gsLst>
+              <a:gs pos="0">
+                <a:srgbClr val="000000">
+                  <a:alpha val="0"/>
+                </a:srgbClr>
+              </a:gs>
+              <a:gs pos="99000">
+                <a:schemeClr val="accent1">
+                  <a:alpha val="11000"/>
+                </a:schemeClr>
+              </a:gs>
+            </a:gsLst>
+            <a:lin ang="7800000" scaled="0"/>
+          </a:gradFill>
+          <a:ln>
+            <a:noFill/>
+          </a:ln>
+        </p:spPr>
+        <p:style>
+          <a:lnRef idx="2">
+            <a:schemeClr val="accent1">
+              <a:shade val="50000"/>
+            </a:schemeClr>
+          </a:lnRef>
+          <a:fillRef idx="1">
+            <a:schemeClr val="accent1"/>
+          </a:fillRef>
+          <a:effectRef idx="0">
+            <a:schemeClr val="accent1"/>
+          </a:effectRef>
+          <a:fontRef idx="minor">
+            <a:schemeClr val="lt1"/>
+          </a:fontRef>
+        </p:style>
+        <p:txBody>
+          <a:bodyPr rtlCol="0" anchor="ctr"/>
+          <a:lstStyle/>
+          <a:p>
+            <a:pPr algn="ctr"/>
+            <a:endParaRPr lang="en-US"/>
+          </a:p>
+        </p:txBody>
+      </p:sp>
+      <p:sp>
+        <p:nvSpPr>
+          <p:cNvPr id="18" name="Oval 17">
+            <a:extLst>
+              <a:ext uri="{FF2B5EF4-FFF2-40B4-BE49-F238E27FC236}">
+                <a16:creationId xmlns:a16="http://schemas.microsoft.com/office/drawing/2014/main" id="{A09989E4-EFDC-4A90-A633-E0525FB4139E}"/>
+              </a:ext>
+              <a:ext uri="{C183D7F6-B498-43B3-948B-1728B52AA6E4}">
+                <adec:decorative xmlns:adec="http://schemas.microsoft.com/office/drawing/2017/decorative" val="1"/>
+              </a:ext>
+            </a:extLst>
+          </p:cNvPr>
+          <p:cNvSpPr>
+            <a:spLocks noGrp="1" noRot="1" noChangeAspect="1" noMove="1" noResize="1" noEditPoints="1" noAdjustHandles="1" noChangeArrowheads="1" noChangeShapeType="1" noTextEdit="1"/>
+          </p:cNvSpPr>
+          <p:nvPr>
+            <p:extLst>
+              <p:ext uri="{386F3935-93C4-4BCD-93E2-E3B085C9AB24}">
+                <p16:designElem xmlns:p16="http://schemas.microsoft.com/office/powerpoint/2015/main" val="1"/>
+              </p:ext>
+            </p:extLst>
+          </p:nvPr>
+        </p:nvSpPr>
+        <p:spPr>
+          <a:xfrm rot="6097846">
+            <a:off x="818753" y="1128497"/>
+            <a:ext cx="4318303" cy="4318303"/>
+          </a:xfrm>
+          <a:prstGeom prst="ellipse">
+            <a:avLst/>
+          </a:prstGeom>
+          <a:gradFill>
+            <a:gsLst>
+              <a:gs pos="39000">
+                <a:schemeClr val="accent1">
+                  <a:alpha val="0"/>
+                </a:schemeClr>
+              </a:gs>
+              <a:gs pos="100000">
+                <a:schemeClr val="accent1">
+                  <a:lumMod val="60000"/>
+                  <a:lumOff val="40000"/>
+                  <a:alpha val="15000"/>
+                </a:schemeClr>
+              </a:gs>
+            </a:gsLst>
+            <a:lin ang="17400000" scaled="0"/>
+          </a:gradFill>
+          <a:ln>
+            <a:noFill/>
+          </a:ln>
+        </p:spPr>
+        <p:style>
+          <a:lnRef idx="2">
+            <a:schemeClr val="accent1">
+              <a:shade val="50000"/>
+            </a:schemeClr>
+          </a:lnRef>
+          <a:fillRef idx="1">
+            <a:schemeClr val="accent1"/>
+          </a:fillRef>
+          <a:effectRef idx="0">
+            <a:schemeClr val="accent1"/>
+          </a:effectRef>
+          <a:fontRef idx="minor">
+            <a:schemeClr val="lt1"/>
+          </a:fontRef>
+        </p:style>
+        <p:txBody>
+          <a:bodyPr rtlCol="0" anchor="ctr"/>
+          <a:lstStyle/>
+          <a:p>
+            <a:pPr algn="ctr"/>
+            <a:endParaRPr lang="en-US" dirty="0"/>
+          </a:p>
+        </p:txBody>
+      </p:sp>
+      <p:sp>
+        <p:nvSpPr>
+          <p:cNvPr id="2" name="Title 1">
+            <a:extLst>
+              <a:ext uri="{FF2B5EF4-FFF2-40B4-BE49-F238E27FC236}">
+                <a16:creationId xmlns:a16="http://schemas.microsoft.com/office/drawing/2014/main" id="{D721A332-98CF-0521-C01A-337FF798684E}"/>
+              </a:ext>
+            </a:extLst>
+          </p:cNvPr>
+          <p:cNvSpPr>
+            <a:spLocks noGrp="1"/>
+          </p:cNvSpPr>
+          <p:nvPr>
+            <p:ph type="title"/>
+          </p:nvPr>
+        </p:nvSpPr>
+        <p:spPr>
+          <a:xfrm>
+            <a:off x="826396" y="586855"/>
+            <a:ext cx="4230100" cy="3387497"/>
+          </a:xfrm>
+        </p:spPr>
+        <p:txBody>
+          <a:bodyPr anchor="b">
+            <a:normAutofit/>
+          </a:bodyPr>
+          <a:lstStyle/>
+          <a:p>
+            <a:pPr algn="r"/>
+            <a:r>
+              <a:rPr lang="en-US" altLang="zh-TW" sz="4000" dirty="0">
+                <a:solidFill>
+                  <a:srgbClr val="FFFFFF"/>
+                </a:solidFill>
+              </a:rPr>
+              <a:t>Learn from this homework</a:t>
+            </a:r>
+            <a:endParaRPr lang="en-US" sz="4000" dirty="0">
+              <a:solidFill>
+                <a:srgbClr val="FFFFFF"/>
+              </a:solidFill>
+            </a:endParaRPr>
+          </a:p>
+        </p:txBody>
+      </p:sp>
+      <p:sp>
+        <p:nvSpPr>
+          <p:cNvPr id="3" name="Content Placeholder 2">
+            <a:extLst>
+              <a:ext uri="{FF2B5EF4-FFF2-40B4-BE49-F238E27FC236}">
+                <a16:creationId xmlns:a16="http://schemas.microsoft.com/office/drawing/2014/main" id="{3C01123F-0BF8-6677-3901-422356C70C42}"/>
+              </a:ext>
+            </a:extLst>
+          </p:cNvPr>
+          <p:cNvSpPr>
+            <a:spLocks noGrp="1"/>
+          </p:cNvSpPr>
+          <p:nvPr>
+            <p:ph idx="1"/>
+          </p:nvPr>
+        </p:nvSpPr>
+        <p:spPr>
+          <a:xfrm>
+            <a:off x="6096000" y="415056"/>
+            <a:ext cx="5620125" cy="6027887"/>
+          </a:xfrm>
+        </p:spPr>
+        <p:txBody>
+          <a:bodyPr anchor="ctr">
+            <a:normAutofit/>
+          </a:bodyPr>
+          <a:lstStyle/>
+          <a:p>
+            <a:pPr>
+              <a:lnSpc>
+                <a:spcPct val="150000"/>
+              </a:lnSpc>
+            </a:pPr>
+            <a:r>
+              <a:rPr lang="zh-TW" altLang="en-US" sz="2000" dirty="0"/>
+              <a:t>這次作業學到最多的應該是</a:t>
+            </a:r>
+            <a:r>
+              <a:rPr lang="en-US" altLang="zh-TW" sz="2000" dirty="0" err="1"/>
+              <a:t>verilog</a:t>
+            </a:r>
+            <a:r>
+              <a:rPr lang="zh-TW" altLang="en-US" sz="2000" dirty="0"/>
+              <a:t>語法當中的</a:t>
+            </a:r>
+            <a:r>
+              <a:rPr lang="en-US" altLang="zh-TW" sz="2000" dirty="0"/>
+              <a:t>for loop</a:t>
+            </a:r>
+            <a:r>
+              <a:rPr lang="zh-TW" altLang="en-US" sz="2000" dirty="0"/>
+              <a:t>，在過去寫</a:t>
+            </a:r>
+            <a:r>
+              <a:rPr lang="en-US" altLang="zh-TW" sz="2000" dirty="0" err="1"/>
+              <a:t>verilog</a:t>
+            </a:r>
+            <a:r>
+              <a:rPr lang="zh-TW" altLang="en-US" sz="2000" dirty="0"/>
+              <a:t>時很少會用到它，但剛好這次作業中我的寫法有很多重複的部分，於是使用了</a:t>
+            </a:r>
+            <a:r>
+              <a:rPr lang="en-US" altLang="zh-TW" sz="2000" dirty="0"/>
+              <a:t>for loop</a:t>
+            </a:r>
+            <a:r>
+              <a:rPr lang="zh-TW" altLang="en-US" sz="2000" dirty="0"/>
+              <a:t>去展開電路，因為很少用所以還有特別去查過相關的語法，順便也學習了其他類似的語法</a:t>
+            </a:r>
+            <a:r>
+              <a:rPr lang="en-US" altLang="zh-TW" sz="2000" dirty="0" err="1"/>
+              <a:t>e.g.generate</a:t>
+            </a:r>
+            <a:r>
+              <a:rPr lang="zh-TW" altLang="en-US" sz="2000" dirty="0"/>
+              <a:t>等等，並且在這次作業中嘗試把自己的設計用</a:t>
+            </a:r>
+            <a:r>
+              <a:rPr lang="en-US" altLang="zh-TW" sz="2000" dirty="0"/>
+              <a:t>Block diagram</a:t>
+            </a:r>
+            <a:r>
+              <a:rPr lang="zh-TW" altLang="en-US" sz="2000" dirty="0"/>
+              <a:t>的方式表示出來，這也是以前很少做的。</a:t>
+            </a:r>
+            <a:endParaRPr lang="en-US" sz="2000" dirty="0"/>
+          </a:p>
+        </p:txBody>
+      </p:sp>
+    </p:spTree>
+    <p:extLst>
+      <p:ext uri="{BB962C8B-B14F-4D97-AF65-F5344CB8AC3E}">
+        <p14:creationId xmlns:p14="http://schemas.microsoft.com/office/powerpoint/2010/main" val="2781051131"/>
+      </p:ext>
+    </p:extLst>
+  </p:cSld>
+  <p:clrMapOvr>
+    <a:masterClrMapping/>
+  </p:clrMapOvr>
+</p:sld>
+</file>
+
+<file path=ppt/slides/slide2.xml><?xml version="1.0" encoding="utf-8"?>
+<p:sld xmlns:a="http://schemas.openxmlformats.org/drawingml/2006/main" xmlns:r="http://schemas.openxmlformats.org/officeDocument/2006/relationships" xmlns:p="http://schemas.openxmlformats.org/presentationml/2006/main">
+  <p:cSld>
+    <p:bg>
+      <p:bgPr>
+        <a:solidFill>
+          <a:schemeClr val="bg1"/>
+        </a:solidFill>
+        <a:effectLst/>
+      </p:bgPr>
+    </p:bg>
+    <p:spTree>
+      <p:nvGrpSpPr>
+        <p:cNvPr id="1" name="">
+          <a:extLst>
+            <a:ext uri="{FF2B5EF4-FFF2-40B4-BE49-F238E27FC236}">
+              <a16:creationId xmlns:a16="http://schemas.microsoft.com/office/drawing/2014/main" id="{192EAB2F-678F-C4FB-F1DD-BF2B70348F04}"/>
+            </a:ext>
+          </a:extLst>
+        </p:cNvPr>
+        <p:cNvGrpSpPr/>
+        <p:nvPr/>
+      </p:nvGrpSpPr>
+      <p:grpSpPr>
+        <a:xfrm>
+          <a:off x="0" y="0"/>
+          <a:ext cx="0" cy="0"/>
+          <a:chOff x="0" y="0"/>
+          <a:chExt cx="0" cy="0"/>
+        </a:xfrm>
+      </p:grpSpPr>
+      <p:sp useBgFill="1">
+        <p:nvSpPr>
+          <p:cNvPr id="7" name="Rectangle 6">
+            <a:extLst>
+              <a:ext uri="{FF2B5EF4-FFF2-40B4-BE49-F238E27FC236}">
+                <a16:creationId xmlns:a16="http://schemas.microsoft.com/office/drawing/2014/main" id="{6F5A5072-7B47-4D32-B52A-4EBBF590B8A5}"/>
+              </a:ext>
+              <a:ext uri="{C183D7F6-B498-43B3-948B-1728B52AA6E4}">
+                <adec:decorative xmlns:adec="http://schemas.microsoft.com/office/drawing/2017/decorative" val="1"/>
+              </a:ext>
+            </a:extLst>
+          </p:cNvPr>
+          <p:cNvSpPr>
+            <a:spLocks noGrp="1" noRot="1" noChangeAspect="1" noMove="1" noResize="1" noEditPoints="1" noAdjustHandles="1" noChangeArrowheads="1" noChangeShapeType="1" noTextEdit="1"/>
+          </p:cNvSpPr>
+          <p:nvPr>
+            <p:extLst>
+              <p:ext uri="{386F3935-93C4-4BCD-93E2-E3B085C9AB24}">
+                <p16:designElem xmlns:p16="http://schemas.microsoft.com/office/powerpoint/2015/main" val="1"/>
+              </p:ext>
+            </p:extLst>
+          </p:nvPr>
+        </p:nvSpPr>
+        <p:spPr>
+          <a:xfrm>
+            <a:off x="0" y="0"/>
+            <a:ext cx="12192000" cy="6858000"/>
+          </a:xfrm>
+          <a:prstGeom prst="rect">
+            <a:avLst/>
+          </a:prstGeom>
+          <a:ln w="12700" cap="flat" cmpd="sng" algn="ctr">
+            <a:noFill/>
+            <a:prstDash val="solid"/>
+            <a:miter lim="800000"/>
+          </a:ln>
+          <a:effectLst/>
+          <a:extLst>
+            <a:ext uri="{91240B29-F687-4F45-9708-019B960494DF}">
+              <a14:hiddenLine xmlns:a14="http://schemas.microsoft.com/office/drawing/2010/main" w="12700" cap="flat" cmpd="sng" algn="ctr">
+                <a:solidFill>
+                  <a:schemeClr val="accent1">
+                    <a:shade val="50000"/>
+                  </a:schemeClr>
+                </a:solidFill>
+                <a:prstDash val="solid"/>
+                <a:miter lim="800000"/>
+              </a14:hiddenLine>
+            </a:ext>
+          </a:extLst>
+        </p:spPr>
+        <p:style>
+          <a:lnRef idx="2">
+            <a:schemeClr val="accent1">
+              <a:shade val="50000"/>
+            </a:schemeClr>
+          </a:lnRef>
+          <a:fillRef idx="1">
+            <a:schemeClr val="accent1"/>
+          </a:fillRef>
+          <a:effectRef idx="0">
+            <a:schemeClr val="accent1"/>
+          </a:effectRef>
+          <a:fontRef idx="minor">
+            <a:schemeClr val="lt1"/>
+          </a:fontRef>
+        </p:style>
+        <p:txBody>
+          <a:bodyPr rtlCol="0" anchor="ctr"/>
+          <a:lstStyle/>
+          <a:p>
+            <a:pPr algn="ctr"/>
+            <a:endParaRPr lang="en-US"/>
+          </a:p>
+        </p:txBody>
+      </p:sp>
+      <p:sp>
+        <p:nvSpPr>
+          <p:cNvPr id="9" name="Rectangle 8">
+            <a:extLst>
+              <a:ext uri="{FF2B5EF4-FFF2-40B4-BE49-F238E27FC236}">
+                <a16:creationId xmlns:a16="http://schemas.microsoft.com/office/drawing/2014/main" id="{9715DAF0-AE1B-46C9-8A6B-DB2AA05AB91D}"/>
+              </a:ext>
+              <a:ext uri="{C183D7F6-B498-43B3-948B-1728B52AA6E4}">
+                <adec:decorative xmlns:adec="http://schemas.microsoft.com/office/drawing/2017/decorative" val="1"/>
+              </a:ext>
+            </a:extLst>
+          </p:cNvPr>
+          <p:cNvSpPr>
+            <a:spLocks noGrp="1" noRot="1" noChangeAspect="1" noMove="1" noResize="1" noEditPoints="1" noAdjustHandles="1" noChangeArrowheads="1" noChangeShapeType="1" noTextEdit="1"/>
+          </p:cNvSpPr>
+          <p:nvPr>
+            <p:extLst>
+              <p:ext uri="{386F3935-93C4-4BCD-93E2-E3B085C9AB24}">
+                <p16:designElem xmlns:p16="http://schemas.microsoft.com/office/powerpoint/2015/main" val="1"/>
+              </p:ext>
+            </p:extLst>
+          </p:nvPr>
+        </p:nvSpPr>
+        <p:spPr>
+          <a:xfrm rot="10800000">
+            <a:off x="-2" y="-22693"/>
+            <a:ext cx="12191999" cy="4374129"/>
+          </a:xfrm>
+          <a:prstGeom prst="rect">
+            <a:avLst/>
+          </a:prstGeom>
+          <a:gradFill>
+            <a:gsLst>
+              <a:gs pos="0">
+                <a:schemeClr val="accent1">
+                  <a:lumMod val="75000"/>
+                </a:schemeClr>
+              </a:gs>
+              <a:gs pos="100000">
+                <a:srgbClr val="000000"/>
+              </a:gs>
+            </a:gsLst>
+            <a:lin ang="15000000" scaled="0"/>
+          </a:gradFill>
+          <a:ln>
+            <a:noFill/>
+          </a:ln>
+        </p:spPr>
+        <p:style>
+          <a:lnRef idx="2">
+            <a:schemeClr val="accent1">
+              <a:shade val="50000"/>
+            </a:schemeClr>
+          </a:lnRef>
+          <a:fillRef idx="1">
+            <a:schemeClr val="accent1"/>
+          </a:fillRef>
+          <a:effectRef idx="0">
+            <a:schemeClr val="accent1"/>
+          </a:effectRef>
+          <a:fontRef idx="minor">
+            <a:schemeClr val="lt1"/>
+          </a:fontRef>
+        </p:style>
+        <p:txBody>
+          <a:bodyPr rtlCol="0" anchor="ctr"/>
+          <a:lstStyle/>
+          <a:p>
+            <a:pPr algn="ctr"/>
+            <a:endParaRPr lang="en-US"/>
+          </a:p>
+        </p:txBody>
+      </p:sp>
+      <p:sp>
+        <p:nvSpPr>
+          <p:cNvPr id="11" name="Rectangle 10">
+            <a:extLst>
+              <a:ext uri="{FF2B5EF4-FFF2-40B4-BE49-F238E27FC236}">
+                <a16:creationId xmlns:a16="http://schemas.microsoft.com/office/drawing/2014/main" id="{6016219D-510E-4184-9090-6D5578A87BD1}"/>
+              </a:ext>
+              <a:ext uri="{C183D7F6-B498-43B3-948B-1728B52AA6E4}">
+                <adec:decorative xmlns:adec="http://schemas.microsoft.com/office/drawing/2017/decorative" val="1"/>
+              </a:ext>
+            </a:extLst>
+          </p:cNvPr>
+          <p:cNvSpPr>
+            <a:spLocks noGrp="1" noRot="1" noChangeAspect="1" noMove="1" noResize="1" noEditPoints="1" noAdjustHandles="1" noChangeArrowheads="1" noChangeShapeType="1" noTextEdit="1"/>
+          </p:cNvSpPr>
+          <p:nvPr>
+            <p:extLst>
+              <p:ext uri="{386F3935-93C4-4BCD-93E2-E3B085C9AB24}">
+                <p16:designElem xmlns:p16="http://schemas.microsoft.com/office/powerpoint/2015/main" val="1"/>
+              </p:ext>
+            </p:extLst>
+          </p:nvPr>
+        </p:nvSpPr>
+        <p:spPr>
+          <a:xfrm rot="5400000">
+            <a:off x="3908719" y="-3931841"/>
+            <a:ext cx="4374557" cy="12192000"/>
+          </a:xfrm>
+          <a:prstGeom prst="rect">
+            <a:avLst/>
+          </a:prstGeom>
+          <a:gradFill>
+            <a:gsLst>
+              <a:gs pos="40000">
+                <a:schemeClr val="accent1">
+                  <a:alpha val="0"/>
+                </a:schemeClr>
+              </a:gs>
+              <a:gs pos="100000">
+                <a:schemeClr val="accent1">
+                  <a:lumMod val="75000"/>
+                  <a:alpha val="52000"/>
+                </a:schemeClr>
+              </a:gs>
+            </a:gsLst>
+            <a:lin ang="2400000" scaled="0"/>
+          </a:gradFill>
+          <a:ln>
+            <a:noFill/>
+          </a:ln>
+        </p:spPr>
+        <p:style>
+          <a:lnRef idx="2">
+            <a:schemeClr val="accent1">
+              <a:shade val="50000"/>
+            </a:schemeClr>
+          </a:lnRef>
+          <a:fillRef idx="1">
+            <a:schemeClr val="accent1"/>
+          </a:fillRef>
+          <a:effectRef idx="0">
+            <a:schemeClr val="accent1"/>
+          </a:effectRef>
+          <a:fontRef idx="minor">
+            <a:schemeClr val="lt1"/>
+          </a:fontRef>
+        </p:style>
+        <p:txBody>
+          <a:bodyPr rtlCol="0" anchor="ctr"/>
+          <a:lstStyle/>
+          <a:p>
+            <a:pPr algn="ctr"/>
+            <a:endParaRPr lang="en-US"/>
+          </a:p>
+        </p:txBody>
+      </p:sp>
+      <p:sp>
+        <p:nvSpPr>
+          <p:cNvPr id="13" name="Rectangle 12">
+            <a:extLst>
+              <a:ext uri="{FF2B5EF4-FFF2-40B4-BE49-F238E27FC236}">
+                <a16:creationId xmlns:a16="http://schemas.microsoft.com/office/drawing/2014/main" id="{AFF4A713-7B75-4B21-90D7-5AB19547C728}"/>
+              </a:ext>
+              <a:ext uri="{C183D7F6-B498-43B3-948B-1728B52AA6E4}">
+                <adec:decorative xmlns:adec="http://schemas.microsoft.com/office/drawing/2017/decorative" val="1"/>
+              </a:ext>
+            </a:extLst>
+          </p:cNvPr>
+          <p:cNvSpPr>
+            <a:spLocks noGrp="1" noRot="1" noChangeAspect="1" noMove="1" noResize="1" noEditPoints="1" noAdjustHandles="1" noChangeArrowheads="1" noChangeShapeType="1" noTextEdit="1"/>
+          </p:cNvSpPr>
+          <p:nvPr>
+            <p:extLst>
+              <p:ext uri="{386F3935-93C4-4BCD-93E2-E3B085C9AB24}">
+                <p16:designElem xmlns:p16="http://schemas.microsoft.com/office/powerpoint/2015/main" val="1"/>
+              </p:ext>
+            </p:extLst>
+          </p:nvPr>
+        </p:nvSpPr>
+        <p:spPr>
+          <a:xfrm rot="5400000">
+            <a:off x="4136696" y="-3703868"/>
+            <a:ext cx="4374128" cy="11736479"/>
+          </a:xfrm>
+          <a:prstGeom prst="rect">
+            <a:avLst/>
+          </a:prstGeom>
+          <a:gradFill>
+            <a:gsLst>
+              <a:gs pos="17000">
+                <a:schemeClr val="accent1">
+                  <a:alpha val="0"/>
+                </a:schemeClr>
+              </a:gs>
+              <a:gs pos="100000">
+                <a:srgbClr val="000000">
+                  <a:alpha val="37000"/>
+                </a:srgbClr>
+              </a:gs>
+            </a:gsLst>
+            <a:lin ang="7800000" scaled="0"/>
+          </a:gradFill>
+          <a:ln>
+            <a:noFill/>
+          </a:ln>
+        </p:spPr>
+        <p:style>
+          <a:lnRef idx="2">
+            <a:schemeClr val="accent1">
+              <a:shade val="50000"/>
+            </a:schemeClr>
+          </a:lnRef>
+          <a:fillRef idx="1">
+            <a:schemeClr val="accent1"/>
+          </a:fillRef>
+          <a:effectRef idx="0">
+            <a:schemeClr val="accent1"/>
+          </a:effectRef>
+          <a:fontRef idx="minor">
+            <a:schemeClr val="lt1"/>
+          </a:fontRef>
+        </p:style>
+        <p:txBody>
+          <a:bodyPr rtlCol="0" anchor="ctr"/>
+          <a:lstStyle/>
+          <a:p>
+            <a:pPr algn="ctr"/>
+            <a:endParaRPr lang="en-US"/>
+          </a:p>
+        </p:txBody>
+      </p:sp>
+      <p:sp>
+        <p:nvSpPr>
+          <p:cNvPr id="15" name="Rectangle 14">
+            <a:extLst>
+              <a:ext uri="{FF2B5EF4-FFF2-40B4-BE49-F238E27FC236}">
+                <a16:creationId xmlns:a16="http://schemas.microsoft.com/office/drawing/2014/main" id="{DC631C0B-6DA6-4E57-8231-CE32B3434A7E}"/>
+              </a:ext>
+              <a:ext uri="{C183D7F6-B498-43B3-948B-1728B52AA6E4}">
+                <adec:decorative xmlns:adec="http://schemas.microsoft.com/office/drawing/2017/decorative" val="1"/>
+              </a:ext>
+            </a:extLst>
+          </p:cNvPr>
+          <p:cNvSpPr>
+            <a:spLocks noGrp="1" noRot="1" noChangeAspect="1" noMove="1" noResize="1" noEditPoints="1" noAdjustHandles="1" noChangeArrowheads="1" noChangeShapeType="1" noTextEdit="1"/>
+          </p:cNvSpPr>
+          <p:nvPr>
+            <p:extLst>
+              <p:ext uri="{386F3935-93C4-4BCD-93E2-E3B085C9AB24}">
+                <p16:designElem xmlns:p16="http://schemas.microsoft.com/office/powerpoint/2015/main" val="1"/>
+              </p:ext>
+            </p:extLst>
+          </p:nvPr>
+        </p:nvSpPr>
+        <p:spPr>
+          <a:xfrm>
+            <a:off x="-5" y="-22690"/>
+            <a:ext cx="8542485" cy="4374126"/>
+          </a:xfrm>
+          <a:prstGeom prst="rect">
+            <a:avLst/>
+          </a:prstGeom>
+          <a:gradFill>
+            <a:gsLst>
+              <a:gs pos="0">
+                <a:schemeClr val="accent1">
+                  <a:lumMod val="50000"/>
+                  <a:alpha val="0"/>
+                </a:schemeClr>
+              </a:gs>
+              <a:gs pos="100000">
+                <a:srgbClr val="000000">
+                  <a:alpha val="25000"/>
+                </a:srgbClr>
+              </a:gs>
+            </a:gsLst>
+            <a:lin ang="18600000" scaled="0"/>
+          </a:gradFill>
+          <a:ln>
+            <a:noFill/>
+          </a:ln>
+        </p:spPr>
+        <p:style>
+          <a:lnRef idx="2">
+            <a:schemeClr val="accent1">
+              <a:shade val="50000"/>
+            </a:schemeClr>
+          </a:lnRef>
+          <a:fillRef idx="1">
+            <a:schemeClr val="accent1"/>
+          </a:fillRef>
+          <a:effectRef idx="0">
+            <a:schemeClr val="accent1"/>
+          </a:effectRef>
+          <a:fontRef idx="minor">
+            <a:schemeClr val="lt1"/>
+          </a:fontRef>
+        </p:style>
+        <p:txBody>
+          <a:bodyPr rtlCol="0" anchor="ctr"/>
+          <a:lstStyle/>
+          <a:p>
+            <a:pPr algn="ctr"/>
+            <a:endParaRPr lang="en-US"/>
+          </a:p>
+        </p:txBody>
+      </p:sp>
+      <p:sp>
+        <p:nvSpPr>
+          <p:cNvPr id="17" name="Freeform: Shape 16">
+            <a:extLst>
+              <a:ext uri="{FF2B5EF4-FFF2-40B4-BE49-F238E27FC236}">
+                <a16:creationId xmlns:a16="http://schemas.microsoft.com/office/drawing/2014/main" id="{C29501E6-A978-4A61-9689-9085AF97A53A}"/>
+              </a:ext>
+              <a:ext uri="{C183D7F6-B498-43B3-948B-1728B52AA6E4}">
+                <adec:decorative xmlns:adec="http://schemas.microsoft.com/office/drawing/2017/decorative" val="1"/>
+              </a:ext>
+            </a:extLst>
+          </p:cNvPr>
+          <p:cNvSpPr>
+            <a:spLocks noGrp="1" noRot="1" noChangeAspect="1" noMove="1" noResize="1" noEditPoints="1" noAdjustHandles="1" noChangeArrowheads="1" noChangeShapeType="1" noTextEdit="1"/>
+          </p:cNvSpPr>
+          <p:nvPr>
+            <p:extLst>
+              <p:ext uri="{386F3935-93C4-4BCD-93E2-E3B085C9AB24}">
+                <p16:designElem xmlns:p16="http://schemas.microsoft.com/office/powerpoint/2015/main" val="1"/>
+              </p:ext>
+            </p:extLst>
+          </p:nvPr>
+        </p:nvSpPr>
+        <p:spPr>
+          <a:xfrm rot="12508972">
+            <a:off x="5945431" y="-1032053"/>
+            <a:ext cx="4990147" cy="4439131"/>
+          </a:xfrm>
+          <a:custGeom>
+            <a:avLst/>
+            <a:gdLst>
+              <a:gd name="connsiteX0" fmla="*/ 4990147 w 4990147"/>
+              <a:gd name="connsiteY0" fmla="*/ 2229378 h 4439131"/>
+              <a:gd name="connsiteX1" fmla="*/ 917384 w 4990147"/>
+              <a:gd name="connsiteY1" fmla="*/ 4439131 h 4439131"/>
+              <a:gd name="connsiteX2" fmla="*/ 910814 w 4990147"/>
+              <a:gd name="connsiteY2" fmla="*/ 4434219 h 4439131"/>
+              <a:gd name="connsiteX3" fmla="*/ 0 w 4990147"/>
+              <a:gd name="connsiteY3" fmla="*/ 2502877 h 4439131"/>
+              <a:gd name="connsiteX4" fmla="*/ 2502877 w 4990147"/>
+              <a:gd name="connsiteY4" fmla="*/ 0 h 4439131"/>
+              <a:gd name="connsiteX5" fmla="*/ 4954904 w 4990147"/>
+              <a:gd name="connsiteY5" fmla="*/ 1998460 h 4439131"/>
+            </a:gdLst>
+            <a:ahLst/>
+            <a:cxnLst>
+              <a:cxn ang="0">
+                <a:pos x="connsiteX0" y="connsiteY0"/>
+              </a:cxn>
+              <a:cxn ang="0">
+                <a:pos x="connsiteX1" y="connsiteY1"/>
+              </a:cxn>
+              <a:cxn ang="0">
+                <a:pos x="connsiteX2" y="connsiteY2"/>
+              </a:cxn>
+              <a:cxn ang="0">
+                <a:pos x="connsiteX3" y="connsiteY3"/>
+              </a:cxn>
+              <a:cxn ang="0">
+                <a:pos x="connsiteX4" y="connsiteY4"/>
+              </a:cxn>
+              <a:cxn ang="0">
+                <a:pos x="connsiteX5" y="connsiteY5"/>
+              </a:cxn>
+            </a:cxnLst>
+            <a:rect l="l" t="t" r="r" b="b"/>
+            <a:pathLst>
+              <a:path w="4990147" h="4439131">
+                <a:moveTo>
+                  <a:pt x="4990147" y="2229378"/>
+                </a:moveTo>
+                <a:lnTo>
+                  <a:pt x="917384" y="4439131"/>
+                </a:lnTo>
+                <a:lnTo>
+                  <a:pt x="910814" y="4434219"/>
+                </a:lnTo>
+                <a:cubicBezTo>
+                  <a:pt x="354557" y="3975154"/>
+                  <a:pt x="0" y="3280421"/>
+                  <a:pt x="0" y="2502877"/>
+                </a:cubicBezTo>
+                <a:cubicBezTo>
+                  <a:pt x="0" y="1120576"/>
+                  <a:pt x="1120576" y="0"/>
+                  <a:pt x="2502877" y="0"/>
+                </a:cubicBezTo>
+                <a:cubicBezTo>
+                  <a:pt x="3712390" y="0"/>
+                  <a:pt x="4721520" y="857941"/>
+                  <a:pt x="4954904" y="1998460"/>
+                </a:cubicBezTo>
+                <a:close/>
+              </a:path>
+            </a:pathLst>
+          </a:custGeom>
+          <a:gradFill>
+            <a:gsLst>
+              <a:gs pos="0">
+                <a:schemeClr val="accent1">
+                  <a:alpha val="22000"/>
+                </a:schemeClr>
+              </a:gs>
+              <a:gs pos="87000">
+                <a:schemeClr val="accent1">
+                  <a:lumMod val="60000"/>
+                  <a:lumOff val="40000"/>
+                  <a:alpha val="2000"/>
+                </a:schemeClr>
+              </a:gs>
+            </a:gsLst>
+            <a:lin ang="8400000" scaled="0"/>
+          </a:gradFill>
+          <a:ln>
+            <a:noFill/>
+          </a:ln>
+        </p:spPr>
+        <p:style>
+          <a:lnRef idx="2">
+            <a:schemeClr val="accent1">
+              <a:shade val="50000"/>
+            </a:schemeClr>
+          </a:lnRef>
+          <a:fillRef idx="1">
+            <a:schemeClr val="accent1"/>
+          </a:fillRef>
+          <a:effectRef idx="0">
+            <a:schemeClr val="accent1"/>
+          </a:effectRef>
+          <a:fontRef idx="minor">
+            <a:schemeClr val="lt1"/>
+          </a:fontRef>
+        </p:style>
+        <p:txBody>
+          <a:bodyPr wrap="square" rtlCol="0" anchor="ctr">
+            <a:noAutofit/>
+          </a:bodyPr>
+          <a:lstStyle/>
+          <a:p>
+            <a:pPr algn="ctr"/>
+            <a:endParaRPr lang="en-US" dirty="0"/>
+          </a:p>
+        </p:txBody>
+      </p:sp>
+      <p:sp>
+        <p:nvSpPr>
+          <p:cNvPr id="2" name="Title 1">
+            <a:extLst>
+              <a:ext uri="{FF2B5EF4-FFF2-40B4-BE49-F238E27FC236}">
+                <a16:creationId xmlns:a16="http://schemas.microsoft.com/office/drawing/2014/main" id="{578640FB-7115-F287-AD23-E0ECE0BDAE3B}"/>
+              </a:ext>
+            </a:extLst>
+          </p:cNvPr>
+          <p:cNvSpPr>
+            <a:spLocks noGrp="1"/>
+          </p:cNvSpPr>
+          <p:nvPr>
+            <p:ph type="title"/>
+          </p:nvPr>
+        </p:nvSpPr>
+        <p:spPr>
+          <a:xfrm>
+            <a:off x="1314824" y="735106"/>
+            <a:ext cx="10053763" cy="2928470"/>
+          </a:xfrm>
+        </p:spPr>
+        <p:txBody>
+          <a:bodyPr vert="horz" lIns="91440" tIns="45720" rIns="91440" bIns="45720" rtlCol="0" anchor="b">
+            <a:normAutofit/>
+          </a:bodyPr>
+          <a:lstStyle/>
+          <a:p>
+            <a:r>
+              <a:rPr lang="en-US" altLang="zh-TW" sz="4800" dirty="0">
+                <a:solidFill>
+                  <a:schemeClr val="bg1"/>
+                </a:solidFill>
+              </a:rPr>
+              <a:t>Architecture Diagram</a:t>
+            </a:r>
+            <a:endParaRPr lang="en-US" sz="4800" kern="1200" dirty="0">
+              <a:solidFill>
+                <a:schemeClr val="bg1"/>
+              </a:solidFill>
+            </a:endParaRPr>
+          </a:p>
+        </p:txBody>
+      </p:sp>
+    </p:spTree>
+    <p:extLst>
+      <p:ext uri="{BB962C8B-B14F-4D97-AF65-F5344CB8AC3E}">
+        <p14:creationId xmlns:p14="http://schemas.microsoft.com/office/powerpoint/2010/main" val="3015368210"/>
+      </p:ext>
+    </p:extLst>
+  </p:cSld>
+  <p:clrMapOvr>
+    <a:masterClrMapping/>
+  </p:clrMapOvr>
+</p:sld>
+</file>
+
+<file path=ppt/slides/slide3.xml><?xml version="1.0" encoding="utf-8"?>
+<p:sld xmlns:a="http://schemas.openxmlformats.org/drawingml/2006/main" xmlns:r="http://schemas.openxmlformats.org/officeDocument/2006/relationships" xmlns:p="http://schemas.openxmlformats.org/presentationml/2006/main">
+  <p:cSld>
+    <p:bg>
+      <p:bgPr>
+        <a:solidFill>
+          <a:schemeClr val="bg1"/>
+        </a:solidFill>
+        <a:effectLst/>
+      </p:bgPr>
+    </p:bg>
+    <p:spTree>
+      <p:nvGrpSpPr>
+        <p:cNvPr id="1" name=""/>
+        <p:cNvGrpSpPr/>
+        <p:nvPr/>
+      </p:nvGrpSpPr>
+      <p:grpSpPr>
+        <a:xfrm>
+          <a:off x="0" y="0"/>
+          <a:ext cx="0" cy="0"/>
+          <a:chOff x="0" y="0"/>
+          <a:chExt cx="0" cy="0"/>
+        </a:xfrm>
+      </p:grpSpPr>
+      <p:pic>
+        <p:nvPicPr>
+          <p:cNvPr id="5" name="Content Placeholder 4" descr="A screenshot of a computer&#10;&#10;AI-generated content may be incorrect.">
+            <a:extLst>
+              <a:ext uri="{FF2B5EF4-FFF2-40B4-BE49-F238E27FC236}">
+                <a16:creationId xmlns:a16="http://schemas.microsoft.com/office/drawing/2014/main" id="{50A8BB5C-946A-3AAF-40CB-85A039FA0FBA}"/>
+              </a:ext>
+            </a:extLst>
+          </p:cNvPr>
+          <p:cNvPicPr>
+            <a:picLocks noGrp="1" noChangeAspect="1"/>
+          </p:cNvPicPr>
+          <p:nvPr>
+            <p:ph idx="1"/>
+          </p:nvPr>
+        </p:nvPicPr>
+        <p:blipFill>
+          <a:blip r:embed="rId2">
+            <a:extLst>
+              <a:ext uri="{28A0092B-C50C-407E-A947-70E740481C1C}">
+                <a14:useLocalDpi xmlns:a14="http://schemas.microsoft.com/office/drawing/2010/main" val="0"/>
+              </a:ext>
+            </a:extLst>
+          </a:blip>
+          <a:stretch>
+            <a:fillRect/>
+          </a:stretch>
+        </p:blipFill>
+        <p:spPr>
+          <a:xfrm>
+            <a:off x="643467" y="1002622"/>
+            <a:ext cx="10905066" cy="4852755"/>
+          </a:xfrm>
+          <a:prstGeom prst="rect">
+            <a:avLst/>
+          </a:prstGeom>
+        </p:spPr>
+      </p:pic>
+    </p:spTree>
+    <p:extLst>
+      <p:ext uri="{BB962C8B-B14F-4D97-AF65-F5344CB8AC3E}">
+        <p14:creationId xmlns:p14="http://schemas.microsoft.com/office/powerpoint/2010/main" val="3030178811"/>
+      </p:ext>
+    </p:extLst>
+  </p:cSld>
+  <p:clrMapOvr>
+    <a:masterClrMapping/>
+  </p:clrMapOvr>
 </p:sld>
 </file>
 
@@ -5125,10 +5948,10 @@
       </p:grpSpPr>
       <p:sp useBgFill="1">
         <p:nvSpPr>
-          <p:cNvPr id="1042" name="Rectangle 1041">
-            <a:extLst>
-              <a:ext uri="{FF2B5EF4-FFF2-40B4-BE49-F238E27FC236}">
-                <a16:creationId xmlns:a16="http://schemas.microsoft.com/office/drawing/2014/main" id="{2151139A-886F-4B97-8815-729AD3831BBD}"/>
+          <p:cNvPr id="20" name="Rectangle 19">
+            <a:extLst>
+              <a:ext uri="{FF2B5EF4-FFF2-40B4-BE49-F238E27FC236}">
+                <a16:creationId xmlns:a16="http://schemas.microsoft.com/office/drawing/2014/main" id="{6F5A5072-7B47-4D32-B52A-4EBBF590B8A5}"/>
               </a:ext>
               <a:ext uri="{C183D7F6-B498-43B3-948B-1728B52AA6E4}">
                 <adec:decorative xmlns:adec="http://schemas.microsoft.com/office/drawing/2017/decorative" val="1"/>
@@ -5195,16 +6018,16 @@
           <a:lstStyle/>
           <a:p>
             <a:pPr algn="ctr"/>
-            <a:endParaRPr lang="en-US" sz="2000"/>
-          </a:p>
-        </p:txBody>
-      </p:sp>
-      <p:sp>
-        <p:nvSpPr>
-          <p:cNvPr id="1044" name="Rectangle 1043">
-            <a:extLst>
-              <a:ext uri="{FF2B5EF4-FFF2-40B4-BE49-F238E27FC236}">
-                <a16:creationId xmlns:a16="http://schemas.microsoft.com/office/drawing/2014/main" id="{AB5E08C4-8CDD-4623-A5B8-E998C6DEE3B7}"/>
+            <a:endParaRPr lang="en-US"/>
+          </a:p>
+        </p:txBody>
+      </p:sp>
+      <p:sp>
+        <p:nvSpPr>
+          <p:cNvPr id="22" name="Rectangle 21">
+            <a:extLst>
+              <a:ext uri="{FF2B5EF4-FFF2-40B4-BE49-F238E27FC236}">
+                <a16:creationId xmlns:a16="http://schemas.microsoft.com/office/drawing/2014/main" id="{9715DAF0-AE1B-46C9-8A6B-DB2AA05AB91D}"/>
               </a:ext>
               <a:ext uri="{C183D7F6-B498-43B3-948B-1728B52AA6E4}">
                 <adec:decorative xmlns:adec="http://schemas.microsoft.com/office/drawing/2017/decorative" val="1"/>
@@ -5223,9 +6046,233 @@
           </p:nvPr>
         </p:nvSpPr>
         <p:spPr>
-          <a:xfrm flipH="1">
-            <a:off x="2" y="492"/>
-            <a:ext cx="12191998" cy="1575955"/>
+          <a:xfrm rot="10800000">
+            <a:off x="-2" y="-22693"/>
+            <a:ext cx="12191999" cy="4374129"/>
+          </a:xfrm>
+          <a:prstGeom prst="rect">
+            <a:avLst/>
+          </a:prstGeom>
+          <a:gradFill>
+            <a:gsLst>
+              <a:gs pos="0">
+                <a:schemeClr val="accent1">
+                  <a:lumMod val="75000"/>
+                </a:schemeClr>
+              </a:gs>
+              <a:gs pos="100000">
+                <a:srgbClr val="000000"/>
+              </a:gs>
+            </a:gsLst>
+            <a:lin ang="15000000" scaled="0"/>
+          </a:gradFill>
+          <a:ln>
+            <a:noFill/>
+          </a:ln>
+        </p:spPr>
+        <p:style>
+          <a:lnRef idx="2">
+            <a:schemeClr val="accent1">
+              <a:shade val="50000"/>
+            </a:schemeClr>
+          </a:lnRef>
+          <a:fillRef idx="1">
+            <a:schemeClr val="accent1"/>
+          </a:fillRef>
+          <a:effectRef idx="0">
+            <a:schemeClr val="accent1"/>
+          </a:effectRef>
+          <a:fontRef idx="minor">
+            <a:schemeClr val="lt1"/>
+          </a:fontRef>
+        </p:style>
+        <p:txBody>
+          <a:bodyPr rtlCol="0" anchor="ctr"/>
+          <a:lstStyle/>
+          <a:p>
+            <a:pPr algn="ctr"/>
+            <a:endParaRPr lang="en-US"/>
+          </a:p>
+        </p:txBody>
+      </p:sp>
+      <p:sp>
+        <p:nvSpPr>
+          <p:cNvPr id="24" name="Rectangle 23">
+            <a:extLst>
+              <a:ext uri="{FF2B5EF4-FFF2-40B4-BE49-F238E27FC236}">
+                <a16:creationId xmlns:a16="http://schemas.microsoft.com/office/drawing/2014/main" id="{6016219D-510E-4184-9090-6D5578A87BD1}"/>
+              </a:ext>
+              <a:ext uri="{C183D7F6-B498-43B3-948B-1728B52AA6E4}">
+                <adec:decorative xmlns:adec="http://schemas.microsoft.com/office/drawing/2017/decorative" val="1"/>
+              </a:ext>
+            </a:extLst>
+          </p:cNvPr>
+          <p:cNvSpPr>
+            <a:spLocks noGrp="1" noRot="1" noChangeAspect="1" noMove="1" noResize="1" noEditPoints="1" noAdjustHandles="1" noChangeArrowheads="1" noChangeShapeType="1" noTextEdit="1"/>
+          </p:cNvSpPr>
+          <p:nvPr>
+            <p:extLst>
+              <p:ext uri="{386F3935-93C4-4BCD-93E2-E3B085C9AB24}">
+                <p16:designElem xmlns:p16="http://schemas.microsoft.com/office/powerpoint/2015/main" val="1"/>
+              </p:ext>
+            </p:extLst>
+          </p:nvPr>
+        </p:nvSpPr>
+        <p:spPr>
+          <a:xfrm rot="5400000">
+            <a:off x="3908719" y="-3931841"/>
+            <a:ext cx="4374557" cy="12192000"/>
+          </a:xfrm>
+          <a:prstGeom prst="rect">
+            <a:avLst/>
+          </a:prstGeom>
+          <a:gradFill>
+            <a:gsLst>
+              <a:gs pos="40000">
+                <a:schemeClr val="accent1">
+                  <a:alpha val="0"/>
+                </a:schemeClr>
+              </a:gs>
+              <a:gs pos="100000">
+                <a:schemeClr val="accent1">
+                  <a:lumMod val="75000"/>
+                  <a:alpha val="52000"/>
+                </a:schemeClr>
+              </a:gs>
+            </a:gsLst>
+            <a:lin ang="2400000" scaled="0"/>
+          </a:gradFill>
+          <a:ln>
+            <a:noFill/>
+          </a:ln>
+        </p:spPr>
+        <p:style>
+          <a:lnRef idx="2">
+            <a:schemeClr val="accent1">
+              <a:shade val="50000"/>
+            </a:schemeClr>
+          </a:lnRef>
+          <a:fillRef idx="1">
+            <a:schemeClr val="accent1"/>
+          </a:fillRef>
+          <a:effectRef idx="0">
+            <a:schemeClr val="accent1"/>
+          </a:effectRef>
+          <a:fontRef idx="minor">
+            <a:schemeClr val="lt1"/>
+          </a:fontRef>
+        </p:style>
+        <p:txBody>
+          <a:bodyPr rtlCol="0" anchor="ctr"/>
+          <a:lstStyle/>
+          <a:p>
+            <a:pPr algn="ctr"/>
+            <a:endParaRPr lang="en-US"/>
+          </a:p>
+        </p:txBody>
+      </p:sp>
+      <p:sp>
+        <p:nvSpPr>
+          <p:cNvPr id="26" name="Rectangle 25">
+            <a:extLst>
+              <a:ext uri="{FF2B5EF4-FFF2-40B4-BE49-F238E27FC236}">
+                <a16:creationId xmlns:a16="http://schemas.microsoft.com/office/drawing/2014/main" id="{AFF4A713-7B75-4B21-90D7-5AB19547C728}"/>
+              </a:ext>
+              <a:ext uri="{C183D7F6-B498-43B3-948B-1728B52AA6E4}">
+                <adec:decorative xmlns:adec="http://schemas.microsoft.com/office/drawing/2017/decorative" val="1"/>
+              </a:ext>
+            </a:extLst>
+          </p:cNvPr>
+          <p:cNvSpPr>
+            <a:spLocks noGrp="1" noRot="1" noChangeAspect="1" noMove="1" noResize="1" noEditPoints="1" noAdjustHandles="1" noChangeArrowheads="1" noChangeShapeType="1" noTextEdit="1"/>
+          </p:cNvSpPr>
+          <p:nvPr>
+            <p:extLst>
+              <p:ext uri="{386F3935-93C4-4BCD-93E2-E3B085C9AB24}">
+                <p16:designElem xmlns:p16="http://schemas.microsoft.com/office/powerpoint/2015/main" val="1"/>
+              </p:ext>
+            </p:extLst>
+          </p:nvPr>
+        </p:nvSpPr>
+        <p:spPr>
+          <a:xfrm rot="5400000">
+            <a:off x="4136696" y="-3703868"/>
+            <a:ext cx="4374128" cy="11736479"/>
+          </a:xfrm>
+          <a:prstGeom prst="rect">
+            <a:avLst/>
+          </a:prstGeom>
+          <a:gradFill>
+            <a:gsLst>
+              <a:gs pos="17000">
+                <a:schemeClr val="accent1">
+                  <a:alpha val="0"/>
+                </a:schemeClr>
+              </a:gs>
+              <a:gs pos="100000">
+                <a:srgbClr val="000000">
+                  <a:alpha val="37000"/>
+                </a:srgbClr>
+              </a:gs>
+            </a:gsLst>
+            <a:lin ang="7800000" scaled="0"/>
+          </a:gradFill>
+          <a:ln>
+            <a:noFill/>
+          </a:ln>
+        </p:spPr>
+        <p:style>
+          <a:lnRef idx="2">
+            <a:schemeClr val="accent1">
+              <a:shade val="50000"/>
+            </a:schemeClr>
+          </a:lnRef>
+          <a:fillRef idx="1">
+            <a:schemeClr val="accent1"/>
+          </a:fillRef>
+          <a:effectRef idx="0">
+            <a:schemeClr val="accent1"/>
+          </a:effectRef>
+          <a:fontRef idx="minor">
+            <a:schemeClr val="lt1"/>
+          </a:fontRef>
+        </p:style>
+        <p:txBody>
+          <a:bodyPr rtlCol="0" anchor="ctr"/>
+          <a:lstStyle/>
+          <a:p>
+            <a:pPr algn="ctr"/>
+            <a:endParaRPr lang="en-US"/>
+          </a:p>
+        </p:txBody>
+      </p:sp>
+      <p:sp>
+        <p:nvSpPr>
+          <p:cNvPr id="28" name="Rectangle 27">
+            <a:extLst>
+              <a:ext uri="{FF2B5EF4-FFF2-40B4-BE49-F238E27FC236}">
+                <a16:creationId xmlns:a16="http://schemas.microsoft.com/office/drawing/2014/main" id="{DC631C0B-6DA6-4E57-8231-CE32B3434A7E}"/>
+              </a:ext>
+              <a:ext uri="{C183D7F6-B498-43B3-948B-1728B52AA6E4}">
+                <adec:decorative xmlns:adec="http://schemas.microsoft.com/office/drawing/2017/decorative" val="1"/>
+              </a:ext>
+            </a:extLst>
+          </p:cNvPr>
+          <p:cNvSpPr>
+            <a:spLocks noGrp="1" noRot="1" noChangeAspect="1" noMove="1" noResize="1" noEditPoints="1" noAdjustHandles="1" noChangeArrowheads="1" noChangeShapeType="1" noTextEdit="1"/>
+          </p:cNvSpPr>
+          <p:nvPr>
+            <p:extLst>
+              <p:ext uri="{386F3935-93C4-4BCD-93E2-E3B085C9AB24}">
+                <p16:designElem xmlns:p16="http://schemas.microsoft.com/office/powerpoint/2015/main" val="1"/>
+              </p:ext>
+            </p:extLst>
+          </p:nvPr>
+        </p:nvSpPr>
+        <p:spPr>
+          <a:xfrm>
+            <a:off x="-5" y="-22690"/>
+            <a:ext cx="8542485" cy="4374126"/>
           </a:xfrm>
           <a:prstGeom prst="rect">
             <a:avLst/>
@@ -5235,11 +6282,154 @@
               <a:gs pos="0">
                 <a:schemeClr val="accent1">
                   <a:lumMod val="50000"/>
+                  <a:alpha val="0"/>
                 </a:schemeClr>
               </a:gs>
               <a:gs pos="100000">
+                <a:srgbClr val="000000">
+                  <a:alpha val="25000"/>
+                </a:srgbClr>
+              </a:gs>
+            </a:gsLst>
+            <a:lin ang="18600000" scaled="0"/>
+          </a:gradFill>
+          <a:ln>
+            <a:noFill/>
+          </a:ln>
+        </p:spPr>
+        <p:style>
+          <a:lnRef idx="2">
+            <a:schemeClr val="accent1">
+              <a:shade val="50000"/>
+            </a:schemeClr>
+          </a:lnRef>
+          <a:fillRef idx="1">
+            <a:schemeClr val="accent1"/>
+          </a:fillRef>
+          <a:effectRef idx="0">
+            <a:schemeClr val="accent1"/>
+          </a:effectRef>
+          <a:fontRef idx="minor">
+            <a:schemeClr val="lt1"/>
+          </a:fontRef>
+        </p:style>
+        <p:txBody>
+          <a:bodyPr rtlCol="0" anchor="ctr"/>
+          <a:lstStyle/>
+          <a:p>
+            <a:pPr algn="ctr"/>
+            <a:endParaRPr lang="en-US"/>
+          </a:p>
+        </p:txBody>
+      </p:sp>
+      <p:sp>
+        <p:nvSpPr>
+          <p:cNvPr id="30" name="Freeform: Shape 29">
+            <a:extLst>
+              <a:ext uri="{FF2B5EF4-FFF2-40B4-BE49-F238E27FC236}">
+                <a16:creationId xmlns:a16="http://schemas.microsoft.com/office/drawing/2014/main" id="{C29501E6-A978-4A61-9689-9085AF97A53A}"/>
+              </a:ext>
+              <a:ext uri="{C183D7F6-B498-43B3-948B-1728B52AA6E4}">
+                <adec:decorative xmlns:adec="http://schemas.microsoft.com/office/drawing/2017/decorative" val="1"/>
+              </a:ext>
+            </a:extLst>
+          </p:cNvPr>
+          <p:cNvSpPr>
+            <a:spLocks noGrp="1" noRot="1" noChangeAspect="1" noMove="1" noResize="1" noEditPoints="1" noAdjustHandles="1" noChangeArrowheads="1" noChangeShapeType="1" noTextEdit="1"/>
+          </p:cNvSpPr>
+          <p:nvPr>
+            <p:extLst>
+              <p:ext uri="{386F3935-93C4-4BCD-93E2-E3B085C9AB24}">
+                <p16:designElem xmlns:p16="http://schemas.microsoft.com/office/powerpoint/2015/main" val="1"/>
+              </p:ext>
+            </p:extLst>
+          </p:nvPr>
+        </p:nvSpPr>
+        <p:spPr>
+          <a:xfrm rot="12508972">
+            <a:off x="5945431" y="-1032053"/>
+            <a:ext cx="4990147" cy="4439131"/>
+          </a:xfrm>
+          <a:custGeom>
+            <a:avLst/>
+            <a:gdLst>
+              <a:gd name="connsiteX0" fmla="*/ 4990147 w 4990147"/>
+              <a:gd name="connsiteY0" fmla="*/ 2229378 h 4439131"/>
+              <a:gd name="connsiteX1" fmla="*/ 917384 w 4990147"/>
+              <a:gd name="connsiteY1" fmla="*/ 4439131 h 4439131"/>
+              <a:gd name="connsiteX2" fmla="*/ 910814 w 4990147"/>
+              <a:gd name="connsiteY2" fmla="*/ 4434219 h 4439131"/>
+              <a:gd name="connsiteX3" fmla="*/ 0 w 4990147"/>
+              <a:gd name="connsiteY3" fmla="*/ 2502877 h 4439131"/>
+              <a:gd name="connsiteX4" fmla="*/ 2502877 w 4990147"/>
+              <a:gd name="connsiteY4" fmla="*/ 0 h 4439131"/>
+              <a:gd name="connsiteX5" fmla="*/ 4954904 w 4990147"/>
+              <a:gd name="connsiteY5" fmla="*/ 1998460 h 4439131"/>
+            </a:gdLst>
+            <a:ahLst/>
+            <a:cxnLst>
+              <a:cxn ang="0">
+                <a:pos x="connsiteX0" y="connsiteY0"/>
+              </a:cxn>
+              <a:cxn ang="0">
+                <a:pos x="connsiteX1" y="connsiteY1"/>
+              </a:cxn>
+              <a:cxn ang="0">
+                <a:pos x="connsiteX2" y="connsiteY2"/>
+              </a:cxn>
+              <a:cxn ang="0">
+                <a:pos x="connsiteX3" y="connsiteY3"/>
+              </a:cxn>
+              <a:cxn ang="0">
+                <a:pos x="connsiteX4" y="connsiteY4"/>
+              </a:cxn>
+              <a:cxn ang="0">
+                <a:pos x="connsiteX5" y="connsiteY5"/>
+              </a:cxn>
+            </a:cxnLst>
+            <a:rect l="l" t="t" r="r" b="b"/>
+            <a:pathLst>
+              <a:path w="4990147" h="4439131">
+                <a:moveTo>
+                  <a:pt x="4990147" y="2229378"/>
+                </a:moveTo>
+                <a:lnTo>
+                  <a:pt x="917384" y="4439131"/>
+                </a:lnTo>
+                <a:lnTo>
+                  <a:pt x="910814" y="4434219"/>
+                </a:lnTo>
+                <a:cubicBezTo>
+                  <a:pt x="354557" y="3975154"/>
+                  <a:pt x="0" y="3280421"/>
+                  <a:pt x="0" y="2502877"/>
+                </a:cubicBezTo>
+                <a:cubicBezTo>
+                  <a:pt x="0" y="1120576"/>
+                  <a:pt x="1120576" y="0"/>
+                  <a:pt x="2502877" y="0"/>
+                </a:cubicBezTo>
+                <a:cubicBezTo>
+                  <a:pt x="3712390" y="0"/>
+                  <a:pt x="4721520" y="857941"/>
+                  <a:pt x="4954904" y="1998460"/>
+                </a:cubicBezTo>
+                <a:close/>
+              </a:path>
+            </a:pathLst>
+          </a:custGeom>
+          <a:gradFill>
+            <a:gsLst>
+              <a:gs pos="0">
                 <a:schemeClr val="accent1">
-                  <a:lumMod val="75000"/>
+                  <a:alpha val="22000"/>
+                </a:schemeClr>
+              </a:gs>
+              <a:gs pos="87000">
+                <a:schemeClr val="accent1">
+                  <a:lumMod val="60000"/>
+                  <a:lumOff val="40000"/>
+                  <a:alpha val="2000"/>
                 </a:schemeClr>
               </a:gs>
             </a:gsLst>
@@ -5266,158 +6456,9 @@
           </a:fontRef>
         </p:style>
         <p:txBody>
-          <a:bodyPr rtlCol="0" anchor="ctr"/>
-          <a:lstStyle/>
-          <a:p>
-            <a:pPr algn="ctr"/>
-            <a:endParaRPr lang="en-US"/>
-          </a:p>
-        </p:txBody>
-      </p:sp>
-      <p:sp>
-        <p:nvSpPr>
-          <p:cNvPr id="1046" name="Rectangle 1045">
-            <a:extLst>
-              <a:ext uri="{FF2B5EF4-FFF2-40B4-BE49-F238E27FC236}">
-                <a16:creationId xmlns:a16="http://schemas.microsoft.com/office/drawing/2014/main" id="{15F33878-D502-4FFA-8ACE-F2AECDB2A23F}"/>
-              </a:ext>
-              <a:ext uri="{C183D7F6-B498-43B3-948B-1728B52AA6E4}">
-                <adec:decorative xmlns:adec="http://schemas.microsoft.com/office/drawing/2017/decorative" val="1"/>
-              </a:ext>
-            </a:extLst>
-          </p:cNvPr>
-          <p:cNvSpPr>
-            <a:spLocks noGrp="1" noRot="1" noChangeAspect="1" noMove="1" noResize="1" noEditPoints="1" noAdjustHandles="1" noChangeArrowheads="1" noChangeShapeType="1" noTextEdit="1"/>
-          </p:cNvSpPr>
-          <p:nvPr>
-            <p:extLst>
-              <p:ext uri="{386F3935-93C4-4BCD-93E2-E3B085C9AB24}">
-                <p16:designElem xmlns:p16="http://schemas.microsoft.com/office/powerpoint/2015/main" val="1"/>
-              </p:ext>
-            </p:extLst>
-          </p:nvPr>
-        </p:nvSpPr>
-        <p:spPr>
-          <a:xfrm rot="10800000" flipH="1">
-            <a:off x="8128857" y="35"/>
-            <a:ext cx="4063143" cy="1576412"/>
-          </a:xfrm>
-          <a:prstGeom prst="rect">
-            <a:avLst/>
-          </a:prstGeom>
-          <a:gradFill>
-            <a:gsLst>
-              <a:gs pos="19000">
-                <a:schemeClr val="accent1">
-                  <a:lumMod val="50000"/>
-                  <a:alpha val="68000"/>
-                </a:schemeClr>
-              </a:gs>
-              <a:gs pos="100000">
-                <a:schemeClr val="accent1">
-                  <a:alpha val="79000"/>
-                </a:schemeClr>
-              </a:gs>
-            </a:gsLst>
-            <a:lin ang="19200000" scaled="0"/>
-          </a:gradFill>
-          <a:ln>
-            <a:noFill/>
-          </a:ln>
-        </p:spPr>
-        <p:style>
-          <a:lnRef idx="2">
-            <a:schemeClr val="accent1">
-              <a:shade val="50000"/>
-            </a:schemeClr>
-          </a:lnRef>
-          <a:fillRef idx="1">
-            <a:schemeClr val="accent1"/>
-          </a:fillRef>
-          <a:effectRef idx="0">
-            <a:schemeClr val="accent1"/>
-          </a:effectRef>
-          <a:fontRef idx="minor">
-            <a:schemeClr val="lt1"/>
-          </a:fontRef>
-        </p:style>
-        <p:txBody>
-          <a:bodyPr rtlCol="0" anchor="ctr"/>
-          <a:lstStyle/>
-          <a:p>
-            <a:pPr algn="ctr"/>
-            <a:endParaRPr lang="en-US"/>
-          </a:p>
-        </p:txBody>
-      </p:sp>
-      <p:sp>
-        <p:nvSpPr>
-          <p:cNvPr id="1048" name="Rectangle 1047">
-            <a:extLst>
-              <a:ext uri="{FF2B5EF4-FFF2-40B4-BE49-F238E27FC236}">
-                <a16:creationId xmlns:a16="http://schemas.microsoft.com/office/drawing/2014/main" id="{D3539FEE-81D3-4406-802E-60B20B16F4F6}"/>
-              </a:ext>
-              <a:ext uri="{C183D7F6-B498-43B3-948B-1728B52AA6E4}">
-                <adec:decorative xmlns:adec="http://schemas.microsoft.com/office/drawing/2017/decorative" val="1"/>
-              </a:ext>
-            </a:extLst>
-          </p:cNvPr>
-          <p:cNvSpPr>
-            <a:spLocks noGrp="1" noRot="1" noChangeAspect="1" noMove="1" noResize="1" noEditPoints="1" noAdjustHandles="1" noChangeArrowheads="1" noChangeShapeType="1" noTextEdit="1"/>
-          </p:cNvSpPr>
-          <p:nvPr>
-            <p:extLst>
-              <p:ext uri="{386F3935-93C4-4BCD-93E2-E3B085C9AB24}">
-                <p16:designElem xmlns:p16="http://schemas.microsoft.com/office/powerpoint/2015/main" val="1"/>
-              </p:ext>
-            </p:extLst>
-          </p:nvPr>
-        </p:nvSpPr>
-        <p:spPr>
-          <a:xfrm rot="5400000">
-            <a:off x="5307778" y="-5307777"/>
-            <a:ext cx="1576446" cy="12192001"/>
-          </a:xfrm>
-          <a:prstGeom prst="rect">
-            <a:avLst/>
-          </a:prstGeom>
-          <a:gradFill>
-            <a:gsLst>
-              <a:gs pos="16000">
-                <a:srgbClr val="000000">
-                  <a:alpha val="0"/>
-                </a:srgbClr>
-              </a:gs>
-              <a:gs pos="99000">
-                <a:srgbClr val="000000">
-                  <a:alpha val="87000"/>
-                </a:srgbClr>
-              </a:gs>
-            </a:gsLst>
-            <a:lin ang="11400000" scaled="0"/>
-          </a:gradFill>
-          <a:ln>
-            <a:noFill/>
-          </a:ln>
-        </p:spPr>
-        <p:style>
-          <a:lnRef idx="2">
-            <a:schemeClr val="accent1">
-              <a:shade val="50000"/>
-            </a:schemeClr>
-          </a:lnRef>
-          <a:fillRef idx="1">
-            <a:schemeClr val="accent1"/>
-          </a:fillRef>
-          <a:effectRef idx="0">
-            <a:schemeClr val="accent1"/>
-          </a:effectRef>
-          <a:fontRef idx="minor">
-            <a:schemeClr val="lt1"/>
-          </a:fontRef>
-        </p:style>
-        <p:txBody>
-          <a:bodyPr rtlCol="0" anchor="ctr"/>
+          <a:bodyPr wrap="square" rtlCol="0" anchor="ctr">
+            <a:noAutofit/>
+          </a:bodyPr>
           <a:lstStyle/>
           <a:p>
             <a:pPr algn="ctr"/>
@@ -5427,377 +6468,55 @@
       </p:sp>
       <p:sp>
         <p:nvSpPr>
-          <p:cNvPr id="1050" name="Rectangle 1049">
-            <a:extLst>
-              <a:ext uri="{FF2B5EF4-FFF2-40B4-BE49-F238E27FC236}">
-                <a16:creationId xmlns:a16="http://schemas.microsoft.com/office/drawing/2014/main" id="{DC701763-729E-462F-A5A8-E0DEFEB1E2E4}"/>
-              </a:ext>
-              <a:ext uri="{C183D7F6-B498-43B3-948B-1728B52AA6E4}">
-                <adec:decorative xmlns:adec="http://schemas.microsoft.com/office/drawing/2017/decorative" val="1"/>
-              </a:ext>
-            </a:extLst>
-          </p:cNvPr>
-          <p:cNvSpPr>
-            <a:spLocks noGrp="1" noRot="1" noChangeAspect="1" noMove="1" noResize="1" noEditPoints="1" noAdjustHandles="1" noChangeArrowheads="1" noChangeShapeType="1" noTextEdit="1"/>
-          </p:cNvSpPr>
-          <p:nvPr>
-            <p:extLst>
-              <p:ext uri="{386F3935-93C4-4BCD-93E2-E3B085C9AB24}">
-                <p16:designElem xmlns:p16="http://schemas.microsoft.com/office/powerpoint/2015/main" val="1"/>
-              </p:ext>
-            </p:extLst>
+          <p:cNvPr id="2" name="Title 1">
+            <a:extLst>
+              <a:ext uri="{FF2B5EF4-FFF2-40B4-BE49-F238E27FC236}">
+                <a16:creationId xmlns:a16="http://schemas.microsoft.com/office/drawing/2014/main" id="{5B194AB1-91F9-9C15-F4F9-71288D0BF4FA}"/>
+              </a:ext>
+            </a:extLst>
+          </p:cNvPr>
+          <p:cNvSpPr>
+            <a:spLocks noGrp="1"/>
+          </p:cNvSpPr>
+          <p:nvPr>
+            <p:ph type="title"/>
           </p:nvPr>
         </p:nvSpPr>
         <p:spPr>
           <a:xfrm>
-            <a:off x="3825434" y="986"/>
-            <a:ext cx="4303422" cy="1575461"/>
-          </a:xfrm>
-          <a:prstGeom prst="rect">
-            <a:avLst/>
-          </a:prstGeom>
-          <a:gradFill>
-            <a:gsLst>
-              <a:gs pos="0">
-                <a:schemeClr val="accent1">
-                  <a:alpha val="17000"/>
-                </a:schemeClr>
-              </a:gs>
-              <a:gs pos="74000">
-                <a:schemeClr val="accent1">
-                  <a:lumMod val="50000"/>
-                  <a:alpha val="0"/>
-                </a:schemeClr>
-              </a:gs>
-            </a:gsLst>
-            <a:lin ang="14400000" scaled="0"/>
-          </a:gradFill>
-          <a:ln>
-            <a:noFill/>
-          </a:ln>
-        </p:spPr>
-        <p:style>
-          <a:lnRef idx="2">
-            <a:schemeClr val="accent1">
-              <a:shade val="50000"/>
-            </a:schemeClr>
-          </a:lnRef>
-          <a:fillRef idx="1">
-            <a:schemeClr val="accent1"/>
-          </a:fillRef>
-          <a:effectRef idx="0">
-            <a:schemeClr val="accent1"/>
-          </a:effectRef>
-          <a:fontRef idx="minor">
-            <a:schemeClr val="lt1"/>
-          </a:fontRef>
-        </p:style>
-        <p:txBody>
-          <a:bodyPr rtlCol="0" anchor="ctr"/>
-          <a:lstStyle/>
-          <a:p>
-            <a:pPr algn="ctr"/>
-            <a:endParaRPr lang="en-US"/>
-          </a:p>
-        </p:txBody>
-      </p:sp>
-      <p:sp>
-        <p:nvSpPr>
-          <p:cNvPr id="2" name="Title 1">
-            <a:extLst>
-              <a:ext uri="{FF2B5EF4-FFF2-40B4-BE49-F238E27FC236}">
-                <a16:creationId xmlns:a16="http://schemas.microsoft.com/office/drawing/2014/main" id="{4F6C3210-8E30-D2F8-5EFE-B7196D5996D9}"/>
-              </a:ext>
-            </a:extLst>
-          </p:cNvPr>
-          <p:cNvSpPr>
-            <a:spLocks noGrp="1"/>
-          </p:cNvSpPr>
-          <p:nvPr>
-            <p:ph type="title"/>
-          </p:nvPr>
-        </p:nvSpPr>
-        <p:spPr>
-          <a:xfrm>
-            <a:off x="699714" y="353160"/>
-            <a:ext cx="7091300" cy="898581"/>
-          </a:xfrm>
-        </p:spPr>
-        <p:txBody>
-          <a:bodyPr vert="horz" lIns="91440" tIns="45720" rIns="91440" bIns="45720" rtlCol="0" anchor="ctr">
+            <a:off x="1314824" y="735106"/>
+            <a:ext cx="10053763" cy="2928470"/>
+          </a:xfrm>
+        </p:spPr>
+        <p:txBody>
+          <a:bodyPr vert="horz" lIns="91440" tIns="45720" rIns="91440" bIns="45720" rtlCol="0" anchor="b">
             <a:normAutofit/>
           </a:bodyPr>
           <a:lstStyle/>
           <a:p>
             <a:r>
-              <a:rPr lang="en-US" sz="4000">
+              <a:rPr lang="en-US" sz="4800" dirty="0">
                 <a:solidFill>
                   <a:srgbClr val="FFFFFF"/>
                 </a:solidFill>
               </a:rPr>
-              <a:t>Shifter Register</a:t>
-            </a:r>
-          </a:p>
-        </p:txBody>
-      </p:sp>
-      <p:pic>
-        <p:nvPicPr>
-          <p:cNvPr id="1026" name="Picture 2" descr="Output image">
-            <a:extLst>
-              <a:ext uri="{FF2B5EF4-FFF2-40B4-BE49-F238E27FC236}">
-                <a16:creationId xmlns:a16="http://schemas.microsoft.com/office/drawing/2014/main" id="{1DC1387B-7B06-69E6-EB79-70D105473303}"/>
-              </a:ext>
-            </a:extLst>
-          </p:cNvPr>
-          <p:cNvPicPr>
-            <a:picLocks noChangeAspect="1" noChangeArrowheads="1"/>
-          </p:cNvPicPr>
-          <p:nvPr/>
-        </p:nvPicPr>
-        <p:blipFill>
-          <a:blip r:embed="rId2">
-            <a:extLst>
-              <a:ext uri="{28A0092B-C50C-407E-A947-70E740481C1C}">
-                <a14:useLocalDpi xmlns:a14="http://schemas.microsoft.com/office/drawing/2010/main" val="0"/>
-              </a:ext>
-            </a:extLst>
-          </a:blip>
-          <a:stretch>
-            <a:fillRect/>
-          </a:stretch>
-        </p:blipFill>
-        <p:spPr bwMode="auto">
-          <a:xfrm>
-            <a:off x="6214856" y="2006210"/>
-            <a:ext cx="5131088" cy="1513670"/>
-          </a:xfrm>
-          <a:prstGeom prst="rect">
-            <a:avLst/>
-          </a:prstGeom>
-          <a:noFill/>
-          <a:extLst>
-            <a:ext uri="{909E8E84-426E-40DD-AFC4-6F175D3DCCD1}">
-              <a14:hiddenFill xmlns:a14="http://schemas.microsoft.com/office/drawing/2010/main">
-                <a:solidFill>
-                  <a:srgbClr val="FFFFFF"/>
-                </a:solidFill>
-              </a14:hiddenFill>
-            </a:ext>
-          </a:extLst>
-        </p:spPr>
-      </p:pic>
-      <p:pic>
-        <p:nvPicPr>
-          <p:cNvPr id="6" name="Picture 5">
-            <a:extLst>
-              <a:ext uri="{FF2B5EF4-FFF2-40B4-BE49-F238E27FC236}">
-                <a16:creationId xmlns:a16="http://schemas.microsoft.com/office/drawing/2014/main" id="{B7A8134D-D37E-8ED6-7F2C-62956B838199}"/>
-              </a:ext>
-            </a:extLst>
-          </p:cNvPr>
-          <p:cNvPicPr>
-            <a:picLocks noChangeAspect="1"/>
-          </p:cNvPicPr>
-          <p:nvPr/>
-        </p:nvPicPr>
-        <p:blipFill>
-          <a:blip r:embed="rId3"/>
-          <a:stretch>
-            <a:fillRect/>
-          </a:stretch>
-        </p:blipFill>
-        <p:spPr>
-          <a:xfrm>
-            <a:off x="759503" y="2006210"/>
-            <a:ext cx="4282539" cy="2323276"/>
-          </a:xfrm>
-          <a:prstGeom prst="rect">
-            <a:avLst/>
-          </a:prstGeom>
-        </p:spPr>
-      </p:pic>
-      <p:pic>
-        <p:nvPicPr>
-          <p:cNvPr id="9" name="Picture 8">
-            <a:extLst>
-              <a:ext uri="{FF2B5EF4-FFF2-40B4-BE49-F238E27FC236}">
-                <a16:creationId xmlns:a16="http://schemas.microsoft.com/office/drawing/2014/main" id="{552673D6-43C3-71D9-7891-369AAD101C23}"/>
-              </a:ext>
-            </a:extLst>
-          </p:cNvPr>
-          <p:cNvPicPr>
-            <a:picLocks noChangeAspect="1"/>
-          </p:cNvPicPr>
-          <p:nvPr/>
-        </p:nvPicPr>
-        <p:blipFill>
-          <a:blip r:embed="rId4"/>
-          <a:stretch>
-            <a:fillRect/>
-          </a:stretch>
-        </p:blipFill>
-        <p:spPr>
-          <a:xfrm>
-            <a:off x="757506" y="4826863"/>
-            <a:ext cx="4282539" cy="1227758"/>
-          </a:xfrm>
-          <a:prstGeom prst="rect">
-            <a:avLst/>
-          </a:prstGeom>
-        </p:spPr>
-      </p:pic>
-      <p:sp>
-        <p:nvSpPr>
-          <p:cNvPr id="10" name="Arrow: Right 9">
-            <a:extLst>
-              <a:ext uri="{FF2B5EF4-FFF2-40B4-BE49-F238E27FC236}">
-                <a16:creationId xmlns:a16="http://schemas.microsoft.com/office/drawing/2014/main" id="{D97C8EB8-F5C4-E2D2-4328-E055D07C001F}"/>
-              </a:ext>
-            </a:extLst>
-          </p:cNvPr>
-          <p:cNvSpPr/>
-          <p:nvPr/>
-        </p:nvSpPr>
-        <p:spPr>
-          <a:xfrm>
-            <a:off x="5244269" y="2566384"/>
-            <a:ext cx="970585" cy="393321"/>
-          </a:xfrm>
-          <a:prstGeom prst="rightArrow">
-            <a:avLst/>
-          </a:prstGeom>
-        </p:spPr>
-        <p:style>
-          <a:lnRef idx="2">
-            <a:schemeClr val="accent1">
-              <a:shade val="15000"/>
-            </a:schemeClr>
-          </a:lnRef>
-          <a:fillRef idx="1">
-            <a:schemeClr val="accent1"/>
-          </a:fillRef>
-          <a:effectRef idx="0">
-            <a:schemeClr val="accent1"/>
-          </a:effectRef>
-          <a:fontRef idx="minor">
-            <a:schemeClr val="lt1"/>
-          </a:fontRef>
-        </p:style>
-        <p:txBody>
-          <a:bodyPr rtlCol="0" anchor="ctr"/>
-          <a:lstStyle/>
-          <a:p>
-            <a:pPr algn="ctr"/>
-            <a:endParaRPr lang="en-US"/>
-          </a:p>
-        </p:txBody>
-      </p:sp>
-      <p:sp>
-        <p:nvSpPr>
-          <p:cNvPr id="11" name="TextBox 10">
-            <a:extLst>
-              <a:ext uri="{FF2B5EF4-FFF2-40B4-BE49-F238E27FC236}">
-                <a16:creationId xmlns:a16="http://schemas.microsoft.com/office/drawing/2014/main" id="{703F5508-CB59-8A43-59B9-72D246133DFE}"/>
-              </a:ext>
-            </a:extLst>
-          </p:cNvPr>
-          <p:cNvSpPr txBox="1"/>
-          <p:nvPr/>
-        </p:nvSpPr>
-        <p:spPr>
-          <a:xfrm>
-            <a:off x="5797550" y="3949700"/>
-            <a:ext cx="5448300" cy="1754326"/>
-          </a:xfrm>
-          <a:prstGeom prst="rect">
-            <a:avLst/>
-          </a:prstGeom>
-          <a:noFill/>
-        </p:spPr>
-        <p:txBody>
-          <a:bodyPr wrap="square" rtlCol="0">
-            <a:spAutoFit/>
-          </a:bodyPr>
-          <a:lstStyle/>
-          <a:p>
-            <a:r>
-              <a:rPr lang="zh-TW" altLang="en-US" dirty="0"/>
-              <a:t>透過一個</a:t>
-            </a:r>
-            <a:r>
-              <a:rPr lang="en-US" altLang="zh-TW" dirty="0"/>
-              <a:t>Shifter Register</a:t>
-            </a:r>
-            <a:r>
-              <a:rPr lang="zh-TW" altLang="en-US" dirty="0"/>
-              <a:t>，每次有新的</a:t>
-            </a:r>
-            <a:r>
-              <a:rPr lang="en-US" altLang="zh-TW" dirty="0"/>
-              <a:t>x</a:t>
-            </a:r>
-            <a:r>
-              <a:rPr lang="zh-TW" altLang="en-US" dirty="0"/>
-              <a:t>進來時存入</a:t>
-            </a:r>
-            <a:r>
-              <a:rPr lang="en-US" altLang="zh-TW" dirty="0" err="1"/>
-              <a:t>x_array</a:t>
-            </a:r>
-            <a:r>
-              <a:rPr lang="en-US" altLang="zh-TW" dirty="0"/>
-              <a:t>[0]</a:t>
-            </a:r>
-            <a:r>
-              <a:rPr lang="zh-TW" altLang="en-US" dirty="0"/>
-              <a:t>，並把所有位置上的值往下一個位置移動。</a:t>
-            </a:r>
-            <a:endParaRPr lang="en-US" altLang="zh-TW" dirty="0"/>
-          </a:p>
-          <a:p>
-            <a:endParaRPr lang="en-US" altLang="zh-TW" dirty="0"/>
-          </a:p>
-          <a:p>
-            <a:r>
-              <a:rPr lang="zh-TW" altLang="en-US" dirty="0"/>
-              <a:t>在上述過程中每次存入新值就將</a:t>
-            </a:r>
-            <a:r>
-              <a:rPr lang="en-US" altLang="zh-TW" dirty="0" err="1">
-                <a:solidFill>
-                  <a:srgbClr val="FF0000"/>
-                </a:solidFill>
-              </a:rPr>
-              <a:t>sum_x</a:t>
-            </a:r>
-            <a:r>
-              <a:rPr lang="zh-TW" altLang="en-US" dirty="0">
-                <a:solidFill>
-                  <a:srgbClr val="FF0000"/>
-                </a:solidFill>
-              </a:rPr>
-              <a:t>加上新值並減掉即將被覆蓋掉的值</a:t>
-            </a:r>
-            <a:r>
-              <a:rPr lang="zh-TW" altLang="en-US" dirty="0"/>
-              <a:t>，以此可以在每次新值進來時將</a:t>
-            </a:r>
-            <a:r>
-              <a:rPr lang="en-US" altLang="zh-TW" dirty="0"/>
-              <a:t>Shift Register</a:t>
-            </a:r>
-            <a:r>
-              <a:rPr lang="zh-TW" altLang="en-US" dirty="0"/>
-              <a:t>當中的總和計算出來。</a:t>
-            </a:r>
-            <a:endParaRPr lang="en-US" altLang="zh-TW" dirty="0"/>
+              <a:t>Circuit Design Description</a:t>
+            </a:r>
+            <a:endParaRPr lang="en-US" sz="4800" kern="1200" dirty="0">
+              <a:solidFill>
+                <a:srgbClr val="FFFFFF"/>
+              </a:solidFill>
+              <a:latin typeface="+mj-lt"/>
+              <a:ea typeface="+mj-ea"/>
+              <a:cs typeface="+mj-cs"/>
+            </a:endParaRPr>
           </a:p>
         </p:txBody>
       </p:sp>
     </p:spTree>
     <p:extLst>
       <p:ext uri="{BB962C8B-B14F-4D97-AF65-F5344CB8AC3E}">
-        <p14:creationId xmlns:p14="http://schemas.microsoft.com/office/powerpoint/2010/main" val="3259056747"/>
+        <p14:creationId xmlns:p14="http://schemas.microsoft.com/office/powerpoint/2010/main" val="2150839073"/>
       </p:ext>
     </p:extLst>
   </p:cSld>
@@ -5820,7 +6539,13 @@
     </p:bg>
     <p:spTree>
       <p:nvGrpSpPr>
-        <p:cNvPr id="1" name=""/>
+        <p:cNvPr id="1" name="">
+          <a:extLst>
+            <a:ext uri="{FF2B5EF4-FFF2-40B4-BE49-F238E27FC236}">
+              <a16:creationId xmlns:a16="http://schemas.microsoft.com/office/drawing/2014/main" id="{67D9F316-D8CF-C662-B2B7-EE3011E69034}"/>
+            </a:ext>
+          </a:extLst>
+        </p:cNvPr>
         <p:cNvGrpSpPr/>
         <p:nvPr/>
       </p:nvGrpSpPr>
@@ -5834,10 +6559,10 @@
       </p:grpSpPr>
       <p:sp useBgFill="1">
         <p:nvSpPr>
-          <p:cNvPr id="8" name="Rectangle 7">
-            <a:extLst>
-              <a:ext uri="{FF2B5EF4-FFF2-40B4-BE49-F238E27FC236}">
-                <a16:creationId xmlns:a16="http://schemas.microsoft.com/office/drawing/2014/main" id="{1B15ED52-F352-441B-82BF-E0EA34836D08}"/>
+          <p:cNvPr id="14" name="Rectangle 13">
+            <a:extLst>
+              <a:ext uri="{FF2B5EF4-FFF2-40B4-BE49-F238E27FC236}">
+                <a16:creationId xmlns:a16="http://schemas.microsoft.com/office/drawing/2014/main" id="{A8384FB5-9ADC-4DDC-881B-597D56F5B15D}"/>
               </a:ext>
               <a:ext uri="{C183D7F6-B498-43B3-948B-1728B52AA6E4}">
                 <adec:decorative xmlns:adec="http://schemas.microsoft.com/office/drawing/2017/decorative" val="1"/>
@@ -5910,10 +6635,10 @@
       </p:sp>
       <p:sp>
         <p:nvSpPr>
-          <p:cNvPr id="10" name="Rectangle 9">
-            <a:extLst>
-              <a:ext uri="{FF2B5EF4-FFF2-40B4-BE49-F238E27FC236}">
-                <a16:creationId xmlns:a16="http://schemas.microsoft.com/office/drawing/2014/main" id="{3B2E3793-BFE6-45A2-9B7B-E18844431C99}"/>
+          <p:cNvPr id="16" name="Rectangle 15">
+            <a:extLst>
+              <a:ext uri="{FF2B5EF4-FFF2-40B4-BE49-F238E27FC236}">
+                <a16:creationId xmlns:a16="http://schemas.microsoft.com/office/drawing/2014/main" id="{1199E1B1-A8C0-4FE8-A5A8-1CB41D69F857}"/>
               </a:ext>
               <a:ext uri="{C183D7F6-B498-43B3-948B-1728B52AA6E4}">
                 <adec:decorative xmlns:adec="http://schemas.microsoft.com/office/drawing/2017/decorative" val="1"/>
@@ -5932,9 +6657,9 @@
           </p:nvPr>
         </p:nvSpPr>
         <p:spPr>
-          <a:xfrm flipH="1">
-            <a:off x="-1" y="-1"/>
-            <a:ext cx="12191998" cy="1590742"/>
+          <a:xfrm rot="10800000" flipH="1">
+            <a:off x="2" y="0"/>
+            <a:ext cx="12191998" cy="1575955"/>
           </a:xfrm>
           <a:prstGeom prst="rect">
             <a:avLst/>
@@ -5942,11 +6667,90 @@
           <a:gradFill>
             <a:gsLst>
               <a:gs pos="0">
-                <a:srgbClr val="000000"/>
+                <a:srgbClr val="000000">
+                  <a:alpha val="96000"/>
+                </a:srgbClr>
               </a:gs>
               <a:gs pos="100000">
                 <a:schemeClr val="accent1">
                   <a:lumMod val="75000"/>
+                </a:schemeClr>
+              </a:gs>
+            </a:gsLst>
+            <a:lin ang="6000000" scaled="0"/>
+          </a:gradFill>
+          <a:ln>
+            <a:noFill/>
+          </a:ln>
+        </p:spPr>
+        <p:style>
+          <a:lnRef idx="2">
+            <a:schemeClr val="accent1">
+              <a:shade val="50000"/>
+            </a:schemeClr>
+          </a:lnRef>
+          <a:fillRef idx="1">
+            <a:schemeClr val="accent1"/>
+          </a:fillRef>
+          <a:effectRef idx="0">
+            <a:schemeClr val="accent1"/>
+          </a:effectRef>
+          <a:fontRef idx="minor">
+            <a:schemeClr val="lt1"/>
+          </a:fontRef>
+        </p:style>
+        <p:txBody>
+          <a:bodyPr rtlCol="0" anchor="ctr"/>
+          <a:lstStyle/>
+          <a:p>
+            <a:pPr algn="ctr"/>
+            <a:endParaRPr lang="en-US"/>
+          </a:p>
+        </p:txBody>
+      </p:sp>
+      <p:sp>
+        <p:nvSpPr>
+          <p:cNvPr id="18" name="Rectangle 17">
+            <a:extLst>
+              <a:ext uri="{FF2B5EF4-FFF2-40B4-BE49-F238E27FC236}">
+                <a16:creationId xmlns:a16="http://schemas.microsoft.com/office/drawing/2014/main" id="{84A8DE83-DE75-4B41-9DB4-A7EC0B0DEC0B}"/>
+              </a:ext>
+              <a:ext uri="{C183D7F6-B498-43B3-948B-1728B52AA6E4}">
+                <adec:decorative xmlns:adec="http://schemas.microsoft.com/office/drawing/2017/decorative" val="1"/>
+              </a:ext>
+            </a:extLst>
+          </p:cNvPr>
+          <p:cNvSpPr>
+            <a:spLocks noGrp="1" noRot="1" noChangeAspect="1" noMove="1" noResize="1" noEditPoints="1" noAdjustHandles="1" noChangeArrowheads="1" noChangeShapeType="1" noTextEdit="1"/>
+          </p:cNvSpPr>
+          <p:nvPr>
+            <p:extLst>
+              <p:ext uri="{386F3935-93C4-4BCD-93E2-E3B085C9AB24}">
+                <p16:designElem xmlns:p16="http://schemas.microsoft.com/office/powerpoint/2015/main" val="1"/>
+              </p:ext>
+            </p:extLst>
+          </p:nvPr>
+        </p:nvSpPr>
+        <p:spPr>
+          <a:xfrm>
+            <a:off x="0" y="0"/>
+            <a:ext cx="8128856" cy="1575461"/>
+          </a:xfrm>
+          <a:prstGeom prst="rect">
+            <a:avLst/>
+          </a:prstGeom>
+          <a:gradFill>
+            <a:gsLst>
+              <a:gs pos="0">
+                <a:schemeClr val="accent1">
+                  <a:alpha val="41000"/>
+                </a:schemeClr>
+              </a:gs>
+              <a:gs pos="74000">
+                <a:schemeClr val="accent1">
+                  <a:lumMod val="60000"/>
+                  <a:lumOff val="40000"/>
+                  <a:alpha val="0"/>
                 </a:schemeClr>
               </a:gs>
             </a:gsLst>
@@ -5983,10 +6787,10 @@
       </p:sp>
       <p:sp>
         <p:nvSpPr>
-          <p:cNvPr id="12" name="Rectangle 11">
-            <a:extLst>
-              <a:ext uri="{FF2B5EF4-FFF2-40B4-BE49-F238E27FC236}">
-                <a16:creationId xmlns:a16="http://schemas.microsoft.com/office/drawing/2014/main" id="{BC4C4868-CB8F-4AF9-9CDB-8108F2C19B67}"/>
+          <p:cNvPr id="20" name="Rectangle 19">
+            <a:extLst>
+              <a:ext uri="{FF2B5EF4-FFF2-40B4-BE49-F238E27FC236}">
+                <a16:creationId xmlns:a16="http://schemas.microsoft.com/office/drawing/2014/main" id="{A7009A0A-BEF5-4EAC-AF15-E4F9F002E239}"/>
               </a:ext>
               <a:ext uri="{C183D7F6-B498-43B3-948B-1728B52AA6E4}">
                 <adec:decorative xmlns:adec="http://schemas.microsoft.com/office/drawing/2017/decorative" val="1"/>
@@ -6005,28 +6809,27 @@
           </p:nvPr>
         </p:nvSpPr>
         <p:spPr>
-          <a:xfrm rot="10800000" flipH="1">
-            <a:off x="-3" y="0"/>
-            <a:ext cx="8115306" cy="1590742"/>
+          <a:xfrm flipH="1">
+            <a:off x="-3" y="-1"/>
+            <a:ext cx="12192002" cy="1574311"/>
           </a:xfrm>
           <a:prstGeom prst="rect">
             <a:avLst/>
           </a:prstGeom>
           <a:gradFill>
             <a:gsLst>
-              <a:gs pos="20000">
+              <a:gs pos="0">
+                <a:srgbClr val="000000">
+                  <a:alpha val="63000"/>
+                </a:srgbClr>
+              </a:gs>
+              <a:gs pos="78000">
                 <a:schemeClr val="accent1">
-                  <a:alpha val="0"/>
-                </a:schemeClr>
-              </a:gs>
-              <a:gs pos="100000">
-                <a:schemeClr val="accent1">
-                  <a:lumMod val="50000"/>
-                  <a:alpha val="55000"/>
+                  <a:alpha val="15000"/>
                 </a:schemeClr>
               </a:gs>
             </a:gsLst>
-            <a:lin ang="13800000" scaled="0"/>
+            <a:lin ang="15600000" scaled="0"/>
           </a:gradFill>
           <a:ln>
             <a:noFill/>
@@ -6059,221 +6862,220 @@
       </p:sp>
       <p:sp>
         <p:nvSpPr>
-          <p:cNvPr id="14" name="Rectangle 13">
-            <a:extLst>
-              <a:ext uri="{FF2B5EF4-FFF2-40B4-BE49-F238E27FC236}">
-                <a16:creationId xmlns:a16="http://schemas.microsoft.com/office/drawing/2014/main" id="{375E0459-6403-40CD-989D-56A4407CA12E}"/>
-              </a:ext>
-              <a:ext uri="{C183D7F6-B498-43B3-948B-1728B52AA6E4}">
-                <adec:decorative xmlns:adec="http://schemas.microsoft.com/office/drawing/2017/decorative" val="1"/>
-              </a:ext>
-            </a:extLst>
-          </p:cNvPr>
-          <p:cNvSpPr>
-            <a:spLocks noGrp="1" noRot="1" noChangeAspect="1" noMove="1" noResize="1" noEditPoints="1" noAdjustHandles="1" noChangeArrowheads="1" noChangeShapeType="1" noTextEdit="1"/>
-          </p:cNvSpPr>
-          <p:nvPr>
-            <p:extLst>
-              <p:ext uri="{386F3935-93C4-4BCD-93E2-E3B085C9AB24}">
-                <p16:designElem xmlns:p16="http://schemas.microsoft.com/office/powerpoint/2015/main" val="1"/>
-              </p:ext>
-            </p:extLst>
-          </p:nvPr>
-        </p:nvSpPr>
-        <p:spPr>
-          <a:xfrm flipH="1">
-            <a:off x="8115299" y="-1"/>
-            <a:ext cx="4076698" cy="1590742"/>
-          </a:xfrm>
-          <a:prstGeom prst="rect">
-            <a:avLst/>
-          </a:prstGeom>
-          <a:gradFill>
-            <a:gsLst>
-              <a:gs pos="0">
-                <a:schemeClr val="accent1">
-                  <a:alpha val="66000"/>
-                </a:schemeClr>
-              </a:gs>
-              <a:gs pos="100000">
-                <a:srgbClr val="000000">
-                  <a:alpha val="30000"/>
-                </a:srgbClr>
-              </a:gs>
-            </a:gsLst>
-            <a:lin ang="13200000" scaled="0"/>
-          </a:gradFill>
-          <a:ln>
-            <a:noFill/>
-          </a:ln>
-        </p:spPr>
-        <p:style>
-          <a:lnRef idx="2">
-            <a:schemeClr val="accent1">
-              <a:shade val="50000"/>
-            </a:schemeClr>
-          </a:lnRef>
-          <a:fillRef idx="1">
-            <a:schemeClr val="accent1"/>
-          </a:fillRef>
-          <a:effectRef idx="0">
-            <a:schemeClr val="accent1"/>
-          </a:effectRef>
-          <a:fontRef idx="minor">
-            <a:schemeClr val="lt1"/>
-          </a:fontRef>
-        </p:style>
-        <p:txBody>
-          <a:bodyPr rtlCol="0" anchor="ctr"/>
-          <a:lstStyle/>
-          <a:p>
-            <a:pPr algn="ctr"/>
-            <a:endParaRPr lang="en-US"/>
-          </a:p>
-        </p:txBody>
-      </p:sp>
-      <p:sp>
-        <p:nvSpPr>
-          <p:cNvPr id="16" name="Rectangle 15">
-            <a:extLst>
-              <a:ext uri="{FF2B5EF4-FFF2-40B4-BE49-F238E27FC236}">
-                <a16:creationId xmlns:a16="http://schemas.microsoft.com/office/drawing/2014/main" id="{53E5B1A8-3AC9-4BD1-9BBC-78CA94F2D1BA}"/>
-              </a:ext>
-              <a:ext uri="{C183D7F6-B498-43B3-948B-1728B52AA6E4}">
-                <adec:decorative xmlns:adec="http://schemas.microsoft.com/office/drawing/2017/decorative" val="1"/>
-              </a:ext>
-            </a:extLst>
-          </p:cNvPr>
-          <p:cNvSpPr>
-            <a:spLocks noGrp="1" noRot="1" noChangeAspect="1" noMove="1" noResize="1" noEditPoints="1" noAdjustHandles="1" noChangeArrowheads="1" noChangeShapeType="1" noTextEdit="1"/>
-          </p:cNvSpPr>
-          <p:nvPr>
-            <p:extLst>
-              <p:ext uri="{386F3935-93C4-4BCD-93E2-E3B085C9AB24}">
-                <p16:designElem xmlns:p16="http://schemas.microsoft.com/office/powerpoint/2015/main" val="1"/>
-              </p:ext>
-            </p:extLst>
+          <p:cNvPr id="2" name="Title 1">
+            <a:extLst>
+              <a:ext uri="{FF2B5EF4-FFF2-40B4-BE49-F238E27FC236}">
+                <a16:creationId xmlns:a16="http://schemas.microsoft.com/office/drawing/2014/main" id="{3CC83382-C379-1750-B8BE-2BC5CE862C95}"/>
+              </a:ext>
+            </a:extLst>
+          </p:cNvPr>
+          <p:cNvSpPr>
+            <a:spLocks noGrp="1"/>
+          </p:cNvSpPr>
+          <p:nvPr>
+            <p:ph type="title"/>
           </p:nvPr>
         </p:nvSpPr>
         <p:spPr>
           <a:xfrm>
-            <a:off x="459350" y="-1"/>
-            <a:ext cx="11732646" cy="1597433"/>
-          </a:xfrm>
-          <a:prstGeom prst="rect">
-            <a:avLst/>
-          </a:prstGeom>
-          <a:gradFill>
-            <a:gsLst>
-              <a:gs pos="50000">
-                <a:srgbClr val="000000">
-                  <a:alpha val="0"/>
-                </a:srgbClr>
-              </a:gs>
-              <a:gs pos="99000">
-                <a:schemeClr val="accent1">
-                  <a:lumMod val="50000"/>
-                  <a:alpha val="52000"/>
-                </a:schemeClr>
-              </a:gs>
-            </a:gsLst>
-            <a:lin ang="16800000" scaled="0"/>
-          </a:gradFill>
-          <a:ln>
-            <a:noFill/>
-          </a:ln>
-        </p:spPr>
-        <p:style>
-          <a:lnRef idx="2">
-            <a:schemeClr val="accent1">
-              <a:shade val="50000"/>
-            </a:schemeClr>
-          </a:lnRef>
-          <a:fillRef idx="1">
-            <a:schemeClr val="accent1"/>
-          </a:fillRef>
-          <a:effectRef idx="0">
-            <a:schemeClr val="accent1"/>
-          </a:effectRef>
-          <a:fontRef idx="minor">
-            <a:schemeClr val="lt1"/>
-          </a:fontRef>
-        </p:style>
-        <p:txBody>
-          <a:bodyPr rtlCol="0" anchor="ctr"/>
-          <a:lstStyle/>
-          <a:p>
-            <a:pPr algn="ctr"/>
-            <a:endParaRPr lang="en-US"/>
-          </a:p>
-        </p:txBody>
-      </p:sp>
-      <p:sp>
-        <p:nvSpPr>
-          <p:cNvPr id="2" name="Title 1">
-            <a:extLst>
-              <a:ext uri="{FF2B5EF4-FFF2-40B4-BE49-F238E27FC236}">
-                <a16:creationId xmlns:a16="http://schemas.microsoft.com/office/drawing/2014/main" id="{5022B108-FF08-409E-761E-BECACD8A8FB2}"/>
-              </a:ext>
-            </a:extLst>
-          </p:cNvPr>
-          <p:cNvSpPr>
-            <a:spLocks noGrp="1"/>
-          </p:cNvSpPr>
-          <p:nvPr>
-            <p:ph type="title"/>
-          </p:nvPr>
-        </p:nvSpPr>
-        <p:spPr>
-          <a:xfrm>
-            <a:off x="1371599" y="294538"/>
-            <a:ext cx="9895951" cy="1033669"/>
-          </a:xfrm>
-        </p:spPr>
-        <p:txBody>
-          <a:bodyPr>
+            <a:off x="699713" y="248038"/>
+            <a:ext cx="7063721" cy="1159200"/>
+          </a:xfrm>
+        </p:spPr>
+        <p:txBody>
+          <a:bodyPr vert="horz" lIns="91440" tIns="45720" rIns="91440" bIns="45720" rtlCol="0" anchor="ctr">
             <a:normAutofit/>
           </a:bodyPr>
           <a:lstStyle/>
           <a:p>
             <a:r>
-              <a:rPr lang="en-US" altLang="zh-TW" sz="4000" dirty="0" err="1">
+              <a:rPr lang="zh-TW" altLang="en-US" sz="4000" kern="1200">
                 <a:solidFill>
                   <a:srgbClr val="FFFFFF"/>
                 </a:solidFill>
+                <a:latin typeface="+mj-lt"/>
+                <a:ea typeface="+mj-ea"/>
+                <a:cs typeface="+mj-cs"/>
               </a:rPr>
-              <a:t>X_avg</a:t>
-            </a:r>
-            <a:r>
-              <a:rPr lang="en-US" altLang="zh-TW" sz="4000" dirty="0">
-                <a:solidFill>
-                  <a:srgbClr val="FFFFFF"/>
-                </a:solidFill>
-              </a:rPr>
-              <a:t>, </a:t>
-            </a:r>
-            <a:r>
-              <a:rPr lang="en-US" altLang="zh-TW" sz="4000" dirty="0" err="1">
-                <a:solidFill>
-                  <a:srgbClr val="FFFFFF"/>
-                </a:solidFill>
-              </a:rPr>
-              <a:t>X_appr</a:t>
-            </a:r>
-            <a:endParaRPr lang="en-US" sz="4000" dirty="0">
+              <a:t>題目特點</a:t>
+            </a:r>
+            <a:endParaRPr lang="en-US" sz="4000" kern="1200">
               <a:solidFill>
                 <a:srgbClr val="FFFFFF"/>
               </a:solidFill>
+              <a:latin typeface="+mj-lt"/>
+              <a:ea typeface="+mj-ea"/>
+              <a:cs typeface="+mj-cs"/>
+            </a:endParaRPr>
+          </a:p>
+        </p:txBody>
+      </p:sp>
+      <p:sp>
+        <p:nvSpPr>
+          <p:cNvPr id="9" name="Content Placeholder 8">
+            <a:extLst>
+              <a:ext uri="{FF2B5EF4-FFF2-40B4-BE49-F238E27FC236}">
+                <a16:creationId xmlns:a16="http://schemas.microsoft.com/office/drawing/2014/main" id="{000C83DA-A54D-D8D8-B9E7-F2F395D8329C}"/>
+              </a:ext>
+            </a:extLst>
+          </p:cNvPr>
+          <p:cNvSpPr>
+            <a:spLocks noGrp="1"/>
+          </p:cNvSpPr>
+          <p:nvPr>
+            <p:ph idx="1"/>
+          </p:nvPr>
+        </p:nvSpPr>
+        <p:spPr>
+          <a:xfrm>
+            <a:off x="2509469" y="4706253"/>
+            <a:ext cx="7173058" cy="1903709"/>
+          </a:xfrm>
+        </p:spPr>
+        <p:txBody>
+          <a:bodyPr vert="horz" lIns="91440" tIns="45720" rIns="91440" bIns="45720" rtlCol="0" anchor="ctr">
+            <a:normAutofit/>
+          </a:bodyPr>
+          <a:lstStyle/>
+          <a:p>
+            <a:pPr marL="0" indent="0">
+              <a:buNone/>
+            </a:pPr>
+            <a:r>
+              <a:rPr lang="en-US" altLang="zh-TW" sz="2000" kern="1200" dirty="0">
+                <a:latin typeface="+mn-lt"/>
+                <a:ea typeface="+mn-ea"/>
+                <a:cs typeface="+mn-cs"/>
+              </a:rPr>
+              <a:t>Y output</a:t>
+            </a:r>
+            <a:r>
+              <a:rPr lang="zh-TW" altLang="en-US" sz="2000" kern="1200" dirty="0">
+                <a:latin typeface="+mn-lt"/>
+                <a:ea typeface="+mn-ea"/>
+                <a:cs typeface="+mn-cs"/>
+              </a:rPr>
+              <a:t>再經過</a:t>
+            </a:r>
+            <a:r>
+              <a:rPr lang="en-US" altLang="zh-TW" sz="2000" kern="1200" dirty="0">
+                <a:latin typeface="+mn-lt"/>
+                <a:ea typeface="+mn-ea"/>
+                <a:cs typeface="+mn-cs"/>
+              </a:rPr>
+              <a:t>9</a:t>
+            </a:r>
+            <a:r>
+              <a:rPr lang="zh-TW" altLang="en-US" sz="2000" kern="1200" dirty="0">
+                <a:latin typeface="+mn-lt"/>
+                <a:ea typeface="+mn-ea"/>
+                <a:cs typeface="+mn-cs"/>
+              </a:rPr>
+              <a:t>個值後，第</a:t>
+            </a:r>
+            <a:r>
+              <a:rPr lang="en-US" altLang="zh-TW" sz="2000" kern="1200" dirty="0">
+                <a:latin typeface="+mn-lt"/>
+                <a:ea typeface="+mn-ea"/>
+                <a:cs typeface="+mn-cs"/>
+              </a:rPr>
+              <a:t>10</a:t>
+            </a:r>
+            <a:r>
+              <a:rPr lang="zh-TW" altLang="en-US" sz="2000" kern="1200" dirty="0">
+                <a:latin typeface="+mn-lt"/>
+                <a:ea typeface="+mn-ea"/>
+                <a:cs typeface="+mn-cs"/>
+              </a:rPr>
+              <a:t>個值時就必須計算完成，並且持續跟著</a:t>
+            </a:r>
+            <a:r>
+              <a:rPr lang="en-US" altLang="zh-TW" sz="2000" kern="1200" dirty="0">
+                <a:latin typeface="+mn-lt"/>
+                <a:ea typeface="+mn-ea"/>
+                <a:cs typeface="+mn-cs"/>
+              </a:rPr>
+              <a:t>X input</a:t>
+            </a:r>
+            <a:r>
+              <a:rPr lang="zh-TW" altLang="en-US" sz="2000" kern="1200" dirty="0">
+                <a:latin typeface="+mn-lt"/>
+                <a:ea typeface="+mn-ea"/>
+                <a:cs typeface="+mn-cs"/>
+              </a:rPr>
+              <a:t>計算出正確的</a:t>
+            </a:r>
+            <a:r>
+              <a:rPr lang="en-US" altLang="zh-TW" sz="2000" kern="1200" dirty="0">
+                <a:latin typeface="+mn-lt"/>
+                <a:ea typeface="+mn-ea"/>
+                <a:cs typeface="+mn-cs"/>
+              </a:rPr>
+              <a:t>Y</a:t>
+            </a:r>
+            <a:r>
+              <a:rPr lang="zh-TW" altLang="en-US" sz="2000" kern="1200" dirty="0">
+                <a:latin typeface="+mn-lt"/>
+                <a:ea typeface="+mn-ea"/>
+                <a:cs typeface="+mn-cs"/>
+              </a:rPr>
+              <a:t>，故需將計算過程透過合理安排能夠</a:t>
+            </a:r>
+            <a:r>
+              <a:rPr lang="zh-TW" altLang="en-US" sz="2000" kern="1200" dirty="0">
+                <a:solidFill>
+                  <a:srgbClr val="FF0000"/>
+                </a:solidFill>
+                <a:latin typeface="+mn-lt"/>
+                <a:ea typeface="+mn-ea"/>
+                <a:cs typeface="+mn-cs"/>
+              </a:rPr>
+              <a:t>在一個</a:t>
+            </a:r>
+            <a:r>
+              <a:rPr lang="en-US" altLang="zh-TW" sz="2000" kern="1200" dirty="0">
+                <a:solidFill>
+                  <a:srgbClr val="FF0000"/>
+                </a:solidFill>
+                <a:latin typeface="+mn-lt"/>
+                <a:ea typeface="+mn-ea"/>
+                <a:cs typeface="+mn-cs"/>
+              </a:rPr>
+              <a:t>clock</a:t>
+            </a:r>
+            <a:r>
+              <a:rPr lang="zh-TW" altLang="en-US" sz="2000" kern="1200" dirty="0">
+                <a:solidFill>
+                  <a:srgbClr val="FF0000"/>
+                </a:solidFill>
+                <a:latin typeface="+mn-lt"/>
+                <a:ea typeface="+mn-ea"/>
+                <a:cs typeface="+mn-cs"/>
+              </a:rPr>
+              <a:t>內做完題目要的計算</a:t>
+            </a:r>
+            <a:r>
+              <a:rPr lang="zh-TW" altLang="en-US" sz="2000" kern="1200" dirty="0">
+                <a:latin typeface="+mn-lt"/>
+                <a:ea typeface="+mn-ea"/>
+                <a:cs typeface="+mn-cs"/>
+              </a:rPr>
+              <a:t>。</a:t>
+            </a:r>
+            <a:endParaRPr lang="en-US" sz="2000" kern="1200" dirty="0">
+              <a:latin typeface="+mn-lt"/>
+              <a:ea typeface="+mn-ea"/>
+              <a:cs typeface="+mn-cs"/>
             </a:endParaRPr>
           </a:p>
         </p:txBody>
       </p:sp>
       <p:pic>
         <p:nvPicPr>
-          <p:cNvPr id="5" name="Picture 4">
-            <a:extLst>
-              <a:ext uri="{FF2B5EF4-FFF2-40B4-BE49-F238E27FC236}">
-                <a16:creationId xmlns:a16="http://schemas.microsoft.com/office/drawing/2014/main" id="{E59B6675-BB7C-2610-ADB4-783A593C734A}"/>
+          <p:cNvPr id="5" name="Content Placeholder 4">
+            <a:extLst>
+              <a:ext uri="{FF2B5EF4-FFF2-40B4-BE49-F238E27FC236}">
+                <a16:creationId xmlns:a16="http://schemas.microsoft.com/office/drawing/2014/main" id="{3899AE9B-6530-0E98-7FFE-B5A133DE88AB}"/>
               </a:ext>
             </a:extLst>
           </p:cNvPr>
@@ -6290,214 +7092,18 @@
         </p:blipFill>
         <p:spPr>
           <a:xfrm>
-            <a:off x="827736" y="3702471"/>
-            <a:ext cx="6293670" cy="1161037"/>
+            <a:off x="2462913" y="1822348"/>
+            <a:ext cx="7266173" cy="2924634"/>
           </a:xfrm>
           <a:prstGeom prst="rect">
             <a:avLst/>
           </a:prstGeom>
         </p:spPr>
       </p:pic>
-      <p:sp>
-        <p:nvSpPr>
-          <p:cNvPr id="6" name="TextBox 5">
-            <a:extLst>
-              <a:ext uri="{FF2B5EF4-FFF2-40B4-BE49-F238E27FC236}">
-                <a16:creationId xmlns:a16="http://schemas.microsoft.com/office/drawing/2014/main" id="{A4C31CFB-A37E-3D0D-303B-9B0D52DA63FD}"/>
-              </a:ext>
-            </a:extLst>
-          </p:cNvPr>
-          <p:cNvSpPr txBox="1"/>
-          <p:nvPr/>
-        </p:nvSpPr>
-        <p:spPr>
-          <a:xfrm>
-            <a:off x="827736" y="5090182"/>
-            <a:ext cx="6439718" cy="923330"/>
-          </a:xfrm>
-          <a:prstGeom prst="rect">
-            <a:avLst/>
-          </a:prstGeom>
-          <a:noFill/>
-        </p:spPr>
-        <p:txBody>
-          <a:bodyPr wrap="square" rtlCol="0">
-            <a:spAutoFit/>
-          </a:bodyPr>
-          <a:lstStyle/>
-          <a:p>
-            <a:r>
-              <a:rPr lang="en-US" dirty="0" err="1"/>
-              <a:t>X_appr</a:t>
-            </a:r>
-            <a:r>
-              <a:rPr lang="zh-TW" altLang="en-US" dirty="0"/>
-              <a:t>根據題目定義為在</a:t>
-            </a:r>
-            <a:r>
-              <a:rPr lang="en-US" altLang="zh-TW" dirty="0"/>
-              <a:t>shift register</a:t>
-            </a:r>
-            <a:r>
-              <a:rPr lang="zh-TW" altLang="en-US" dirty="0"/>
-              <a:t>當中最大且小於等於</a:t>
-            </a:r>
-            <a:r>
-              <a:rPr lang="en-US" altLang="zh-TW" dirty="0"/>
-              <a:t>x</a:t>
-            </a:r>
-            <a:r>
-              <a:rPr lang="zh-TW" altLang="en-US" dirty="0"/>
-              <a:t>平均值的數值，因需要在一個</a:t>
-            </a:r>
-            <a:r>
-              <a:rPr lang="en-US" altLang="zh-TW" dirty="0"/>
-              <a:t>cycle</a:t>
-            </a:r>
-            <a:r>
-              <a:rPr lang="zh-TW" altLang="en-US" dirty="0"/>
-              <a:t>內完成，所以透過組合電路方式一次判斷完</a:t>
-            </a:r>
-            <a:r>
-              <a:rPr lang="en-US" altLang="zh-TW" dirty="0"/>
-              <a:t>shift register</a:t>
-            </a:r>
-            <a:r>
-              <a:rPr lang="zh-TW" altLang="en-US" dirty="0"/>
-              <a:t>內的</a:t>
-            </a:r>
-            <a:r>
-              <a:rPr lang="en-US" altLang="zh-TW" dirty="0"/>
-              <a:t>8</a:t>
-            </a:r>
-            <a:r>
-              <a:rPr lang="zh-TW" altLang="en-US" dirty="0"/>
-              <a:t>個</a:t>
-            </a:r>
-            <a:r>
-              <a:rPr lang="en-US" altLang="zh-TW" dirty="0"/>
-              <a:t>element</a:t>
-            </a:r>
-            <a:r>
-              <a:rPr lang="zh-TW" altLang="en-US" dirty="0"/>
-              <a:t>。</a:t>
-            </a:r>
-            <a:endParaRPr lang="en-US" altLang="zh-TW" dirty="0"/>
-          </a:p>
-        </p:txBody>
-      </p:sp>
-      <p:pic>
-        <p:nvPicPr>
-          <p:cNvPr id="9" name="Picture 8">
-            <a:extLst>
-              <a:ext uri="{FF2B5EF4-FFF2-40B4-BE49-F238E27FC236}">
-                <a16:creationId xmlns:a16="http://schemas.microsoft.com/office/drawing/2014/main" id="{238BAF7A-C815-2245-94E4-8FB33CD5290F}"/>
-              </a:ext>
-            </a:extLst>
-          </p:cNvPr>
-          <p:cNvPicPr>
-            <a:picLocks noChangeAspect="1"/>
-          </p:cNvPicPr>
-          <p:nvPr/>
-        </p:nvPicPr>
-        <p:blipFill>
-          <a:blip r:embed="rId3"/>
-          <a:stretch>
-            <a:fillRect/>
-          </a:stretch>
-        </p:blipFill>
-        <p:spPr>
-          <a:xfrm>
-            <a:off x="827736" y="2314760"/>
-            <a:ext cx="5652769" cy="1387711"/>
-          </a:xfrm>
-          <a:prstGeom prst="rect">
-            <a:avLst/>
-          </a:prstGeom>
-        </p:spPr>
-      </p:pic>
-      <p:pic>
-        <p:nvPicPr>
-          <p:cNvPr id="13" name="Picture 12">
-            <a:extLst>
-              <a:ext uri="{FF2B5EF4-FFF2-40B4-BE49-F238E27FC236}">
-                <a16:creationId xmlns:a16="http://schemas.microsoft.com/office/drawing/2014/main" id="{AAAD7432-1FBA-2880-AB5D-77CC8F8EDEBF}"/>
-              </a:ext>
-            </a:extLst>
-          </p:cNvPr>
-          <p:cNvPicPr>
-            <a:picLocks noChangeAspect="1"/>
-          </p:cNvPicPr>
-          <p:nvPr/>
-        </p:nvPicPr>
-        <p:blipFill>
-          <a:blip r:embed="rId4"/>
-          <a:stretch>
-            <a:fillRect/>
-          </a:stretch>
-        </p:blipFill>
-        <p:spPr>
-          <a:xfrm>
-            <a:off x="8004412" y="2314760"/>
-            <a:ext cx="3029373" cy="543001"/>
-          </a:xfrm>
-          <a:prstGeom prst="rect">
-            <a:avLst/>
-          </a:prstGeom>
-        </p:spPr>
-      </p:pic>
-      <p:sp>
-        <p:nvSpPr>
-          <p:cNvPr id="15" name="TextBox 14">
-            <a:extLst>
-              <a:ext uri="{FF2B5EF4-FFF2-40B4-BE49-F238E27FC236}">
-                <a16:creationId xmlns:a16="http://schemas.microsoft.com/office/drawing/2014/main" id="{61493486-A762-BBDD-1828-A07D5D4D9C53}"/>
-              </a:ext>
-            </a:extLst>
-          </p:cNvPr>
-          <p:cNvSpPr txBox="1"/>
-          <p:nvPr/>
-        </p:nvSpPr>
-        <p:spPr>
-          <a:xfrm>
-            <a:off x="8004412" y="2944924"/>
-            <a:ext cx="3263138" cy="646331"/>
-          </a:xfrm>
-          <a:prstGeom prst="rect">
-            <a:avLst/>
-          </a:prstGeom>
-          <a:noFill/>
-        </p:spPr>
-        <p:txBody>
-          <a:bodyPr wrap="square" rtlCol="0">
-            <a:spAutoFit/>
-          </a:bodyPr>
-          <a:lstStyle/>
-          <a:p>
-            <a:r>
-              <a:rPr lang="en-US" dirty="0" err="1"/>
-              <a:t>x_avg</a:t>
-            </a:r>
-            <a:r>
-              <a:rPr lang="zh-TW" altLang="en-US" dirty="0"/>
-              <a:t>直接使用組合電路除法器除</a:t>
-            </a:r>
-            <a:r>
-              <a:rPr lang="en-US" altLang="zh-TW" dirty="0"/>
-              <a:t>9</a:t>
-            </a:r>
-            <a:r>
-              <a:rPr lang="zh-TW" altLang="en-US" dirty="0"/>
-              <a:t>完成</a:t>
-            </a:r>
-            <a:endParaRPr lang="en-US" dirty="0"/>
-          </a:p>
-        </p:txBody>
-      </p:sp>
     </p:spTree>
     <p:extLst>
       <p:ext uri="{BB962C8B-B14F-4D97-AF65-F5344CB8AC3E}">
-        <p14:creationId xmlns:p14="http://schemas.microsoft.com/office/powerpoint/2010/main" val="676674588"/>
+        <p14:creationId xmlns:p14="http://schemas.microsoft.com/office/powerpoint/2010/main" val="3566044231"/>
       </p:ext>
     </p:extLst>
   </p:cSld>
@@ -6534,10 +7140,10 @@
       </p:grpSpPr>
       <p:sp useBgFill="1">
         <p:nvSpPr>
-          <p:cNvPr id="8" name="Rectangle 7">
-            <a:extLst>
-              <a:ext uri="{FF2B5EF4-FFF2-40B4-BE49-F238E27FC236}">
-                <a16:creationId xmlns:a16="http://schemas.microsoft.com/office/drawing/2014/main" id="{1B15ED52-F352-441B-82BF-E0EA34836D08}"/>
+          <p:cNvPr id="1042" name="Rectangle 1041">
+            <a:extLst>
+              <a:ext uri="{FF2B5EF4-FFF2-40B4-BE49-F238E27FC236}">
+                <a16:creationId xmlns:a16="http://schemas.microsoft.com/office/drawing/2014/main" id="{2151139A-886F-4B97-8815-729AD3831BBD}"/>
               </a:ext>
               <a:ext uri="{C183D7F6-B498-43B3-948B-1728B52AA6E4}">
                 <adec:decorative xmlns:adec="http://schemas.microsoft.com/office/drawing/2017/decorative" val="1"/>
@@ -6604,6 +7210,715 @@
           <a:lstStyle/>
           <a:p>
             <a:pPr algn="ctr"/>
+            <a:endParaRPr lang="en-US" sz="2000"/>
+          </a:p>
+        </p:txBody>
+      </p:sp>
+      <p:sp>
+        <p:nvSpPr>
+          <p:cNvPr id="1044" name="Rectangle 1043">
+            <a:extLst>
+              <a:ext uri="{FF2B5EF4-FFF2-40B4-BE49-F238E27FC236}">
+                <a16:creationId xmlns:a16="http://schemas.microsoft.com/office/drawing/2014/main" id="{AB5E08C4-8CDD-4623-A5B8-E998C6DEE3B7}"/>
+              </a:ext>
+              <a:ext uri="{C183D7F6-B498-43B3-948B-1728B52AA6E4}">
+                <adec:decorative xmlns:adec="http://schemas.microsoft.com/office/drawing/2017/decorative" val="1"/>
+              </a:ext>
+            </a:extLst>
+          </p:cNvPr>
+          <p:cNvSpPr>
+            <a:spLocks noGrp="1" noRot="1" noChangeAspect="1" noMove="1" noResize="1" noEditPoints="1" noAdjustHandles="1" noChangeArrowheads="1" noChangeShapeType="1" noTextEdit="1"/>
+          </p:cNvSpPr>
+          <p:nvPr>
+            <p:extLst>
+              <p:ext uri="{386F3935-93C4-4BCD-93E2-E3B085C9AB24}">
+                <p16:designElem xmlns:p16="http://schemas.microsoft.com/office/powerpoint/2015/main" val="1"/>
+              </p:ext>
+            </p:extLst>
+          </p:nvPr>
+        </p:nvSpPr>
+        <p:spPr>
+          <a:xfrm flipH="1">
+            <a:off x="2" y="492"/>
+            <a:ext cx="12191998" cy="1575955"/>
+          </a:xfrm>
+          <a:prstGeom prst="rect">
+            <a:avLst/>
+          </a:prstGeom>
+          <a:gradFill>
+            <a:gsLst>
+              <a:gs pos="0">
+                <a:schemeClr val="accent1">
+                  <a:lumMod val="50000"/>
+                </a:schemeClr>
+              </a:gs>
+              <a:gs pos="100000">
+                <a:schemeClr val="accent1">
+                  <a:lumMod val="75000"/>
+                </a:schemeClr>
+              </a:gs>
+            </a:gsLst>
+            <a:lin ang="8400000" scaled="0"/>
+          </a:gradFill>
+          <a:ln>
+            <a:noFill/>
+          </a:ln>
+        </p:spPr>
+        <p:style>
+          <a:lnRef idx="2">
+            <a:schemeClr val="accent1">
+              <a:shade val="50000"/>
+            </a:schemeClr>
+          </a:lnRef>
+          <a:fillRef idx="1">
+            <a:schemeClr val="accent1"/>
+          </a:fillRef>
+          <a:effectRef idx="0">
+            <a:schemeClr val="accent1"/>
+          </a:effectRef>
+          <a:fontRef idx="minor">
+            <a:schemeClr val="lt1"/>
+          </a:fontRef>
+        </p:style>
+        <p:txBody>
+          <a:bodyPr rtlCol="0" anchor="ctr"/>
+          <a:lstStyle/>
+          <a:p>
+            <a:pPr algn="ctr"/>
+            <a:endParaRPr lang="en-US"/>
+          </a:p>
+        </p:txBody>
+      </p:sp>
+      <p:sp>
+        <p:nvSpPr>
+          <p:cNvPr id="1046" name="Rectangle 1045">
+            <a:extLst>
+              <a:ext uri="{FF2B5EF4-FFF2-40B4-BE49-F238E27FC236}">
+                <a16:creationId xmlns:a16="http://schemas.microsoft.com/office/drawing/2014/main" id="{15F33878-D502-4FFA-8ACE-F2AECDB2A23F}"/>
+              </a:ext>
+              <a:ext uri="{C183D7F6-B498-43B3-948B-1728B52AA6E4}">
+                <adec:decorative xmlns:adec="http://schemas.microsoft.com/office/drawing/2017/decorative" val="1"/>
+              </a:ext>
+            </a:extLst>
+          </p:cNvPr>
+          <p:cNvSpPr>
+            <a:spLocks noGrp="1" noRot="1" noChangeAspect="1" noMove="1" noResize="1" noEditPoints="1" noAdjustHandles="1" noChangeArrowheads="1" noChangeShapeType="1" noTextEdit="1"/>
+          </p:cNvSpPr>
+          <p:nvPr>
+            <p:extLst>
+              <p:ext uri="{386F3935-93C4-4BCD-93E2-E3B085C9AB24}">
+                <p16:designElem xmlns:p16="http://schemas.microsoft.com/office/powerpoint/2015/main" val="1"/>
+              </p:ext>
+            </p:extLst>
+          </p:nvPr>
+        </p:nvSpPr>
+        <p:spPr>
+          <a:xfrm rot="10800000" flipH="1">
+            <a:off x="8128857" y="35"/>
+            <a:ext cx="4063143" cy="1576412"/>
+          </a:xfrm>
+          <a:prstGeom prst="rect">
+            <a:avLst/>
+          </a:prstGeom>
+          <a:gradFill>
+            <a:gsLst>
+              <a:gs pos="19000">
+                <a:schemeClr val="accent1">
+                  <a:lumMod val="50000"/>
+                  <a:alpha val="68000"/>
+                </a:schemeClr>
+              </a:gs>
+              <a:gs pos="100000">
+                <a:schemeClr val="accent1">
+                  <a:alpha val="79000"/>
+                </a:schemeClr>
+              </a:gs>
+            </a:gsLst>
+            <a:lin ang="19200000" scaled="0"/>
+          </a:gradFill>
+          <a:ln>
+            <a:noFill/>
+          </a:ln>
+        </p:spPr>
+        <p:style>
+          <a:lnRef idx="2">
+            <a:schemeClr val="accent1">
+              <a:shade val="50000"/>
+            </a:schemeClr>
+          </a:lnRef>
+          <a:fillRef idx="1">
+            <a:schemeClr val="accent1"/>
+          </a:fillRef>
+          <a:effectRef idx="0">
+            <a:schemeClr val="accent1"/>
+          </a:effectRef>
+          <a:fontRef idx="minor">
+            <a:schemeClr val="lt1"/>
+          </a:fontRef>
+        </p:style>
+        <p:txBody>
+          <a:bodyPr rtlCol="0" anchor="ctr"/>
+          <a:lstStyle/>
+          <a:p>
+            <a:pPr algn="ctr"/>
+            <a:endParaRPr lang="en-US"/>
+          </a:p>
+        </p:txBody>
+      </p:sp>
+      <p:sp>
+        <p:nvSpPr>
+          <p:cNvPr id="1048" name="Rectangle 1047">
+            <a:extLst>
+              <a:ext uri="{FF2B5EF4-FFF2-40B4-BE49-F238E27FC236}">
+                <a16:creationId xmlns:a16="http://schemas.microsoft.com/office/drawing/2014/main" id="{D3539FEE-81D3-4406-802E-60B20B16F4F6}"/>
+              </a:ext>
+              <a:ext uri="{C183D7F6-B498-43B3-948B-1728B52AA6E4}">
+                <adec:decorative xmlns:adec="http://schemas.microsoft.com/office/drawing/2017/decorative" val="1"/>
+              </a:ext>
+            </a:extLst>
+          </p:cNvPr>
+          <p:cNvSpPr>
+            <a:spLocks noGrp="1" noRot="1" noChangeAspect="1" noMove="1" noResize="1" noEditPoints="1" noAdjustHandles="1" noChangeArrowheads="1" noChangeShapeType="1" noTextEdit="1"/>
+          </p:cNvSpPr>
+          <p:nvPr>
+            <p:extLst>
+              <p:ext uri="{386F3935-93C4-4BCD-93E2-E3B085C9AB24}">
+                <p16:designElem xmlns:p16="http://schemas.microsoft.com/office/powerpoint/2015/main" val="1"/>
+              </p:ext>
+            </p:extLst>
+          </p:nvPr>
+        </p:nvSpPr>
+        <p:spPr>
+          <a:xfrm rot="5400000">
+            <a:off x="5307778" y="-5307777"/>
+            <a:ext cx="1576446" cy="12192001"/>
+          </a:xfrm>
+          <a:prstGeom prst="rect">
+            <a:avLst/>
+          </a:prstGeom>
+          <a:gradFill>
+            <a:gsLst>
+              <a:gs pos="16000">
+                <a:srgbClr val="000000">
+                  <a:alpha val="0"/>
+                </a:srgbClr>
+              </a:gs>
+              <a:gs pos="99000">
+                <a:srgbClr val="000000">
+                  <a:alpha val="87000"/>
+                </a:srgbClr>
+              </a:gs>
+            </a:gsLst>
+            <a:lin ang="11400000" scaled="0"/>
+          </a:gradFill>
+          <a:ln>
+            <a:noFill/>
+          </a:ln>
+        </p:spPr>
+        <p:style>
+          <a:lnRef idx="2">
+            <a:schemeClr val="accent1">
+              <a:shade val="50000"/>
+            </a:schemeClr>
+          </a:lnRef>
+          <a:fillRef idx="1">
+            <a:schemeClr val="accent1"/>
+          </a:fillRef>
+          <a:effectRef idx="0">
+            <a:schemeClr val="accent1"/>
+          </a:effectRef>
+          <a:fontRef idx="minor">
+            <a:schemeClr val="lt1"/>
+          </a:fontRef>
+        </p:style>
+        <p:txBody>
+          <a:bodyPr rtlCol="0" anchor="ctr"/>
+          <a:lstStyle/>
+          <a:p>
+            <a:pPr algn="ctr"/>
+            <a:endParaRPr lang="en-US" dirty="0"/>
+          </a:p>
+        </p:txBody>
+      </p:sp>
+      <p:sp>
+        <p:nvSpPr>
+          <p:cNvPr id="1050" name="Rectangle 1049">
+            <a:extLst>
+              <a:ext uri="{FF2B5EF4-FFF2-40B4-BE49-F238E27FC236}">
+                <a16:creationId xmlns:a16="http://schemas.microsoft.com/office/drawing/2014/main" id="{DC701763-729E-462F-A5A8-E0DEFEB1E2E4}"/>
+              </a:ext>
+              <a:ext uri="{C183D7F6-B498-43B3-948B-1728B52AA6E4}">
+                <adec:decorative xmlns:adec="http://schemas.microsoft.com/office/drawing/2017/decorative" val="1"/>
+              </a:ext>
+            </a:extLst>
+          </p:cNvPr>
+          <p:cNvSpPr>
+            <a:spLocks noGrp="1" noRot="1" noChangeAspect="1" noMove="1" noResize="1" noEditPoints="1" noAdjustHandles="1" noChangeArrowheads="1" noChangeShapeType="1" noTextEdit="1"/>
+          </p:cNvSpPr>
+          <p:nvPr>
+            <p:extLst>
+              <p:ext uri="{386F3935-93C4-4BCD-93E2-E3B085C9AB24}">
+                <p16:designElem xmlns:p16="http://schemas.microsoft.com/office/powerpoint/2015/main" val="1"/>
+              </p:ext>
+            </p:extLst>
+          </p:nvPr>
+        </p:nvSpPr>
+        <p:spPr>
+          <a:xfrm>
+            <a:off x="3825434" y="986"/>
+            <a:ext cx="4303422" cy="1575461"/>
+          </a:xfrm>
+          <a:prstGeom prst="rect">
+            <a:avLst/>
+          </a:prstGeom>
+          <a:gradFill>
+            <a:gsLst>
+              <a:gs pos="0">
+                <a:schemeClr val="accent1">
+                  <a:alpha val="17000"/>
+                </a:schemeClr>
+              </a:gs>
+              <a:gs pos="74000">
+                <a:schemeClr val="accent1">
+                  <a:lumMod val="50000"/>
+                  <a:alpha val="0"/>
+                </a:schemeClr>
+              </a:gs>
+            </a:gsLst>
+            <a:lin ang="14400000" scaled="0"/>
+          </a:gradFill>
+          <a:ln>
+            <a:noFill/>
+          </a:ln>
+        </p:spPr>
+        <p:style>
+          <a:lnRef idx="2">
+            <a:schemeClr val="accent1">
+              <a:shade val="50000"/>
+            </a:schemeClr>
+          </a:lnRef>
+          <a:fillRef idx="1">
+            <a:schemeClr val="accent1"/>
+          </a:fillRef>
+          <a:effectRef idx="0">
+            <a:schemeClr val="accent1"/>
+          </a:effectRef>
+          <a:fontRef idx="minor">
+            <a:schemeClr val="lt1"/>
+          </a:fontRef>
+        </p:style>
+        <p:txBody>
+          <a:bodyPr rtlCol="0" anchor="ctr"/>
+          <a:lstStyle/>
+          <a:p>
+            <a:pPr algn="ctr"/>
+            <a:endParaRPr lang="en-US"/>
+          </a:p>
+        </p:txBody>
+      </p:sp>
+      <p:sp>
+        <p:nvSpPr>
+          <p:cNvPr id="2" name="Title 1">
+            <a:extLst>
+              <a:ext uri="{FF2B5EF4-FFF2-40B4-BE49-F238E27FC236}">
+                <a16:creationId xmlns:a16="http://schemas.microsoft.com/office/drawing/2014/main" id="{4F6C3210-8E30-D2F8-5EFE-B7196D5996D9}"/>
+              </a:ext>
+            </a:extLst>
+          </p:cNvPr>
+          <p:cNvSpPr>
+            <a:spLocks noGrp="1"/>
+          </p:cNvSpPr>
+          <p:nvPr>
+            <p:ph type="title"/>
+          </p:nvPr>
+        </p:nvSpPr>
+        <p:spPr>
+          <a:xfrm>
+            <a:off x="699714" y="353160"/>
+            <a:ext cx="7091300" cy="898581"/>
+          </a:xfrm>
+        </p:spPr>
+        <p:txBody>
+          <a:bodyPr vert="horz" lIns="91440" tIns="45720" rIns="91440" bIns="45720" rtlCol="0" anchor="ctr">
+            <a:normAutofit/>
+          </a:bodyPr>
+          <a:lstStyle/>
+          <a:p>
+            <a:r>
+              <a:rPr lang="en-US" sz="4000">
+                <a:solidFill>
+                  <a:srgbClr val="FFFFFF"/>
+                </a:solidFill>
+              </a:rPr>
+              <a:t>Shifter Register</a:t>
+            </a:r>
+          </a:p>
+        </p:txBody>
+      </p:sp>
+      <p:pic>
+        <p:nvPicPr>
+          <p:cNvPr id="1026" name="Picture 2" descr="Output image">
+            <a:extLst>
+              <a:ext uri="{FF2B5EF4-FFF2-40B4-BE49-F238E27FC236}">
+                <a16:creationId xmlns:a16="http://schemas.microsoft.com/office/drawing/2014/main" id="{1DC1387B-7B06-69E6-EB79-70D105473303}"/>
+              </a:ext>
+            </a:extLst>
+          </p:cNvPr>
+          <p:cNvPicPr>
+            <a:picLocks noChangeAspect="1" noChangeArrowheads="1"/>
+          </p:cNvPicPr>
+          <p:nvPr/>
+        </p:nvPicPr>
+        <p:blipFill>
+          <a:blip r:embed="rId2">
+            <a:extLst>
+              <a:ext uri="{28A0092B-C50C-407E-A947-70E740481C1C}">
+                <a14:useLocalDpi xmlns:a14="http://schemas.microsoft.com/office/drawing/2010/main" val="0"/>
+              </a:ext>
+            </a:extLst>
+          </a:blip>
+          <a:stretch>
+            <a:fillRect/>
+          </a:stretch>
+        </p:blipFill>
+        <p:spPr bwMode="auto">
+          <a:xfrm>
+            <a:off x="6214856" y="2006210"/>
+            <a:ext cx="5131088" cy="1513670"/>
+          </a:xfrm>
+          <a:prstGeom prst="rect">
+            <a:avLst/>
+          </a:prstGeom>
+          <a:noFill/>
+          <a:extLst>
+            <a:ext uri="{909E8E84-426E-40DD-AFC4-6F175D3DCCD1}">
+              <a14:hiddenFill xmlns:a14="http://schemas.microsoft.com/office/drawing/2010/main">
+                <a:solidFill>
+                  <a:srgbClr val="FFFFFF"/>
+                </a:solidFill>
+              </a14:hiddenFill>
+            </a:ext>
+          </a:extLst>
+        </p:spPr>
+      </p:pic>
+      <p:pic>
+        <p:nvPicPr>
+          <p:cNvPr id="6" name="Picture 5">
+            <a:extLst>
+              <a:ext uri="{FF2B5EF4-FFF2-40B4-BE49-F238E27FC236}">
+                <a16:creationId xmlns:a16="http://schemas.microsoft.com/office/drawing/2014/main" id="{B7A8134D-D37E-8ED6-7F2C-62956B838199}"/>
+              </a:ext>
+            </a:extLst>
+          </p:cNvPr>
+          <p:cNvPicPr>
+            <a:picLocks noChangeAspect="1"/>
+          </p:cNvPicPr>
+          <p:nvPr/>
+        </p:nvPicPr>
+        <p:blipFill>
+          <a:blip r:embed="rId3"/>
+          <a:stretch>
+            <a:fillRect/>
+          </a:stretch>
+        </p:blipFill>
+        <p:spPr>
+          <a:xfrm>
+            <a:off x="759503" y="2006210"/>
+            <a:ext cx="4282539" cy="2323276"/>
+          </a:xfrm>
+          <a:prstGeom prst="rect">
+            <a:avLst/>
+          </a:prstGeom>
+        </p:spPr>
+      </p:pic>
+      <p:pic>
+        <p:nvPicPr>
+          <p:cNvPr id="9" name="Picture 8">
+            <a:extLst>
+              <a:ext uri="{FF2B5EF4-FFF2-40B4-BE49-F238E27FC236}">
+                <a16:creationId xmlns:a16="http://schemas.microsoft.com/office/drawing/2014/main" id="{552673D6-43C3-71D9-7891-369AAD101C23}"/>
+              </a:ext>
+            </a:extLst>
+          </p:cNvPr>
+          <p:cNvPicPr>
+            <a:picLocks noChangeAspect="1"/>
+          </p:cNvPicPr>
+          <p:nvPr/>
+        </p:nvPicPr>
+        <p:blipFill>
+          <a:blip r:embed="rId4"/>
+          <a:stretch>
+            <a:fillRect/>
+          </a:stretch>
+        </p:blipFill>
+        <p:spPr>
+          <a:xfrm>
+            <a:off x="757506" y="4826863"/>
+            <a:ext cx="4282539" cy="1227758"/>
+          </a:xfrm>
+          <a:prstGeom prst="rect">
+            <a:avLst/>
+          </a:prstGeom>
+        </p:spPr>
+      </p:pic>
+      <p:sp>
+        <p:nvSpPr>
+          <p:cNvPr id="10" name="Arrow: Right 9">
+            <a:extLst>
+              <a:ext uri="{FF2B5EF4-FFF2-40B4-BE49-F238E27FC236}">
+                <a16:creationId xmlns:a16="http://schemas.microsoft.com/office/drawing/2014/main" id="{D97C8EB8-F5C4-E2D2-4328-E055D07C001F}"/>
+              </a:ext>
+            </a:extLst>
+          </p:cNvPr>
+          <p:cNvSpPr/>
+          <p:nvPr/>
+        </p:nvSpPr>
+        <p:spPr>
+          <a:xfrm>
+            <a:off x="5244269" y="2566384"/>
+            <a:ext cx="970585" cy="393321"/>
+          </a:xfrm>
+          <a:prstGeom prst="rightArrow">
+            <a:avLst/>
+          </a:prstGeom>
+        </p:spPr>
+        <p:style>
+          <a:lnRef idx="2">
+            <a:schemeClr val="accent1">
+              <a:shade val="15000"/>
+            </a:schemeClr>
+          </a:lnRef>
+          <a:fillRef idx="1">
+            <a:schemeClr val="accent1"/>
+          </a:fillRef>
+          <a:effectRef idx="0">
+            <a:schemeClr val="accent1"/>
+          </a:effectRef>
+          <a:fontRef idx="minor">
+            <a:schemeClr val="lt1"/>
+          </a:fontRef>
+        </p:style>
+        <p:txBody>
+          <a:bodyPr rtlCol="0" anchor="ctr"/>
+          <a:lstStyle/>
+          <a:p>
+            <a:pPr algn="ctr"/>
+            <a:endParaRPr lang="en-US"/>
+          </a:p>
+        </p:txBody>
+      </p:sp>
+      <p:sp>
+        <p:nvSpPr>
+          <p:cNvPr id="11" name="TextBox 10">
+            <a:extLst>
+              <a:ext uri="{FF2B5EF4-FFF2-40B4-BE49-F238E27FC236}">
+                <a16:creationId xmlns:a16="http://schemas.microsoft.com/office/drawing/2014/main" id="{703F5508-CB59-8A43-59B9-72D246133DFE}"/>
+              </a:ext>
+            </a:extLst>
+          </p:cNvPr>
+          <p:cNvSpPr txBox="1"/>
+          <p:nvPr/>
+        </p:nvSpPr>
+        <p:spPr>
+          <a:xfrm>
+            <a:off x="5797550" y="3949700"/>
+            <a:ext cx="5448300" cy="1754326"/>
+          </a:xfrm>
+          <a:prstGeom prst="rect">
+            <a:avLst/>
+          </a:prstGeom>
+          <a:noFill/>
+        </p:spPr>
+        <p:txBody>
+          <a:bodyPr wrap="square" rtlCol="0">
+            <a:spAutoFit/>
+          </a:bodyPr>
+          <a:lstStyle/>
+          <a:p>
+            <a:r>
+              <a:rPr lang="zh-TW" altLang="en-US" dirty="0"/>
+              <a:t>透過一個</a:t>
+            </a:r>
+            <a:r>
+              <a:rPr lang="en-US" altLang="zh-TW" dirty="0"/>
+              <a:t>Shifter Register</a:t>
+            </a:r>
+            <a:r>
+              <a:rPr lang="zh-TW" altLang="en-US" dirty="0"/>
+              <a:t>，每次有新的</a:t>
+            </a:r>
+            <a:r>
+              <a:rPr lang="en-US" altLang="zh-TW" dirty="0"/>
+              <a:t>x</a:t>
+            </a:r>
+            <a:r>
+              <a:rPr lang="zh-TW" altLang="en-US" dirty="0"/>
+              <a:t>進來時存入</a:t>
+            </a:r>
+            <a:r>
+              <a:rPr lang="en-US" altLang="zh-TW" dirty="0" err="1"/>
+              <a:t>x_array</a:t>
+            </a:r>
+            <a:r>
+              <a:rPr lang="en-US" altLang="zh-TW" dirty="0"/>
+              <a:t>[0]</a:t>
+            </a:r>
+            <a:r>
+              <a:rPr lang="zh-TW" altLang="en-US" dirty="0"/>
+              <a:t>，並把所有位置上的值往下一個位置移動。</a:t>
+            </a:r>
+            <a:endParaRPr lang="en-US" altLang="zh-TW" dirty="0"/>
+          </a:p>
+          <a:p>
+            <a:endParaRPr lang="en-US" altLang="zh-TW" dirty="0"/>
+          </a:p>
+          <a:p>
+            <a:r>
+              <a:rPr lang="zh-TW" altLang="en-US" dirty="0"/>
+              <a:t>在上述過程中每次存入新值就將</a:t>
+            </a:r>
+            <a:r>
+              <a:rPr lang="en-US" altLang="zh-TW" dirty="0" err="1">
+                <a:solidFill>
+                  <a:srgbClr val="FF0000"/>
+                </a:solidFill>
+              </a:rPr>
+              <a:t>sum_x</a:t>
+            </a:r>
+            <a:r>
+              <a:rPr lang="zh-TW" altLang="en-US" dirty="0">
+                <a:solidFill>
+                  <a:srgbClr val="FF0000"/>
+                </a:solidFill>
+              </a:rPr>
+              <a:t>加上新值並減掉即將被覆蓋掉的值</a:t>
+            </a:r>
+            <a:r>
+              <a:rPr lang="zh-TW" altLang="en-US" dirty="0"/>
+              <a:t>，以此可以在每次新值進來時將</a:t>
+            </a:r>
+            <a:r>
+              <a:rPr lang="en-US" altLang="zh-TW" dirty="0"/>
+              <a:t>Shift Register</a:t>
+            </a:r>
+            <a:r>
+              <a:rPr lang="zh-TW" altLang="en-US" dirty="0"/>
+              <a:t>當中的總和計算出來。</a:t>
+            </a:r>
+            <a:endParaRPr lang="en-US" altLang="zh-TW" dirty="0"/>
+          </a:p>
+        </p:txBody>
+      </p:sp>
+    </p:spTree>
+    <p:extLst>
+      <p:ext uri="{BB962C8B-B14F-4D97-AF65-F5344CB8AC3E}">
+        <p14:creationId xmlns:p14="http://schemas.microsoft.com/office/powerpoint/2010/main" val="3259056747"/>
+      </p:ext>
+    </p:extLst>
+  </p:cSld>
+  <p:clrMapOvr>
+    <a:masterClrMapping/>
+  </p:clrMapOvr>
+</p:sld>
+</file>
+
+<file path=ppt/slides/slide7.xml><?xml version="1.0" encoding="utf-8"?>
+<p:sld xmlns:a="http://schemas.openxmlformats.org/drawingml/2006/main" xmlns:r="http://schemas.openxmlformats.org/officeDocument/2006/relationships" xmlns:p="http://schemas.openxmlformats.org/presentationml/2006/main">
+  <p:cSld>
+    <p:bg>
+      <p:bgPr>
+        <a:solidFill>
+          <a:schemeClr val="bg1"/>
+        </a:solidFill>
+        <a:effectLst/>
+      </p:bgPr>
+    </p:bg>
+    <p:spTree>
+      <p:nvGrpSpPr>
+        <p:cNvPr id="1" name=""/>
+        <p:cNvGrpSpPr/>
+        <p:nvPr/>
+      </p:nvGrpSpPr>
+      <p:grpSpPr>
+        <a:xfrm>
+          <a:off x="0" y="0"/>
+          <a:ext cx="0" cy="0"/>
+          <a:chOff x="0" y="0"/>
+          <a:chExt cx="0" cy="0"/>
+        </a:xfrm>
+      </p:grpSpPr>
+      <p:sp useBgFill="1">
+        <p:nvSpPr>
+          <p:cNvPr id="8" name="Rectangle 7">
+            <a:extLst>
+              <a:ext uri="{FF2B5EF4-FFF2-40B4-BE49-F238E27FC236}">
+                <a16:creationId xmlns:a16="http://schemas.microsoft.com/office/drawing/2014/main" id="{1B15ED52-F352-441B-82BF-E0EA34836D08}"/>
+              </a:ext>
+              <a:ext uri="{C183D7F6-B498-43B3-948B-1728B52AA6E4}">
+                <adec:decorative xmlns:adec="http://schemas.microsoft.com/office/drawing/2017/decorative" val="1"/>
+              </a:ext>
+            </a:extLst>
+          </p:cNvPr>
+          <p:cNvSpPr>
+            <a:spLocks noGrp="1" noRot="1" noChangeAspect="1" noMove="1" noResize="1" noEditPoints="1" noAdjustHandles="1" noChangeArrowheads="1" noChangeShapeType="1" noTextEdit="1"/>
+          </p:cNvSpPr>
+          <p:nvPr>
+            <p:extLst>
+              <p:ext uri="{386F3935-93C4-4BCD-93E2-E3B085C9AB24}">
+                <p16:designElem xmlns:p16="http://schemas.microsoft.com/office/powerpoint/2015/main" val="1"/>
+              </p:ext>
+            </p:extLst>
+          </p:nvPr>
+        </p:nvSpPr>
+        <p:spPr>
+          <a:xfrm>
+            <a:off x="0" y="0"/>
+            <a:ext cx="12192000" cy="6858000"/>
+          </a:xfrm>
+          <a:prstGeom prst="rect">
+            <a:avLst/>
+          </a:prstGeom>
+          <a:ln w="12700" cap="flat" cmpd="sng" algn="ctr">
+            <a:noFill/>
+            <a:prstDash val="solid"/>
+            <a:miter lim="800000"/>
+          </a:ln>
+          <a:effectLst/>
+          <a:extLst>
+            <a:ext uri="{91240B29-F687-4F45-9708-019B960494DF}">
+              <a14:hiddenLine xmlns:a14="http://schemas.microsoft.com/office/drawing/2010/main" w="12700" cap="flat" cmpd="sng" algn="ctr">
+                <a:solidFill>
+                  <a:schemeClr val="accent1">
+                    <a:shade val="50000"/>
+                  </a:schemeClr>
+                </a:solidFill>
+                <a:prstDash val="solid"/>
+                <a:miter lim="800000"/>
+              </a14:hiddenLine>
+            </a:ext>
+          </a:extLst>
+        </p:spPr>
+        <p:style>
+          <a:lnRef idx="2">
+            <a:schemeClr val="accent1">
+              <a:shade val="50000"/>
+            </a:schemeClr>
+          </a:lnRef>
+          <a:fillRef idx="1">
+            <a:schemeClr val="accent1"/>
+          </a:fillRef>
+          <a:effectRef idx="0">
+            <a:schemeClr val="accent1"/>
+          </a:effectRef>
+          <a:fontRef idx="minor">
+            <a:schemeClr val="lt1"/>
+          </a:fontRef>
+        </p:style>
+        <p:txBody>
+          <a:bodyPr rtlCol="0" anchor="ctr"/>
+          <a:lstStyle/>
+          <a:p>
+            <a:pPr algn="ctr"/>
             <a:endParaRPr lang="en-US"/>
           </a:p>
         </p:txBody>
@@ -6913,6 +8228,706 @@
           <p:cNvPr id="2" name="Title 1">
             <a:extLst>
               <a:ext uri="{FF2B5EF4-FFF2-40B4-BE49-F238E27FC236}">
+                <a16:creationId xmlns:a16="http://schemas.microsoft.com/office/drawing/2014/main" id="{5022B108-FF08-409E-761E-BECACD8A8FB2}"/>
+              </a:ext>
+            </a:extLst>
+          </p:cNvPr>
+          <p:cNvSpPr>
+            <a:spLocks noGrp="1"/>
+          </p:cNvSpPr>
+          <p:nvPr>
+            <p:ph type="title"/>
+          </p:nvPr>
+        </p:nvSpPr>
+        <p:spPr>
+          <a:xfrm>
+            <a:off x="1371599" y="294538"/>
+            <a:ext cx="9895951" cy="1033669"/>
+          </a:xfrm>
+        </p:spPr>
+        <p:txBody>
+          <a:bodyPr>
+            <a:normAutofit/>
+          </a:bodyPr>
+          <a:lstStyle/>
+          <a:p>
+            <a:r>
+              <a:rPr lang="en-US" altLang="zh-TW" sz="4000" dirty="0" err="1">
+                <a:solidFill>
+                  <a:srgbClr val="FFFFFF"/>
+                </a:solidFill>
+              </a:rPr>
+              <a:t>X_avg</a:t>
+            </a:r>
+            <a:r>
+              <a:rPr lang="en-US" altLang="zh-TW" sz="4000" dirty="0">
+                <a:solidFill>
+                  <a:srgbClr val="FFFFFF"/>
+                </a:solidFill>
+              </a:rPr>
+              <a:t>, </a:t>
+            </a:r>
+            <a:r>
+              <a:rPr lang="en-US" altLang="zh-TW" sz="4000" dirty="0" err="1">
+                <a:solidFill>
+                  <a:srgbClr val="FFFFFF"/>
+                </a:solidFill>
+              </a:rPr>
+              <a:t>X_appr</a:t>
+            </a:r>
+            <a:endParaRPr lang="en-US" sz="4000" dirty="0">
+              <a:solidFill>
+                <a:srgbClr val="FFFFFF"/>
+              </a:solidFill>
+            </a:endParaRPr>
+          </a:p>
+        </p:txBody>
+      </p:sp>
+      <p:pic>
+        <p:nvPicPr>
+          <p:cNvPr id="5" name="Picture 4">
+            <a:extLst>
+              <a:ext uri="{FF2B5EF4-FFF2-40B4-BE49-F238E27FC236}">
+                <a16:creationId xmlns:a16="http://schemas.microsoft.com/office/drawing/2014/main" id="{E59B6675-BB7C-2610-ADB4-783A593C734A}"/>
+              </a:ext>
+            </a:extLst>
+          </p:cNvPr>
+          <p:cNvPicPr>
+            <a:picLocks noChangeAspect="1"/>
+          </p:cNvPicPr>
+          <p:nvPr/>
+        </p:nvPicPr>
+        <p:blipFill>
+          <a:blip r:embed="rId2"/>
+          <a:stretch>
+            <a:fillRect/>
+          </a:stretch>
+        </p:blipFill>
+        <p:spPr>
+          <a:xfrm>
+            <a:off x="827736" y="3702471"/>
+            <a:ext cx="6293670" cy="1161037"/>
+          </a:xfrm>
+          <a:prstGeom prst="rect">
+            <a:avLst/>
+          </a:prstGeom>
+        </p:spPr>
+      </p:pic>
+      <p:sp>
+        <p:nvSpPr>
+          <p:cNvPr id="6" name="TextBox 5">
+            <a:extLst>
+              <a:ext uri="{FF2B5EF4-FFF2-40B4-BE49-F238E27FC236}">
+                <a16:creationId xmlns:a16="http://schemas.microsoft.com/office/drawing/2014/main" id="{A4C31CFB-A37E-3D0D-303B-9B0D52DA63FD}"/>
+              </a:ext>
+            </a:extLst>
+          </p:cNvPr>
+          <p:cNvSpPr txBox="1"/>
+          <p:nvPr/>
+        </p:nvSpPr>
+        <p:spPr>
+          <a:xfrm>
+            <a:off x="827736" y="5090182"/>
+            <a:ext cx="6439718" cy="923330"/>
+          </a:xfrm>
+          <a:prstGeom prst="rect">
+            <a:avLst/>
+          </a:prstGeom>
+          <a:noFill/>
+        </p:spPr>
+        <p:txBody>
+          <a:bodyPr wrap="square" rtlCol="0">
+            <a:spAutoFit/>
+          </a:bodyPr>
+          <a:lstStyle/>
+          <a:p>
+            <a:r>
+              <a:rPr lang="en-US" dirty="0" err="1"/>
+              <a:t>X_appr</a:t>
+            </a:r>
+            <a:r>
+              <a:rPr lang="zh-TW" altLang="en-US" dirty="0"/>
+              <a:t>根據題目定義為在</a:t>
+            </a:r>
+            <a:r>
+              <a:rPr lang="en-US" altLang="zh-TW" dirty="0"/>
+              <a:t>shift register</a:t>
+            </a:r>
+            <a:r>
+              <a:rPr lang="zh-TW" altLang="en-US" dirty="0"/>
+              <a:t>當中最大且小於等於</a:t>
+            </a:r>
+            <a:r>
+              <a:rPr lang="en-US" altLang="zh-TW" dirty="0"/>
+              <a:t>x</a:t>
+            </a:r>
+            <a:r>
+              <a:rPr lang="zh-TW" altLang="en-US" dirty="0"/>
+              <a:t>平均值的數值，因需要在一個</a:t>
+            </a:r>
+            <a:r>
+              <a:rPr lang="en-US" altLang="zh-TW" dirty="0"/>
+              <a:t>cycle</a:t>
+            </a:r>
+            <a:r>
+              <a:rPr lang="zh-TW" altLang="en-US" dirty="0"/>
+              <a:t>內完成，所以透過組合電路方式一次判斷完</a:t>
+            </a:r>
+            <a:r>
+              <a:rPr lang="en-US" altLang="zh-TW" dirty="0"/>
+              <a:t>shift register</a:t>
+            </a:r>
+            <a:r>
+              <a:rPr lang="zh-TW" altLang="en-US" dirty="0"/>
+              <a:t>內的</a:t>
+            </a:r>
+            <a:r>
+              <a:rPr lang="en-US" altLang="zh-TW" dirty="0"/>
+              <a:t>8</a:t>
+            </a:r>
+            <a:r>
+              <a:rPr lang="zh-TW" altLang="en-US" dirty="0"/>
+              <a:t>個</a:t>
+            </a:r>
+            <a:r>
+              <a:rPr lang="en-US" altLang="zh-TW" dirty="0"/>
+              <a:t>element</a:t>
+            </a:r>
+            <a:r>
+              <a:rPr lang="zh-TW" altLang="en-US" dirty="0"/>
+              <a:t>。</a:t>
+            </a:r>
+            <a:endParaRPr lang="en-US" altLang="zh-TW" dirty="0"/>
+          </a:p>
+        </p:txBody>
+      </p:sp>
+      <p:pic>
+        <p:nvPicPr>
+          <p:cNvPr id="9" name="Picture 8">
+            <a:extLst>
+              <a:ext uri="{FF2B5EF4-FFF2-40B4-BE49-F238E27FC236}">
+                <a16:creationId xmlns:a16="http://schemas.microsoft.com/office/drawing/2014/main" id="{238BAF7A-C815-2245-94E4-8FB33CD5290F}"/>
+              </a:ext>
+            </a:extLst>
+          </p:cNvPr>
+          <p:cNvPicPr>
+            <a:picLocks noChangeAspect="1"/>
+          </p:cNvPicPr>
+          <p:nvPr/>
+        </p:nvPicPr>
+        <p:blipFill>
+          <a:blip r:embed="rId3"/>
+          <a:stretch>
+            <a:fillRect/>
+          </a:stretch>
+        </p:blipFill>
+        <p:spPr>
+          <a:xfrm>
+            <a:off x="827736" y="2314760"/>
+            <a:ext cx="5652769" cy="1387711"/>
+          </a:xfrm>
+          <a:prstGeom prst="rect">
+            <a:avLst/>
+          </a:prstGeom>
+        </p:spPr>
+      </p:pic>
+      <p:pic>
+        <p:nvPicPr>
+          <p:cNvPr id="13" name="Picture 12">
+            <a:extLst>
+              <a:ext uri="{FF2B5EF4-FFF2-40B4-BE49-F238E27FC236}">
+                <a16:creationId xmlns:a16="http://schemas.microsoft.com/office/drawing/2014/main" id="{AAAD7432-1FBA-2880-AB5D-77CC8F8EDEBF}"/>
+              </a:ext>
+            </a:extLst>
+          </p:cNvPr>
+          <p:cNvPicPr>
+            <a:picLocks noChangeAspect="1"/>
+          </p:cNvPicPr>
+          <p:nvPr/>
+        </p:nvPicPr>
+        <p:blipFill>
+          <a:blip r:embed="rId4"/>
+          <a:stretch>
+            <a:fillRect/>
+          </a:stretch>
+        </p:blipFill>
+        <p:spPr>
+          <a:xfrm>
+            <a:off x="8004412" y="2314760"/>
+            <a:ext cx="3029373" cy="543001"/>
+          </a:xfrm>
+          <a:prstGeom prst="rect">
+            <a:avLst/>
+          </a:prstGeom>
+        </p:spPr>
+      </p:pic>
+      <p:sp>
+        <p:nvSpPr>
+          <p:cNvPr id="15" name="TextBox 14">
+            <a:extLst>
+              <a:ext uri="{FF2B5EF4-FFF2-40B4-BE49-F238E27FC236}">
+                <a16:creationId xmlns:a16="http://schemas.microsoft.com/office/drawing/2014/main" id="{61493486-A762-BBDD-1828-A07D5D4D9C53}"/>
+              </a:ext>
+            </a:extLst>
+          </p:cNvPr>
+          <p:cNvSpPr txBox="1"/>
+          <p:nvPr/>
+        </p:nvSpPr>
+        <p:spPr>
+          <a:xfrm>
+            <a:off x="8004412" y="2944924"/>
+            <a:ext cx="3263138" cy="646331"/>
+          </a:xfrm>
+          <a:prstGeom prst="rect">
+            <a:avLst/>
+          </a:prstGeom>
+          <a:noFill/>
+        </p:spPr>
+        <p:txBody>
+          <a:bodyPr wrap="square" rtlCol="0">
+            <a:spAutoFit/>
+          </a:bodyPr>
+          <a:lstStyle/>
+          <a:p>
+            <a:r>
+              <a:rPr lang="en-US" dirty="0" err="1"/>
+              <a:t>x_avg</a:t>
+            </a:r>
+            <a:r>
+              <a:rPr lang="zh-TW" altLang="en-US" dirty="0"/>
+              <a:t>直接使用組合電路除法器除</a:t>
+            </a:r>
+            <a:r>
+              <a:rPr lang="en-US" altLang="zh-TW" dirty="0"/>
+              <a:t>9</a:t>
+            </a:r>
+            <a:r>
+              <a:rPr lang="zh-TW" altLang="en-US" dirty="0"/>
+              <a:t>完成</a:t>
+            </a:r>
+            <a:endParaRPr lang="en-US" dirty="0"/>
+          </a:p>
+        </p:txBody>
+      </p:sp>
+    </p:spTree>
+    <p:extLst>
+      <p:ext uri="{BB962C8B-B14F-4D97-AF65-F5344CB8AC3E}">
+        <p14:creationId xmlns:p14="http://schemas.microsoft.com/office/powerpoint/2010/main" val="676674588"/>
+      </p:ext>
+    </p:extLst>
+  </p:cSld>
+  <p:clrMapOvr>
+    <a:masterClrMapping/>
+  </p:clrMapOvr>
+</p:sld>
+</file>
+
+<file path=ppt/slides/slide8.xml><?xml version="1.0" encoding="utf-8"?>
+<p:sld xmlns:a="http://schemas.openxmlformats.org/drawingml/2006/main" xmlns:r="http://schemas.openxmlformats.org/officeDocument/2006/relationships" xmlns:p="http://schemas.openxmlformats.org/presentationml/2006/main">
+  <p:cSld>
+    <p:bg>
+      <p:bgPr>
+        <a:solidFill>
+          <a:schemeClr val="bg1"/>
+        </a:solidFill>
+        <a:effectLst/>
+      </p:bgPr>
+    </p:bg>
+    <p:spTree>
+      <p:nvGrpSpPr>
+        <p:cNvPr id="1" name=""/>
+        <p:cNvGrpSpPr/>
+        <p:nvPr/>
+      </p:nvGrpSpPr>
+      <p:grpSpPr>
+        <a:xfrm>
+          <a:off x="0" y="0"/>
+          <a:ext cx="0" cy="0"/>
+          <a:chOff x="0" y="0"/>
+          <a:chExt cx="0" cy="0"/>
+        </a:xfrm>
+      </p:grpSpPr>
+      <p:sp useBgFill="1">
+        <p:nvSpPr>
+          <p:cNvPr id="8" name="Rectangle 7">
+            <a:extLst>
+              <a:ext uri="{FF2B5EF4-FFF2-40B4-BE49-F238E27FC236}">
+                <a16:creationId xmlns:a16="http://schemas.microsoft.com/office/drawing/2014/main" id="{1B15ED52-F352-441B-82BF-E0EA34836D08}"/>
+              </a:ext>
+              <a:ext uri="{C183D7F6-B498-43B3-948B-1728B52AA6E4}">
+                <adec:decorative xmlns:adec="http://schemas.microsoft.com/office/drawing/2017/decorative" val="1"/>
+              </a:ext>
+            </a:extLst>
+          </p:cNvPr>
+          <p:cNvSpPr>
+            <a:spLocks noGrp="1" noRot="1" noChangeAspect="1" noMove="1" noResize="1" noEditPoints="1" noAdjustHandles="1" noChangeArrowheads="1" noChangeShapeType="1" noTextEdit="1"/>
+          </p:cNvSpPr>
+          <p:nvPr>
+            <p:extLst>
+              <p:ext uri="{386F3935-93C4-4BCD-93E2-E3B085C9AB24}">
+                <p16:designElem xmlns:p16="http://schemas.microsoft.com/office/powerpoint/2015/main" val="1"/>
+              </p:ext>
+            </p:extLst>
+          </p:nvPr>
+        </p:nvSpPr>
+        <p:spPr>
+          <a:xfrm>
+            <a:off x="0" y="0"/>
+            <a:ext cx="12192000" cy="6858000"/>
+          </a:xfrm>
+          <a:prstGeom prst="rect">
+            <a:avLst/>
+          </a:prstGeom>
+          <a:ln w="12700" cap="flat" cmpd="sng" algn="ctr">
+            <a:noFill/>
+            <a:prstDash val="solid"/>
+            <a:miter lim="800000"/>
+          </a:ln>
+          <a:effectLst/>
+          <a:extLst>
+            <a:ext uri="{91240B29-F687-4F45-9708-019B960494DF}">
+              <a14:hiddenLine xmlns:a14="http://schemas.microsoft.com/office/drawing/2010/main" w="12700" cap="flat" cmpd="sng" algn="ctr">
+                <a:solidFill>
+                  <a:schemeClr val="accent1">
+                    <a:shade val="50000"/>
+                  </a:schemeClr>
+                </a:solidFill>
+                <a:prstDash val="solid"/>
+                <a:miter lim="800000"/>
+              </a14:hiddenLine>
+            </a:ext>
+          </a:extLst>
+        </p:spPr>
+        <p:style>
+          <a:lnRef idx="2">
+            <a:schemeClr val="accent1">
+              <a:shade val="50000"/>
+            </a:schemeClr>
+          </a:lnRef>
+          <a:fillRef idx="1">
+            <a:schemeClr val="accent1"/>
+          </a:fillRef>
+          <a:effectRef idx="0">
+            <a:schemeClr val="accent1"/>
+          </a:effectRef>
+          <a:fontRef idx="minor">
+            <a:schemeClr val="lt1"/>
+          </a:fontRef>
+        </p:style>
+        <p:txBody>
+          <a:bodyPr rtlCol="0" anchor="ctr"/>
+          <a:lstStyle/>
+          <a:p>
+            <a:pPr algn="ctr"/>
+            <a:endParaRPr lang="en-US"/>
+          </a:p>
+        </p:txBody>
+      </p:sp>
+      <p:sp>
+        <p:nvSpPr>
+          <p:cNvPr id="10" name="Rectangle 9">
+            <a:extLst>
+              <a:ext uri="{FF2B5EF4-FFF2-40B4-BE49-F238E27FC236}">
+                <a16:creationId xmlns:a16="http://schemas.microsoft.com/office/drawing/2014/main" id="{3B2E3793-BFE6-45A2-9B7B-E18844431C99}"/>
+              </a:ext>
+              <a:ext uri="{C183D7F6-B498-43B3-948B-1728B52AA6E4}">
+                <adec:decorative xmlns:adec="http://schemas.microsoft.com/office/drawing/2017/decorative" val="1"/>
+              </a:ext>
+            </a:extLst>
+          </p:cNvPr>
+          <p:cNvSpPr>
+            <a:spLocks noGrp="1" noRot="1" noChangeAspect="1" noMove="1" noResize="1" noEditPoints="1" noAdjustHandles="1" noChangeArrowheads="1" noChangeShapeType="1" noTextEdit="1"/>
+          </p:cNvSpPr>
+          <p:nvPr>
+            <p:extLst>
+              <p:ext uri="{386F3935-93C4-4BCD-93E2-E3B085C9AB24}">
+                <p16:designElem xmlns:p16="http://schemas.microsoft.com/office/powerpoint/2015/main" val="1"/>
+              </p:ext>
+            </p:extLst>
+          </p:nvPr>
+        </p:nvSpPr>
+        <p:spPr>
+          <a:xfrm flipH="1">
+            <a:off x="-1" y="-1"/>
+            <a:ext cx="12191998" cy="1590742"/>
+          </a:xfrm>
+          <a:prstGeom prst="rect">
+            <a:avLst/>
+          </a:prstGeom>
+          <a:gradFill>
+            <a:gsLst>
+              <a:gs pos="0">
+                <a:srgbClr val="000000"/>
+              </a:gs>
+              <a:gs pos="100000">
+                <a:schemeClr val="accent1">
+                  <a:lumMod val="75000"/>
+                </a:schemeClr>
+              </a:gs>
+            </a:gsLst>
+            <a:lin ang="8400000" scaled="0"/>
+          </a:gradFill>
+          <a:ln>
+            <a:noFill/>
+          </a:ln>
+        </p:spPr>
+        <p:style>
+          <a:lnRef idx="2">
+            <a:schemeClr val="accent1">
+              <a:shade val="50000"/>
+            </a:schemeClr>
+          </a:lnRef>
+          <a:fillRef idx="1">
+            <a:schemeClr val="accent1"/>
+          </a:fillRef>
+          <a:effectRef idx="0">
+            <a:schemeClr val="accent1"/>
+          </a:effectRef>
+          <a:fontRef idx="minor">
+            <a:schemeClr val="lt1"/>
+          </a:fontRef>
+        </p:style>
+        <p:txBody>
+          <a:bodyPr rtlCol="0" anchor="ctr"/>
+          <a:lstStyle/>
+          <a:p>
+            <a:pPr algn="ctr"/>
+            <a:endParaRPr lang="en-US"/>
+          </a:p>
+        </p:txBody>
+      </p:sp>
+      <p:sp>
+        <p:nvSpPr>
+          <p:cNvPr id="12" name="Rectangle 11">
+            <a:extLst>
+              <a:ext uri="{FF2B5EF4-FFF2-40B4-BE49-F238E27FC236}">
+                <a16:creationId xmlns:a16="http://schemas.microsoft.com/office/drawing/2014/main" id="{BC4C4868-CB8F-4AF9-9CDB-8108F2C19B67}"/>
+              </a:ext>
+              <a:ext uri="{C183D7F6-B498-43B3-948B-1728B52AA6E4}">
+                <adec:decorative xmlns:adec="http://schemas.microsoft.com/office/drawing/2017/decorative" val="1"/>
+              </a:ext>
+            </a:extLst>
+          </p:cNvPr>
+          <p:cNvSpPr>
+            <a:spLocks noGrp="1" noRot="1" noChangeAspect="1" noMove="1" noResize="1" noEditPoints="1" noAdjustHandles="1" noChangeArrowheads="1" noChangeShapeType="1" noTextEdit="1"/>
+          </p:cNvSpPr>
+          <p:nvPr>
+            <p:extLst>
+              <p:ext uri="{386F3935-93C4-4BCD-93E2-E3B085C9AB24}">
+                <p16:designElem xmlns:p16="http://schemas.microsoft.com/office/powerpoint/2015/main" val="1"/>
+              </p:ext>
+            </p:extLst>
+          </p:nvPr>
+        </p:nvSpPr>
+        <p:spPr>
+          <a:xfrm rot="10800000" flipH="1">
+            <a:off x="-3" y="0"/>
+            <a:ext cx="8115306" cy="1590742"/>
+          </a:xfrm>
+          <a:prstGeom prst="rect">
+            <a:avLst/>
+          </a:prstGeom>
+          <a:gradFill>
+            <a:gsLst>
+              <a:gs pos="20000">
+                <a:schemeClr val="accent1">
+                  <a:alpha val="0"/>
+                </a:schemeClr>
+              </a:gs>
+              <a:gs pos="100000">
+                <a:schemeClr val="accent1">
+                  <a:lumMod val="50000"/>
+                  <a:alpha val="55000"/>
+                </a:schemeClr>
+              </a:gs>
+            </a:gsLst>
+            <a:lin ang="13800000" scaled="0"/>
+          </a:gradFill>
+          <a:ln>
+            <a:noFill/>
+          </a:ln>
+        </p:spPr>
+        <p:style>
+          <a:lnRef idx="2">
+            <a:schemeClr val="accent1">
+              <a:shade val="50000"/>
+            </a:schemeClr>
+          </a:lnRef>
+          <a:fillRef idx="1">
+            <a:schemeClr val="accent1"/>
+          </a:fillRef>
+          <a:effectRef idx="0">
+            <a:schemeClr val="accent1"/>
+          </a:effectRef>
+          <a:fontRef idx="minor">
+            <a:schemeClr val="lt1"/>
+          </a:fontRef>
+        </p:style>
+        <p:txBody>
+          <a:bodyPr rtlCol="0" anchor="ctr"/>
+          <a:lstStyle/>
+          <a:p>
+            <a:pPr algn="ctr"/>
+            <a:endParaRPr lang="en-US"/>
+          </a:p>
+        </p:txBody>
+      </p:sp>
+      <p:sp>
+        <p:nvSpPr>
+          <p:cNvPr id="14" name="Rectangle 13">
+            <a:extLst>
+              <a:ext uri="{FF2B5EF4-FFF2-40B4-BE49-F238E27FC236}">
+                <a16:creationId xmlns:a16="http://schemas.microsoft.com/office/drawing/2014/main" id="{375E0459-6403-40CD-989D-56A4407CA12E}"/>
+              </a:ext>
+              <a:ext uri="{C183D7F6-B498-43B3-948B-1728B52AA6E4}">
+                <adec:decorative xmlns:adec="http://schemas.microsoft.com/office/drawing/2017/decorative" val="1"/>
+              </a:ext>
+            </a:extLst>
+          </p:cNvPr>
+          <p:cNvSpPr>
+            <a:spLocks noGrp="1" noRot="1" noChangeAspect="1" noMove="1" noResize="1" noEditPoints="1" noAdjustHandles="1" noChangeArrowheads="1" noChangeShapeType="1" noTextEdit="1"/>
+          </p:cNvSpPr>
+          <p:nvPr>
+            <p:extLst>
+              <p:ext uri="{386F3935-93C4-4BCD-93E2-E3B085C9AB24}">
+                <p16:designElem xmlns:p16="http://schemas.microsoft.com/office/powerpoint/2015/main" val="1"/>
+              </p:ext>
+            </p:extLst>
+          </p:nvPr>
+        </p:nvSpPr>
+        <p:spPr>
+          <a:xfrm flipH="1">
+            <a:off x="8115299" y="-1"/>
+            <a:ext cx="4076698" cy="1590742"/>
+          </a:xfrm>
+          <a:prstGeom prst="rect">
+            <a:avLst/>
+          </a:prstGeom>
+          <a:gradFill>
+            <a:gsLst>
+              <a:gs pos="0">
+                <a:schemeClr val="accent1">
+                  <a:alpha val="66000"/>
+                </a:schemeClr>
+              </a:gs>
+              <a:gs pos="100000">
+                <a:srgbClr val="000000">
+                  <a:alpha val="30000"/>
+                </a:srgbClr>
+              </a:gs>
+            </a:gsLst>
+            <a:lin ang="13200000" scaled="0"/>
+          </a:gradFill>
+          <a:ln>
+            <a:noFill/>
+          </a:ln>
+        </p:spPr>
+        <p:style>
+          <a:lnRef idx="2">
+            <a:schemeClr val="accent1">
+              <a:shade val="50000"/>
+            </a:schemeClr>
+          </a:lnRef>
+          <a:fillRef idx="1">
+            <a:schemeClr val="accent1"/>
+          </a:fillRef>
+          <a:effectRef idx="0">
+            <a:schemeClr val="accent1"/>
+          </a:effectRef>
+          <a:fontRef idx="minor">
+            <a:schemeClr val="lt1"/>
+          </a:fontRef>
+        </p:style>
+        <p:txBody>
+          <a:bodyPr rtlCol="0" anchor="ctr"/>
+          <a:lstStyle/>
+          <a:p>
+            <a:pPr algn="ctr"/>
+            <a:endParaRPr lang="en-US"/>
+          </a:p>
+        </p:txBody>
+      </p:sp>
+      <p:sp>
+        <p:nvSpPr>
+          <p:cNvPr id="16" name="Rectangle 15">
+            <a:extLst>
+              <a:ext uri="{FF2B5EF4-FFF2-40B4-BE49-F238E27FC236}">
+                <a16:creationId xmlns:a16="http://schemas.microsoft.com/office/drawing/2014/main" id="{53E5B1A8-3AC9-4BD1-9BBC-78CA94F2D1BA}"/>
+              </a:ext>
+              <a:ext uri="{C183D7F6-B498-43B3-948B-1728B52AA6E4}">
+                <adec:decorative xmlns:adec="http://schemas.microsoft.com/office/drawing/2017/decorative" val="1"/>
+              </a:ext>
+            </a:extLst>
+          </p:cNvPr>
+          <p:cNvSpPr>
+            <a:spLocks noGrp="1" noRot="1" noChangeAspect="1" noMove="1" noResize="1" noEditPoints="1" noAdjustHandles="1" noChangeArrowheads="1" noChangeShapeType="1" noTextEdit="1"/>
+          </p:cNvSpPr>
+          <p:nvPr>
+            <p:extLst>
+              <p:ext uri="{386F3935-93C4-4BCD-93E2-E3B085C9AB24}">
+                <p16:designElem xmlns:p16="http://schemas.microsoft.com/office/powerpoint/2015/main" val="1"/>
+              </p:ext>
+            </p:extLst>
+          </p:nvPr>
+        </p:nvSpPr>
+        <p:spPr>
+          <a:xfrm>
+            <a:off x="459350" y="-1"/>
+            <a:ext cx="11732646" cy="1597433"/>
+          </a:xfrm>
+          <a:prstGeom prst="rect">
+            <a:avLst/>
+          </a:prstGeom>
+          <a:gradFill>
+            <a:gsLst>
+              <a:gs pos="50000">
+                <a:srgbClr val="000000">
+                  <a:alpha val="0"/>
+                </a:srgbClr>
+              </a:gs>
+              <a:gs pos="99000">
+                <a:schemeClr val="accent1">
+                  <a:lumMod val="50000"/>
+                  <a:alpha val="52000"/>
+                </a:schemeClr>
+              </a:gs>
+            </a:gsLst>
+            <a:lin ang="16800000" scaled="0"/>
+          </a:gradFill>
+          <a:ln>
+            <a:noFill/>
+          </a:ln>
+        </p:spPr>
+        <p:style>
+          <a:lnRef idx="2">
+            <a:schemeClr val="accent1">
+              <a:shade val="50000"/>
+            </a:schemeClr>
+          </a:lnRef>
+          <a:fillRef idx="1">
+            <a:schemeClr val="accent1"/>
+          </a:fillRef>
+          <a:effectRef idx="0">
+            <a:schemeClr val="accent1"/>
+          </a:effectRef>
+          <a:fontRef idx="minor">
+            <a:schemeClr val="lt1"/>
+          </a:fontRef>
+        </p:style>
+        <p:txBody>
+          <a:bodyPr rtlCol="0" anchor="ctr"/>
+          <a:lstStyle/>
+          <a:p>
+            <a:pPr algn="ctr"/>
+            <a:endParaRPr lang="en-US"/>
+          </a:p>
+        </p:txBody>
+      </p:sp>
+      <p:sp>
+        <p:nvSpPr>
+          <p:cNvPr id="2" name="Title 1">
+            <a:extLst>
+              <a:ext uri="{FF2B5EF4-FFF2-40B4-BE49-F238E27FC236}">
                 <a16:creationId xmlns:a16="http://schemas.microsoft.com/office/drawing/2014/main" id="{85E441EC-FF35-2015-33F8-AB485944BDE4}"/>
               </a:ext>
             </a:extLst>
@@ -7190,7 +9205,7 @@
 </p:sld>
 </file>
 
-<file path=ppt/slides/slide7.xml><?xml version="1.0" encoding="utf-8"?>
+<file path=ppt/slides/slide9.xml><?xml version="1.0" encoding="utf-8"?>
 <p:sld xmlns:a="http://schemas.openxmlformats.org/drawingml/2006/main" xmlns:r="http://schemas.openxmlformats.org/officeDocument/2006/relationships" xmlns:p="http://schemas.openxmlformats.org/presentationml/2006/main">
   <p:cSld>
     <p:bg>
